--- a/数据库/MySQL事务/配图.pptx
+++ b/数据库/MySQL事务/配图.pptx
@@ -172,14 +172,6 @@
 </p:presentation>
 </file>
 
-<file path=ppt/revisionInfo.xml><?xml version="1.0" encoding="utf-8"?>
-<p1510:revInfo xmlns:a="http://schemas.openxmlformats.org/drawingml/2006/main" xmlns:r="http://schemas.openxmlformats.org/officeDocument/2006/relationships" xmlns:p1510="http://schemas.microsoft.com/office/powerpoint/2015/10/main">
-  <p1510:revLst>
-    <p1510:client id="{22BB9FAF-BDF1-4AC4-87BA-A708A611EA67}" v="274" dt="2019-01-14T23:58:52.823"/>
-  </p1510:revLst>
-</p1510:revInfo>
-</file>
-
 <file path=ppt/changesInfos/changesInfo1.xml><?xml version="1.0" encoding="utf-8"?>
 <pc:chgInfo xmlns:a="http://schemas.openxmlformats.org/drawingml/2006/main" xmlns:r="http://schemas.openxmlformats.org/officeDocument/2006/relationships" xmlns:ac="http://schemas.microsoft.com/office/drawing/2013/main/command" xmlns:pc="http://schemas.microsoft.com/office/powerpoint/2013/main/command">
   <pc:docChgLst>
@@ -1787,6 +1779,358 @@
             <ac:cxnSpMk id="1051" creationId="{C18E0C09-8FC2-4752-A56B-66777B894DEF}"/>
           </ac:cxnSpMkLst>
         </pc:cxnChg>
+      </pc:sldChg>
+    </pc:docChg>
+  </pc:docChgLst>
+  <pc:docChgLst>
+    <pc:chgData name="陈 彩华" userId="dccc01fcfd8aa36a" providerId="LiveId" clId="{B798F554-6319-4DB1-AAF3-2596588B813D}"/>
+    <pc:docChg chg="modSld">
+      <pc:chgData name="陈 彩华" userId="dccc01fcfd8aa36a" providerId="LiveId" clId="{B798F554-6319-4DB1-AAF3-2596588B813D}" dt="2019-11-23T06:58:08.652" v="61" actId="20577"/>
+      <pc:docMkLst>
+        <pc:docMk/>
+      </pc:docMkLst>
+      <pc:sldChg chg="delSp modSp">
+        <pc:chgData name="陈 彩华" userId="dccc01fcfd8aa36a" providerId="LiveId" clId="{B798F554-6319-4DB1-AAF3-2596588B813D}" dt="2019-11-23T06:58:08.652" v="61" actId="20577"/>
+        <pc:sldMkLst>
+          <pc:docMk/>
+          <pc:sldMk cId="2459364429" sldId="302"/>
+        </pc:sldMkLst>
+        <pc:spChg chg="mod topLvl">
+          <ac:chgData name="陈 彩华" userId="dccc01fcfd8aa36a" providerId="LiveId" clId="{B798F554-6319-4DB1-AAF3-2596588B813D}" dt="2019-11-23T06:48:03.466" v="4" actId="255"/>
+          <ac:spMkLst>
+            <pc:docMk/>
+            <pc:sldMk cId="2459364429" sldId="302"/>
+            <ac:spMk id="7" creationId="{DA18C985-9AB9-4EBA-9EB1-362363B137D1}"/>
+          </ac:spMkLst>
+        </pc:spChg>
+        <pc:spChg chg="mod topLvl">
+          <ac:chgData name="陈 彩华" userId="dccc01fcfd8aa36a" providerId="LiveId" clId="{B798F554-6319-4DB1-AAF3-2596588B813D}" dt="2019-11-23T06:48:03.466" v="4" actId="255"/>
+          <ac:spMkLst>
+            <pc:docMk/>
+            <pc:sldMk cId="2459364429" sldId="302"/>
+            <ac:spMk id="8" creationId="{0A87C972-9CCD-4CE9-931B-D0EC29B1BCD7}"/>
+          </ac:spMkLst>
+        </pc:spChg>
+        <pc:spChg chg="mod topLvl">
+          <ac:chgData name="陈 彩华" userId="dccc01fcfd8aa36a" providerId="LiveId" clId="{B798F554-6319-4DB1-AAF3-2596588B813D}" dt="2019-11-23T06:48:03.466" v="4" actId="255"/>
+          <ac:spMkLst>
+            <pc:docMk/>
+            <pc:sldMk cId="2459364429" sldId="302"/>
+            <ac:spMk id="9" creationId="{97AC42A3-0EB5-46C4-A2FA-39124F668C21}"/>
+          </ac:spMkLst>
+        </pc:spChg>
+        <pc:spChg chg="mod topLvl">
+          <ac:chgData name="陈 彩华" userId="dccc01fcfd8aa36a" providerId="LiveId" clId="{B798F554-6319-4DB1-AAF3-2596588B813D}" dt="2019-11-23T06:48:03.466" v="4" actId="255"/>
+          <ac:spMkLst>
+            <pc:docMk/>
+            <pc:sldMk cId="2459364429" sldId="302"/>
+            <ac:spMk id="10" creationId="{97AC42A3-0EB5-46C4-A2FA-39124F668C21}"/>
+          </ac:spMkLst>
+        </pc:spChg>
+        <pc:spChg chg="mod topLvl">
+          <ac:chgData name="陈 彩华" userId="dccc01fcfd8aa36a" providerId="LiveId" clId="{B798F554-6319-4DB1-AAF3-2596588B813D}" dt="2019-11-23T06:48:03.466" v="4" actId="255"/>
+          <ac:spMkLst>
+            <pc:docMk/>
+            <pc:sldMk cId="2459364429" sldId="302"/>
+            <ac:spMk id="11" creationId="{97AC42A3-0EB5-46C4-A2FA-39124F668C21}"/>
+          </ac:spMkLst>
+        </pc:spChg>
+        <pc:spChg chg="mod">
+          <ac:chgData name="陈 彩华" userId="dccc01fcfd8aa36a" providerId="LiveId" clId="{B798F554-6319-4DB1-AAF3-2596588B813D}" dt="2019-11-23T06:58:08.652" v="61" actId="20577"/>
+          <ac:spMkLst>
+            <pc:docMk/>
+            <pc:sldMk cId="2459364429" sldId="302"/>
+            <ac:spMk id="12" creationId="{9E7E878F-B0F2-438A-8DF9-914FAAB4EAA6}"/>
+          </ac:spMkLst>
+        </pc:spChg>
+        <pc:spChg chg="mod topLvl">
+          <ac:chgData name="陈 彩华" userId="dccc01fcfd8aa36a" providerId="LiveId" clId="{B798F554-6319-4DB1-AAF3-2596588B813D}" dt="2019-11-23T06:48:03.466" v="4" actId="255"/>
+          <ac:spMkLst>
+            <pc:docMk/>
+            <pc:sldMk cId="2459364429" sldId="302"/>
+            <ac:spMk id="14" creationId="{DA18C985-9AB9-4EBA-9EB1-362363B137D1}"/>
+          </ac:spMkLst>
+        </pc:spChg>
+        <pc:spChg chg="mod topLvl">
+          <ac:chgData name="陈 彩华" userId="dccc01fcfd8aa36a" providerId="LiveId" clId="{B798F554-6319-4DB1-AAF3-2596588B813D}" dt="2019-11-23T06:48:03.466" v="4" actId="255"/>
+          <ac:spMkLst>
+            <pc:docMk/>
+            <pc:sldMk cId="2459364429" sldId="302"/>
+            <ac:spMk id="15" creationId="{0A87C972-9CCD-4CE9-931B-D0EC29B1BCD7}"/>
+          </ac:spMkLst>
+        </pc:spChg>
+        <pc:spChg chg="mod topLvl">
+          <ac:chgData name="陈 彩华" userId="dccc01fcfd8aa36a" providerId="LiveId" clId="{B798F554-6319-4DB1-AAF3-2596588B813D}" dt="2019-11-23T06:48:03.466" v="4" actId="255"/>
+          <ac:spMkLst>
+            <pc:docMk/>
+            <pc:sldMk cId="2459364429" sldId="302"/>
+            <ac:spMk id="16" creationId="{97AC42A3-0EB5-46C4-A2FA-39124F668C21}"/>
+          </ac:spMkLst>
+        </pc:spChg>
+        <pc:spChg chg="mod topLvl">
+          <ac:chgData name="陈 彩华" userId="dccc01fcfd8aa36a" providerId="LiveId" clId="{B798F554-6319-4DB1-AAF3-2596588B813D}" dt="2019-11-23T06:48:03.466" v="4" actId="255"/>
+          <ac:spMkLst>
+            <pc:docMk/>
+            <pc:sldMk cId="2459364429" sldId="302"/>
+            <ac:spMk id="17" creationId="{97AC42A3-0EB5-46C4-A2FA-39124F668C21}"/>
+          </ac:spMkLst>
+        </pc:spChg>
+        <pc:spChg chg="mod topLvl">
+          <ac:chgData name="陈 彩华" userId="dccc01fcfd8aa36a" providerId="LiveId" clId="{B798F554-6319-4DB1-AAF3-2596588B813D}" dt="2019-11-23T06:48:03.466" v="4" actId="255"/>
+          <ac:spMkLst>
+            <pc:docMk/>
+            <pc:sldMk cId="2459364429" sldId="302"/>
+            <ac:spMk id="18" creationId="{97AC42A3-0EB5-46C4-A2FA-39124F668C21}"/>
+          </ac:spMkLst>
+        </pc:spChg>
+        <pc:spChg chg="mod topLvl">
+          <ac:chgData name="陈 彩华" userId="dccc01fcfd8aa36a" providerId="LiveId" clId="{B798F554-6319-4DB1-AAF3-2596588B813D}" dt="2019-11-23T06:48:03.466" v="4" actId="255"/>
+          <ac:spMkLst>
+            <pc:docMk/>
+            <pc:sldMk cId="2459364429" sldId="302"/>
+            <ac:spMk id="20" creationId="{DA18C985-9AB9-4EBA-9EB1-362363B137D1}"/>
+          </ac:spMkLst>
+        </pc:spChg>
+        <pc:spChg chg="mod topLvl">
+          <ac:chgData name="陈 彩华" userId="dccc01fcfd8aa36a" providerId="LiveId" clId="{B798F554-6319-4DB1-AAF3-2596588B813D}" dt="2019-11-23T06:48:03.466" v="4" actId="255"/>
+          <ac:spMkLst>
+            <pc:docMk/>
+            <pc:sldMk cId="2459364429" sldId="302"/>
+            <ac:spMk id="21" creationId="{0A87C972-9CCD-4CE9-931B-D0EC29B1BCD7}"/>
+          </ac:spMkLst>
+        </pc:spChg>
+        <pc:spChg chg="mod topLvl">
+          <ac:chgData name="陈 彩华" userId="dccc01fcfd8aa36a" providerId="LiveId" clId="{B798F554-6319-4DB1-AAF3-2596588B813D}" dt="2019-11-23T06:48:03.466" v="4" actId="255"/>
+          <ac:spMkLst>
+            <pc:docMk/>
+            <pc:sldMk cId="2459364429" sldId="302"/>
+            <ac:spMk id="22" creationId="{97AC42A3-0EB5-46C4-A2FA-39124F668C21}"/>
+          </ac:spMkLst>
+        </pc:spChg>
+        <pc:spChg chg="mod topLvl">
+          <ac:chgData name="陈 彩华" userId="dccc01fcfd8aa36a" providerId="LiveId" clId="{B798F554-6319-4DB1-AAF3-2596588B813D}" dt="2019-11-23T06:48:03.466" v="4" actId="255"/>
+          <ac:spMkLst>
+            <pc:docMk/>
+            <pc:sldMk cId="2459364429" sldId="302"/>
+            <ac:spMk id="23" creationId="{97AC42A3-0EB5-46C4-A2FA-39124F668C21}"/>
+          </ac:spMkLst>
+        </pc:spChg>
+        <pc:spChg chg="mod topLvl">
+          <ac:chgData name="陈 彩华" userId="dccc01fcfd8aa36a" providerId="LiveId" clId="{B798F554-6319-4DB1-AAF3-2596588B813D}" dt="2019-11-23T06:48:03.466" v="4" actId="255"/>
+          <ac:spMkLst>
+            <pc:docMk/>
+            <pc:sldMk cId="2459364429" sldId="302"/>
+            <ac:spMk id="24" creationId="{97AC42A3-0EB5-46C4-A2FA-39124F668C21}"/>
+          </ac:spMkLst>
+        </pc:spChg>
+        <pc:spChg chg="mod topLvl">
+          <ac:chgData name="陈 彩华" userId="dccc01fcfd8aa36a" providerId="LiveId" clId="{B798F554-6319-4DB1-AAF3-2596588B813D}" dt="2019-11-23T06:48:03.466" v="4" actId="255"/>
+          <ac:spMkLst>
+            <pc:docMk/>
+            <pc:sldMk cId="2459364429" sldId="302"/>
+            <ac:spMk id="26" creationId="{DA18C985-9AB9-4EBA-9EB1-362363B137D1}"/>
+          </ac:spMkLst>
+        </pc:spChg>
+        <pc:spChg chg="mod topLvl">
+          <ac:chgData name="陈 彩华" userId="dccc01fcfd8aa36a" providerId="LiveId" clId="{B798F554-6319-4DB1-AAF3-2596588B813D}" dt="2019-11-23T06:48:03.466" v="4" actId="255"/>
+          <ac:spMkLst>
+            <pc:docMk/>
+            <pc:sldMk cId="2459364429" sldId="302"/>
+            <ac:spMk id="27" creationId="{0A87C972-9CCD-4CE9-931B-D0EC29B1BCD7}"/>
+          </ac:spMkLst>
+        </pc:spChg>
+        <pc:spChg chg="mod topLvl">
+          <ac:chgData name="陈 彩华" userId="dccc01fcfd8aa36a" providerId="LiveId" clId="{B798F554-6319-4DB1-AAF3-2596588B813D}" dt="2019-11-23T06:48:03.466" v="4" actId="255"/>
+          <ac:spMkLst>
+            <pc:docMk/>
+            <pc:sldMk cId="2459364429" sldId="302"/>
+            <ac:spMk id="28" creationId="{97AC42A3-0EB5-46C4-A2FA-39124F668C21}"/>
+          </ac:spMkLst>
+        </pc:spChg>
+        <pc:spChg chg="mod topLvl">
+          <ac:chgData name="陈 彩华" userId="dccc01fcfd8aa36a" providerId="LiveId" clId="{B798F554-6319-4DB1-AAF3-2596588B813D}" dt="2019-11-23T06:48:03.466" v="4" actId="255"/>
+          <ac:spMkLst>
+            <pc:docMk/>
+            <pc:sldMk cId="2459364429" sldId="302"/>
+            <ac:spMk id="29" creationId="{97AC42A3-0EB5-46C4-A2FA-39124F668C21}"/>
+          </ac:spMkLst>
+        </pc:spChg>
+        <pc:spChg chg="mod topLvl">
+          <ac:chgData name="陈 彩华" userId="dccc01fcfd8aa36a" providerId="LiveId" clId="{B798F554-6319-4DB1-AAF3-2596588B813D}" dt="2019-11-23T06:48:03.466" v="4" actId="255"/>
+          <ac:spMkLst>
+            <pc:docMk/>
+            <pc:sldMk cId="2459364429" sldId="302"/>
+            <ac:spMk id="30" creationId="{97AC42A3-0EB5-46C4-A2FA-39124F668C21}"/>
+          </ac:spMkLst>
+        </pc:spChg>
+        <pc:spChg chg="mod topLvl">
+          <ac:chgData name="陈 彩华" userId="dccc01fcfd8aa36a" providerId="LiveId" clId="{B798F554-6319-4DB1-AAF3-2596588B813D}" dt="2019-11-23T06:48:03.466" v="4" actId="255"/>
+          <ac:spMkLst>
+            <pc:docMk/>
+            <pc:sldMk cId="2459364429" sldId="302"/>
+            <ac:spMk id="32" creationId="{DA18C985-9AB9-4EBA-9EB1-362363B137D1}"/>
+          </ac:spMkLst>
+        </pc:spChg>
+        <pc:spChg chg="mod topLvl">
+          <ac:chgData name="陈 彩华" userId="dccc01fcfd8aa36a" providerId="LiveId" clId="{B798F554-6319-4DB1-AAF3-2596588B813D}" dt="2019-11-23T06:48:03.466" v="4" actId="255"/>
+          <ac:spMkLst>
+            <pc:docMk/>
+            <pc:sldMk cId="2459364429" sldId="302"/>
+            <ac:spMk id="33" creationId="{0A87C972-9CCD-4CE9-931B-D0EC29B1BCD7}"/>
+          </ac:spMkLst>
+        </pc:spChg>
+        <pc:spChg chg="mod topLvl">
+          <ac:chgData name="陈 彩华" userId="dccc01fcfd8aa36a" providerId="LiveId" clId="{B798F554-6319-4DB1-AAF3-2596588B813D}" dt="2019-11-23T06:48:03.466" v="4" actId="255"/>
+          <ac:spMkLst>
+            <pc:docMk/>
+            <pc:sldMk cId="2459364429" sldId="302"/>
+            <ac:spMk id="34" creationId="{97AC42A3-0EB5-46C4-A2FA-39124F668C21}"/>
+          </ac:spMkLst>
+        </pc:spChg>
+        <pc:spChg chg="mod topLvl">
+          <ac:chgData name="陈 彩华" userId="dccc01fcfd8aa36a" providerId="LiveId" clId="{B798F554-6319-4DB1-AAF3-2596588B813D}" dt="2019-11-23T06:48:03.466" v="4" actId="255"/>
+          <ac:spMkLst>
+            <pc:docMk/>
+            <pc:sldMk cId="2459364429" sldId="302"/>
+            <ac:spMk id="35" creationId="{97AC42A3-0EB5-46C4-A2FA-39124F668C21}"/>
+          </ac:spMkLst>
+        </pc:spChg>
+        <pc:spChg chg="mod topLvl">
+          <ac:chgData name="陈 彩华" userId="dccc01fcfd8aa36a" providerId="LiveId" clId="{B798F554-6319-4DB1-AAF3-2596588B813D}" dt="2019-11-23T06:48:03.466" v="4" actId="255"/>
+          <ac:spMkLst>
+            <pc:docMk/>
+            <pc:sldMk cId="2459364429" sldId="302"/>
+            <ac:spMk id="36" creationId="{97AC42A3-0EB5-46C4-A2FA-39124F668C21}"/>
+          </ac:spMkLst>
+        </pc:spChg>
+        <pc:spChg chg="mod">
+          <ac:chgData name="陈 彩华" userId="dccc01fcfd8aa36a" providerId="LiveId" clId="{B798F554-6319-4DB1-AAF3-2596588B813D}" dt="2019-11-23T06:48:03.466" v="4" actId="255"/>
+          <ac:spMkLst>
+            <pc:docMk/>
+            <pc:sldMk cId="2459364429" sldId="302"/>
+            <ac:spMk id="37" creationId="{00000000-0000-0000-0000-000000000000}"/>
+          </ac:spMkLst>
+        </pc:spChg>
+        <pc:spChg chg="mod">
+          <ac:chgData name="陈 彩华" userId="dccc01fcfd8aa36a" providerId="LiveId" clId="{B798F554-6319-4DB1-AAF3-2596588B813D}" dt="2019-11-23T06:48:03.466" v="4" actId="255"/>
+          <ac:spMkLst>
+            <pc:docMk/>
+            <pc:sldMk cId="2459364429" sldId="302"/>
+            <ac:spMk id="38" creationId="{00000000-0000-0000-0000-000000000000}"/>
+          </ac:spMkLst>
+        </pc:spChg>
+        <pc:spChg chg="mod">
+          <ac:chgData name="陈 彩华" userId="dccc01fcfd8aa36a" providerId="LiveId" clId="{B798F554-6319-4DB1-AAF3-2596588B813D}" dt="2019-11-23T06:48:03.466" v="4" actId="255"/>
+          <ac:spMkLst>
+            <pc:docMk/>
+            <pc:sldMk cId="2459364429" sldId="302"/>
+            <ac:spMk id="39" creationId="{00000000-0000-0000-0000-000000000000}"/>
+          </ac:spMkLst>
+        </pc:spChg>
+        <pc:spChg chg="mod">
+          <ac:chgData name="陈 彩华" userId="dccc01fcfd8aa36a" providerId="LiveId" clId="{B798F554-6319-4DB1-AAF3-2596588B813D}" dt="2019-11-23T06:48:03.466" v="4" actId="255"/>
+          <ac:spMkLst>
+            <pc:docMk/>
+            <pc:sldMk cId="2459364429" sldId="302"/>
+            <ac:spMk id="40" creationId="{00000000-0000-0000-0000-000000000000}"/>
+          </ac:spMkLst>
+        </pc:spChg>
+        <pc:spChg chg="mod">
+          <ac:chgData name="陈 彩华" userId="dccc01fcfd8aa36a" providerId="LiveId" clId="{B798F554-6319-4DB1-AAF3-2596588B813D}" dt="2019-11-23T06:48:55.688" v="38" actId="14100"/>
+          <ac:spMkLst>
+            <pc:docMk/>
+            <pc:sldMk cId="2459364429" sldId="302"/>
+            <ac:spMk id="41" creationId="{9E7E878F-B0F2-438A-8DF9-914FAAB4EAA6}"/>
+          </ac:spMkLst>
+        </pc:spChg>
+        <pc:spChg chg="mod">
+          <ac:chgData name="陈 彩华" userId="dccc01fcfd8aa36a" providerId="LiveId" clId="{B798F554-6319-4DB1-AAF3-2596588B813D}" dt="2019-11-23T06:57:28.056" v="42" actId="1076"/>
+          <ac:spMkLst>
+            <pc:docMk/>
+            <pc:sldMk cId="2459364429" sldId="302"/>
+            <ac:spMk id="42" creationId="{00000000-0000-0000-0000-000000000000}"/>
+          </ac:spMkLst>
+        </pc:spChg>
+        <pc:spChg chg="mod">
+          <ac:chgData name="陈 彩华" userId="dccc01fcfd8aa36a" providerId="LiveId" clId="{B798F554-6319-4DB1-AAF3-2596588B813D}" dt="2019-11-23T06:57:44.172" v="47" actId="1076"/>
+          <ac:spMkLst>
+            <pc:docMk/>
+            <pc:sldMk cId="2459364429" sldId="302"/>
+            <ac:spMk id="43" creationId="{00000000-0000-0000-0000-000000000000}"/>
+          </ac:spMkLst>
+        </pc:spChg>
+        <pc:spChg chg="mod">
+          <ac:chgData name="陈 彩华" userId="dccc01fcfd8aa36a" providerId="LiveId" clId="{B798F554-6319-4DB1-AAF3-2596588B813D}" dt="2019-11-23T06:57:30.697" v="43" actId="1076"/>
+          <ac:spMkLst>
+            <pc:docMk/>
+            <pc:sldMk cId="2459364429" sldId="302"/>
+            <ac:spMk id="44" creationId="{9E7E878F-B0F2-438A-8DF9-914FAAB4EAA6}"/>
+          </ac:spMkLst>
+        </pc:spChg>
+        <pc:spChg chg="mod">
+          <ac:chgData name="陈 彩华" userId="dccc01fcfd8aa36a" providerId="LiveId" clId="{B798F554-6319-4DB1-AAF3-2596588B813D}" dt="2019-11-23T06:57:46.697" v="48" actId="1076"/>
+          <ac:spMkLst>
+            <pc:docMk/>
+            <pc:sldMk cId="2459364429" sldId="302"/>
+            <ac:spMk id="45" creationId="{9E7E878F-B0F2-438A-8DF9-914FAAB4EAA6}"/>
+          </ac:spMkLst>
+        </pc:spChg>
+        <pc:spChg chg="mod">
+          <ac:chgData name="陈 彩华" userId="dccc01fcfd8aa36a" providerId="LiveId" clId="{B798F554-6319-4DB1-AAF3-2596588B813D}" dt="2019-11-23T06:48:03.466" v="4" actId="255"/>
+          <ac:spMkLst>
+            <pc:docMk/>
+            <pc:sldMk cId="2459364429" sldId="302"/>
+            <ac:spMk id="46" creationId="{DEE6F68B-D383-4456-A945-5D2426316FC6}"/>
+          </ac:spMkLst>
+        </pc:spChg>
+        <pc:grpChg chg="del mod">
+          <ac:chgData name="陈 彩华" userId="dccc01fcfd8aa36a" providerId="LiveId" clId="{B798F554-6319-4DB1-AAF3-2596588B813D}" dt="2019-11-23T06:47:34.892" v="1" actId="165"/>
+          <ac:grpSpMkLst>
+            <pc:docMk/>
+            <pc:sldMk cId="2459364429" sldId="302"/>
+            <ac:grpSpMk id="6" creationId="{00000000-0000-0000-0000-000000000000}"/>
+          </ac:grpSpMkLst>
+        </pc:grpChg>
+        <pc:grpChg chg="del mod">
+          <ac:chgData name="陈 彩华" userId="dccc01fcfd8aa36a" providerId="LiveId" clId="{B798F554-6319-4DB1-AAF3-2596588B813D}" dt="2019-11-23T06:47:34.892" v="1" actId="165"/>
+          <ac:grpSpMkLst>
+            <pc:docMk/>
+            <pc:sldMk cId="2459364429" sldId="302"/>
+            <ac:grpSpMk id="13" creationId="{00000000-0000-0000-0000-000000000000}"/>
+          </ac:grpSpMkLst>
+        </pc:grpChg>
+        <pc:grpChg chg="del mod">
+          <ac:chgData name="陈 彩华" userId="dccc01fcfd8aa36a" providerId="LiveId" clId="{B798F554-6319-4DB1-AAF3-2596588B813D}" dt="2019-11-23T06:47:34.892" v="1" actId="165"/>
+          <ac:grpSpMkLst>
+            <pc:docMk/>
+            <pc:sldMk cId="2459364429" sldId="302"/>
+            <ac:grpSpMk id="19" creationId="{00000000-0000-0000-0000-000000000000}"/>
+          </ac:grpSpMkLst>
+        </pc:grpChg>
+        <pc:grpChg chg="del mod">
+          <ac:chgData name="陈 彩华" userId="dccc01fcfd8aa36a" providerId="LiveId" clId="{B798F554-6319-4DB1-AAF3-2596588B813D}" dt="2019-11-23T06:47:34.892" v="1" actId="165"/>
+          <ac:grpSpMkLst>
+            <pc:docMk/>
+            <pc:sldMk cId="2459364429" sldId="302"/>
+            <ac:grpSpMk id="25" creationId="{00000000-0000-0000-0000-000000000000}"/>
+          </ac:grpSpMkLst>
+        </pc:grpChg>
+        <pc:grpChg chg="del mod">
+          <ac:chgData name="陈 彩华" userId="dccc01fcfd8aa36a" providerId="LiveId" clId="{B798F554-6319-4DB1-AAF3-2596588B813D}" dt="2019-11-23T06:47:34.892" v="1" actId="165"/>
+          <ac:grpSpMkLst>
+            <pc:docMk/>
+            <pc:sldMk cId="2459364429" sldId="302"/>
+            <ac:grpSpMk id="31" creationId="{00000000-0000-0000-0000-000000000000}"/>
+          </ac:grpSpMkLst>
+        </pc:grpChg>
+        <pc:picChg chg="mod">
+          <ac:chgData name="陈 彩华" userId="dccc01fcfd8aa36a" providerId="LiveId" clId="{B798F554-6319-4DB1-AAF3-2596588B813D}" dt="2019-11-23T06:57:50.598" v="49" actId="14100"/>
+          <ac:picMkLst>
+            <pc:docMk/>
+            <pc:sldMk cId="2459364429" sldId="302"/>
+            <ac:picMk id="5" creationId="{C49BA596-B860-41A3-9734-D1BA0CD74A42}"/>
+          </ac:picMkLst>
+        </pc:picChg>
       </pc:sldChg>
     </pc:docChg>
   </pc:docChgLst>
@@ -1832,7 +2176,7 @@
           <p:cNvPr id="4097" name="Rectangle 1">
             <a:extLst>
               <a:ext uri="{FF2B5EF4-FFF2-40B4-BE49-F238E27FC236}">
-                <a16:creationId xmlns:a16="http://schemas.microsoft.com/office/drawing/2014/main" xmlns="" id="{565A64E7-9CD6-4CA0-BB1F-239A37432A4C}"/>
+                <a16:creationId xmlns:a16="http://schemas.microsoft.com/office/drawing/2014/main" id="{565A64E7-9CD6-4CA0-BB1F-239A37432A4C}"/>
               </a:ext>
             </a:extLst>
           </p:cNvPr>
@@ -1892,7 +2236,7 @@
           <p:cNvPr id="4098" name="Rectangle 2">
             <a:extLst>
               <a:ext uri="{FF2B5EF4-FFF2-40B4-BE49-F238E27FC236}">
-                <a16:creationId xmlns:a16="http://schemas.microsoft.com/office/drawing/2014/main" xmlns="" id="{BEC89F56-1C5B-450B-BA44-8C5C6738B526}"/>
+                <a16:creationId xmlns:a16="http://schemas.microsoft.com/office/drawing/2014/main" id="{BEC89F56-1C5B-450B-BA44-8C5C6738B526}"/>
               </a:ext>
             </a:extLst>
           </p:cNvPr>
@@ -2373,7 +2717,7 @@
           <p:cNvPr id="2" name="标题 1">
             <a:extLst>
               <a:ext uri="{FF2B5EF4-FFF2-40B4-BE49-F238E27FC236}">
-                <a16:creationId xmlns:a16="http://schemas.microsoft.com/office/drawing/2014/main" xmlns="" id="{33920F4C-4250-4125-8984-E27C967C7C91}"/>
+                <a16:creationId xmlns:a16="http://schemas.microsoft.com/office/drawing/2014/main" id="{33920F4C-4250-4125-8984-E27C967C7C91}"/>
               </a:ext>
             </a:extLst>
           </p:cNvPr>
@@ -2413,7 +2757,7 @@
           <p:cNvPr id="3" name="副标题 2">
             <a:extLst>
               <a:ext uri="{FF2B5EF4-FFF2-40B4-BE49-F238E27FC236}">
-                <a16:creationId xmlns:a16="http://schemas.microsoft.com/office/drawing/2014/main" xmlns="" id="{CCF65E6E-81FD-4631-BDBA-343341FD9BED}"/>
+                <a16:creationId xmlns:a16="http://schemas.microsoft.com/office/drawing/2014/main" id="{CCF65E6E-81FD-4631-BDBA-343341FD9BED}"/>
               </a:ext>
             </a:extLst>
           </p:cNvPr>
@@ -2486,7 +2830,7 @@
           <p:cNvPr id="4" name="灯片编号占位符 3">
             <a:extLst>
               <a:ext uri="{FF2B5EF4-FFF2-40B4-BE49-F238E27FC236}">
-                <a16:creationId xmlns:a16="http://schemas.microsoft.com/office/drawing/2014/main" xmlns="" id="{47937965-0035-43F3-A8F9-BA99A5C466AA}"/>
+                <a16:creationId xmlns:a16="http://schemas.microsoft.com/office/drawing/2014/main" id="{47937965-0035-43F3-A8F9-BA99A5C466AA}"/>
               </a:ext>
             </a:extLst>
           </p:cNvPr>
@@ -2550,7 +2894,7 @@
           <p:cNvPr id="2" name="标题 1">
             <a:extLst>
               <a:ext uri="{FF2B5EF4-FFF2-40B4-BE49-F238E27FC236}">
-                <a16:creationId xmlns:a16="http://schemas.microsoft.com/office/drawing/2014/main" xmlns="" id="{5B0188C7-8DF4-45E6-BB0A-3DE8FA47D954}"/>
+                <a16:creationId xmlns:a16="http://schemas.microsoft.com/office/drawing/2014/main" id="{5B0188C7-8DF4-45E6-BB0A-3DE8FA47D954}"/>
               </a:ext>
             </a:extLst>
           </p:cNvPr>
@@ -2586,7 +2930,7 @@
           <p:cNvPr id="3" name="竖排文字占位符 2">
             <a:extLst>
               <a:ext uri="{FF2B5EF4-FFF2-40B4-BE49-F238E27FC236}">
-                <a16:creationId xmlns:a16="http://schemas.microsoft.com/office/drawing/2014/main" xmlns="" id="{332766E8-BF75-446A-964B-9715DDF66D28}"/>
+                <a16:creationId xmlns:a16="http://schemas.microsoft.com/office/drawing/2014/main" id="{332766E8-BF75-446A-964B-9715DDF66D28}"/>
               </a:ext>
             </a:extLst>
           </p:cNvPr>
@@ -2651,7 +2995,7 @@
           <p:cNvPr id="4" name="灯片编号占位符 3">
             <a:extLst>
               <a:ext uri="{FF2B5EF4-FFF2-40B4-BE49-F238E27FC236}">
-                <a16:creationId xmlns:a16="http://schemas.microsoft.com/office/drawing/2014/main" xmlns="" id="{553A1DE0-A6FD-4D1F-A299-AD52DB77F17D}"/>
+                <a16:creationId xmlns:a16="http://schemas.microsoft.com/office/drawing/2014/main" id="{553A1DE0-A6FD-4D1F-A299-AD52DB77F17D}"/>
               </a:ext>
             </a:extLst>
           </p:cNvPr>
@@ -2715,7 +3059,7 @@
           <p:cNvPr id="2" name="竖排标题 1">
             <a:extLst>
               <a:ext uri="{FF2B5EF4-FFF2-40B4-BE49-F238E27FC236}">
-                <a16:creationId xmlns:a16="http://schemas.microsoft.com/office/drawing/2014/main" xmlns="" id="{91216533-0BD7-4F3B-AC52-7D59BF32C6B7}"/>
+                <a16:creationId xmlns:a16="http://schemas.microsoft.com/office/drawing/2014/main" id="{91216533-0BD7-4F3B-AC52-7D59BF32C6B7}"/>
               </a:ext>
             </a:extLst>
           </p:cNvPr>
@@ -2751,7 +3095,7 @@
           <p:cNvPr id="3" name="竖排文字占位符 2">
             <a:extLst>
               <a:ext uri="{FF2B5EF4-FFF2-40B4-BE49-F238E27FC236}">
-                <a16:creationId xmlns:a16="http://schemas.microsoft.com/office/drawing/2014/main" xmlns="" id="{4B9DCB10-4EE5-4A4E-A344-9273E798B8A0}"/>
+                <a16:creationId xmlns:a16="http://schemas.microsoft.com/office/drawing/2014/main" id="{4B9DCB10-4EE5-4A4E-A344-9273E798B8A0}"/>
               </a:ext>
             </a:extLst>
           </p:cNvPr>
@@ -2816,7 +3160,7 @@
           <p:cNvPr id="4" name="灯片编号占位符 3">
             <a:extLst>
               <a:ext uri="{FF2B5EF4-FFF2-40B4-BE49-F238E27FC236}">
-                <a16:creationId xmlns:a16="http://schemas.microsoft.com/office/drawing/2014/main" xmlns="" id="{36606AC1-ADDE-49A6-9E3D-5F936A179597}"/>
+                <a16:creationId xmlns:a16="http://schemas.microsoft.com/office/drawing/2014/main" id="{36606AC1-ADDE-49A6-9E3D-5F936A179597}"/>
               </a:ext>
             </a:extLst>
           </p:cNvPr>
@@ -2880,7 +3224,7 @@
           <p:cNvPr id="2" name="标题 1">
             <a:extLst>
               <a:ext uri="{FF2B5EF4-FFF2-40B4-BE49-F238E27FC236}">
-                <a16:creationId xmlns:a16="http://schemas.microsoft.com/office/drawing/2014/main" xmlns="" id="{1AB45643-41E5-4F8A-A3FB-70282E6F91E4}"/>
+                <a16:creationId xmlns:a16="http://schemas.microsoft.com/office/drawing/2014/main" id="{1AB45643-41E5-4F8A-A3FB-70282E6F91E4}"/>
               </a:ext>
             </a:extLst>
           </p:cNvPr>
@@ -2916,7 +3260,7 @@
           <p:cNvPr id="3" name="内容占位符 2">
             <a:extLst>
               <a:ext uri="{FF2B5EF4-FFF2-40B4-BE49-F238E27FC236}">
-                <a16:creationId xmlns:a16="http://schemas.microsoft.com/office/drawing/2014/main" xmlns="" id="{E635A896-792B-4191-811D-D0D9BE8A97FD}"/>
+                <a16:creationId xmlns:a16="http://schemas.microsoft.com/office/drawing/2014/main" id="{E635A896-792B-4191-811D-D0D9BE8A97FD}"/>
               </a:ext>
             </a:extLst>
           </p:cNvPr>
@@ -2981,7 +3325,7 @@
           <p:cNvPr id="4" name="灯片编号占位符 3">
             <a:extLst>
               <a:ext uri="{FF2B5EF4-FFF2-40B4-BE49-F238E27FC236}">
-                <a16:creationId xmlns:a16="http://schemas.microsoft.com/office/drawing/2014/main" xmlns="" id="{2752FF08-65C9-4F66-835B-7EDC0DD8252F}"/>
+                <a16:creationId xmlns:a16="http://schemas.microsoft.com/office/drawing/2014/main" id="{2752FF08-65C9-4F66-835B-7EDC0DD8252F}"/>
               </a:ext>
             </a:extLst>
           </p:cNvPr>
@@ -3045,7 +3389,7 @@
           <p:cNvPr id="2" name="标题 1">
             <a:extLst>
               <a:ext uri="{FF2B5EF4-FFF2-40B4-BE49-F238E27FC236}">
-                <a16:creationId xmlns:a16="http://schemas.microsoft.com/office/drawing/2014/main" xmlns="" id="{DEF0F9E6-6E4E-4C9E-A98D-EF8DABD21CAB}"/>
+                <a16:creationId xmlns:a16="http://schemas.microsoft.com/office/drawing/2014/main" id="{DEF0F9E6-6E4E-4C9E-A98D-EF8DABD21CAB}"/>
               </a:ext>
             </a:extLst>
           </p:cNvPr>
@@ -3085,7 +3429,7 @@
           <p:cNvPr id="3" name="文本占位符 2">
             <a:extLst>
               <a:ext uri="{FF2B5EF4-FFF2-40B4-BE49-F238E27FC236}">
-                <a16:creationId xmlns:a16="http://schemas.microsoft.com/office/drawing/2014/main" xmlns="" id="{8D9ABEE6-AE6E-4050-8164-5EBC00252ACF}"/>
+                <a16:creationId xmlns:a16="http://schemas.microsoft.com/office/drawing/2014/main" id="{8D9ABEE6-AE6E-4050-8164-5EBC00252ACF}"/>
               </a:ext>
             </a:extLst>
           </p:cNvPr>
@@ -3159,7 +3503,7 @@
           <p:cNvPr id="4" name="灯片编号占位符 3">
             <a:extLst>
               <a:ext uri="{FF2B5EF4-FFF2-40B4-BE49-F238E27FC236}">
-                <a16:creationId xmlns:a16="http://schemas.microsoft.com/office/drawing/2014/main" xmlns="" id="{8E786AA7-4871-4B03-B855-2BCA04E63482}"/>
+                <a16:creationId xmlns:a16="http://schemas.microsoft.com/office/drawing/2014/main" id="{8E786AA7-4871-4B03-B855-2BCA04E63482}"/>
               </a:ext>
             </a:extLst>
           </p:cNvPr>
@@ -3223,7 +3567,7 @@
           <p:cNvPr id="2" name="标题 1">
             <a:extLst>
               <a:ext uri="{FF2B5EF4-FFF2-40B4-BE49-F238E27FC236}">
-                <a16:creationId xmlns:a16="http://schemas.microsoft.com/office/drawing/2014/main" xmlns="" id="{757AFEB8-002C-464E-9FC8-10826243CD30}"/>
+                <a16:creationId xmlns:a16="http://schemas.microsoft.com/office/drawing/2014/main" id="{757AFEB8-002C-464E-9FC8-10826243CD30}"/>
               </a:ext>
             </a:extLst>
           </p:cNvPr>
@@ -3259,7 +3603,7 @@
           <p:cNvPr id="3" name="内容占位符 2">
             <a:extLst>
               <a:ext uri="{FF2B5EF4-FFF2-40B4-BE49-F238E27FC236}">
-                <a16:creationId xmlns:a16="http://schemas.microsoft.com/office/drawing/2014/main" xmlns="" id="{343C147F-0E80-4BC5-88C0-0B13AB1C0E8E}"/>
+                <a16:creationId xmlns:a16="http://schemas.microsoft.com/office/drawing/2014/main" id="{343C147F-0E80-4BC5-88C0-0B13AB1C0E8E}"/>
               </a:ext>
             </a:extLst>
           </p:cNvPr>
@@ -3324,7 +3668,7 @@
           <p:cNvPr id="4" name="内容占位符 3">
             <a:extLst>
               <a:ext uri="{FF2B5EF4-FFF2-40B4-BE49-F238E27FC236}">
-                <a16:creationId xmlns:a16="http://schemas.microsoft.com/office/drawing/2014/main" xmlns="" id="{ABE29A0D-470A-4D24-B5E4-D69B45AFAA1A}"/>
+                <a16:creationId xmlns:a16="http://schemas.microsoft.com/office/drawing/2014/main" id="{ABE29A0D-470A-4D24-B5E4-D69B45AFAA1A}"/>
               </a:ext>
             </a:extLst>
           </p:cNvPr>
@@ -3389,7 +3733,7 @@
           <p:cNvPr id="5" name="灯片编号占位符 4">
             <a:extLst>
               <a:ext uri="{FF2B5EF4-FFF2-40B4-BE49-F238E27FC236}">
-                <a16:creationId xmlns:a16="http://schemas.microsoft.com/office/drawing/2014/main" xmlns="" id="{3D4E71FC-FA32-40B2-A781-96D870E3A664}"/>
+                <a16:creationId xmlns:a16="http://schemas.microsoft.com/office/drawing/2014/main" id="{3D4E71FC-FA32-40B2-A781-96D870E3A664}"/>
               </a:ext>
             </a:extLst>
           </p:cNvPr>
@@ -3453,7 +3797,7 @@
           <p:cNvPr id="2" name="标题 1">
             <a:extLst>
               <a:ext uri="{FF2B5EF4-FFF2-40B4-BE49-F238E27FC236}">
-                <a16:creationId xmlns:a16="http://schemas.microsoft.com/office/drawing/2014/main" xmlns="" id="{D088E822-3460-4549-B734-2357F8BD35D2}"/>
+                <a16:creationId xmlns:a16="http://schemas.microsoft.com/office/drawing/2014/main" id="{D088E822-3460-4549-B734-2357F8BD35D2}"/>
               </a:ext>
             </a:extLst>
           </p:cNvPr>
@@ -3489,7 +3833,7 @@
           <p:cNvPr id="3" name="文本占位符 2">
             <a:extLst>
               <a:ext uri="{FF2B5EF4-FFF2-40B4-BE49-F238E27FC236}">
-                <a16:creationId xmlns:a16="http://schemas.microsoft.com/office/drawing/2014/main" xmlns="" id="{25F6B7B6-AAD1-46DE-812D-E279B2BA4CAA}"/>
+                <a16:creationId xmlns:a16="http://schemas.microsoft.com/office/drawing/2014/main" id="{25F6B7B6-AAD1-46DE-812D-E279B2BA4CAA}"/>
               </a:ext>
             </a:extLst>
           </p:cNvPr>
@@ -3563,7 +3907,7 @@
           <p:cNvPr id="4" name="内容占位符 3">
             <a:extLst>
               <a:ext uri="{FF2B5EF4-FFF2-40B4-BE49-F238E27FC236}">
-                <a16:creationId xmlns:a16="http://schemas.microsoft.com/office/drawing/2014/main" xmlns="" id="{E6EF8512-4BCF-429F-98B6-A40F21E02F3B}"/>
+                <a16:creationId xmlns:a16="http://schemas.microsoft.com/office/drawing/2014/main" id="{E6EF8512-4BCF-429F-98B6-A40F21E02F3B}"/>
               </a:ext>
             </a:extLst>
           </p:cNvPr>
@@ -3628,7 +3972,7 @@
           <p:cNvPr id="5" name="文本占位符 4">
             <a:extLst>
               <a:ext uri="{FF2B5EF4-FFF2-40B4-BE49-F238E27FC236}">
-                <a16:creationId xmlns:a16="http://schemas.microsoft.com/office/drawing/2014/main" xmlns="" id="{2E43955C-CB2E-44EA-8DEC-762EDA6D8F57}"/>
+                <a16:creationId xmlns:a16="http://schemas.microsoft.com/office/drawing/2014/main" id="{2E43955C-CB2E-44EA-8DEC-762EDA6D8F57}"/>
               </a:ext>
             </a:extLst>
           </p:cNvPr>
@@ -3702,7 +4046,7 @@
           <p:cNvPr id="6" name="内容占位符 5">
             <a:extLst>
               <a:ext uri="{FF2B5EF4-FFF2-40B4-BE49-F238E27FC236}">
-                <a16:creationId xmlns:a16="http://schemas.microsoft.com/office/drawing/2014/main" xmlns="" id="{FF04F6E5-926D-46BC-967B-30BA700C57B5}"/>
+                <a16:creationId xmlns:a16="http://schemas.microsoft.com/office/drawing/2014/main" id="{FF04F6E5-926D-46BC-967B-30BA700C57B5}"/>
               </a:ext>
             </a:extLst>
           </p:cNvPr>
@@ -3767,7 +4111,7 @@
           <p:cNvPr id="7" name="灯片编号占位符 6">
             <a:extLst>
               <a:ext uri="{FF2B5EF4-FFF2-40B4-BE49-F238E27FC236}">
-                <a16:creationId xmlns:a16="http://schemas.microsoft.com/office/drawing/2014/main" xmlns="" id="{A67352EA-DCBA-42ED-B669-CF6A9048E629}"/>
+                <a16:creationId xmlns:a16="http://schemas.microsoft.com/office/drawing/2014/main" id="{A67352EA-DCBA-42ED-B669-CF6A9048E629}"/>
               </a:ext>
             </a:extLst>
           </p:cNvPr>
@@ -3831,7 +4175,7 @@
           <p:cNvPr id="2" name="标题 1">
             <a:extLst>
               <a:ext uri="{FF2B5EF4-FFF2-40B4-BE49-F238E27FC236}">
-                <a16:creationId xmlns:a16="http://schemas.microsoft.com/office/drawing/2014/main" xmlns="" id="{566439B8-A890-4BF3-A5FC-9269282A0AA1}"/>
+                <a16:creationId xmlns:a16="http://schemas.microsoft.com/office/drawing/2014/main" id="{566439B8-A890-4BF3-A5FC-9269282A0AA1}"/>
               </a:ext>
             </a:extLst>
           </p:cNvPr>
@@ -3867,7 +4211,7 @@
           <p:cNvPr id="3" name="灯片编号占位符 2">
             <a:extLst>
               <a:ext uri="{FF2B5EF4-FFF2-40B4-BE49-F238E27FC236}">
-                <a16:creationId xmlns:a16="http://schemas.microsoft.com/office/drawing/2014/main" xmlns="" id="{DC232DAC-B15C-46F2-8CAE-846C4A5E236A}"/>
+                <a16:creationId xmlns:a16="http://schemas.microsoft.com/office/drawing/2014/main" id="{DC232DAC-B15C-46F2-8CAE-846C4A5E236A}"/>
               </a:ext>
             </a:extLst>
           </p:cNvPr>
@@ -3931,7 +4275,7 @@
           <p:cNvPr id="2" name="灯片编号占位符 1">
             <a:extLst>
               <a:ext uri="{FF2B5EF4-FFF2-40B4-BE49-F238E27FC236}">
-                <a16:creationId xmlns:a16="http://schemas.microsoft.com/office/drawing/2014/main" xmlns="" id="{97A36CCC-2ABB-464B-82A7-289602FB00C7}"/>
+                <a16:creationId xmlns:a16="http://schemas.microsoft.com/office/drawing/2014/main" id="{97A36CCC-2ABB-464B-82A7-289602FB00C7}"/>
               </a:ext>
             </a:extLst>
           </p:cNvPr>
@@ -3995,7 +4339,7 @@
           <p:cNvPr id="2" name="标题 1">
             <a:extLst>
               <a:ext uri="{FF2B5EF4-FFF2-40B4-BE49-F238E27FC236}">
-                <a16:creationId xmlns:a16="http://schemas.microsoft.com/office/drawing/2014/main" xmlns="" id="{34A01729-8E96-427E-B87C-84725AC1F1A2}"/>
+                <a16:creationId xmlns:a16="http://schemas.microsoft.com/office/drawing/2014/main" id="{34A01729-8E96-427E-B87C-84725AC1F1A2}"/>
               </a:ext>
             </a:extLst>
           </p:cNvPr>
@@ -4035,7 +4379,7 @@
           <p:cNvPr id="3" name="内容占位符 2">
             <a:extLst>
               <a:ext uri="{FF2B5EF4-FFF2-40B4-BE49-F238E27FC236}">
-                <a16:creationId xmlns:a16="http://schemas.microsoft.com/office/drawing/2014/main" xmlns="" id="{E129B704-0C29-4DA0-AAE3-8730A27EC2C3}"/>
+                <a16:creationId xmlns:a16="http://schemas.microsoft.com/office/drawing/2014/main" id="{E129B704-0C29-4DA0-AAE3-8730A27EC2C3}"/>
               </a:ext>
             </a:extLst>
           </p:cNvPr>
@@ -4128,7 +4472,7 @@
           <p:cNvPr id="4" name="文本占位符 3">
             <a:extLst>
               <a:ext uri="{FF2B5EF4-FFF2-40B4-BE49-F238E27FC236}">
-                <a16:creationId xmlns:a16="http://schemas.microsoft.com/office/drawing/2014/main" xmlns="" id="{BD61614F-03CD-4D7C-AB94-0D876667233E}"/>
+                <a16:creationId xmlns:a16="http://schemas.microsoft.com/office/drawing/2014/main" id="{BD61614F-03CD-4D7C-AB94-0D876667233E}"/>
               </a:ext>
             </a:extLst>
           </p:cNvPr>
@@ -4202,7 +4546,7 @@
           <p:cNvPr id="5" name="灯片编号占位符 4">
             <a:extLst>
               <a:ext uri="{FF2B5EF4-FFF2-40B4-BE49-F238E27FC236}">
-                <a16:creationId xmlns:a16="http://schemas.microsoft.com/office/drawing/2014/main" xmlns="" id="{5F584EEA-F424-4D5A-9512-C341C6F74527}"/>
+                <a16:creationId xmlns:a16="http://schemas.microsoft.com/office/drawing/2014/main" id="{5F584EEA-F424-4D5A-9512-C341C6F74527}"/>
               </a:ext>
             </a:extLst>
           </p:cNvPr>
@@ -4266,7 +4610,7 @@
           <p:cNvPr id="2" name="标题 1">
             <a:extLst>
               <a:ext uri="{FF2B5EF4-FFF2-40B4-BE49-F238E27FC236}">
-                <a16:creationId xmlns:a16="http://schemas.microsoft.com/office/drawing/2014/main" xmlns="" id="{8AC0D9A2-D4AA-4901-B563-F938E76BA47B}"/>
+                <a16:creationId xmlns:a16="http://schemas.microsoft.com/office/drawing/2014/main" id="{8AC0D9A2-D4AA-4901-B563-F938E76BA47B}"/>
               </a:ext>
             </a:extLst>
           </p:cNvPr>
@@ -4306,7 +4650,7 @@
           <p:cNvPr id="3" name="图片占位符 2">
             <a:extLst>
               <a:ext uri="{FF2B5EF4-FFF2-40B4-BE49-F238E27FC236}">
-                <a16:creationId xmlns:a16="http://schemas.microsoft.com/office/drawing/2014/main" xmlns="" id="{55B52424-42FD-4880-9E96-0C7B44DF59E6}"/>
+                <a16:creationId xmlns:a16="http://schemas.microsoft.com/office/drawing/2014/main" id="{55B52424-42FD-4880-9E96-0C7B44DF59E6}"/>
               </a:ext>
             </a:extLst>
           </p:cNvPr>
@@ -4376,7 +4720,7 @@
           <p:cNvPr id="4" name="文本占位符 3">
             <a:extLst>
               <a:ext uri="{FF2B5EF4-FFF2-40B4-BE49-F238E27FC236}">
-                <a16:creationId xmlns:a16="http://schemas.microsoft.com/office/drawing/2014/main" xmlns="" id="{A9ACC898-B51A-4746-96CF-9C1B90950FE9}"/>
+                <a16:creationId xmlns:a16="http://schemas.microsoft.com/office/drawing/2014/main" id="{A9ACC898-B51A-4746-96CF-9C1B90950FE9}"/>
               </a:ext>
             </a:extLst>
           </p:cNvPr>
@@ -4450,7 +4794,7 @@
           <p:cNvPr id="5" name="灯片编号占位符 4">
             <a:extLst>
               <a:ext uri="{FF2B5EF4-FFF2-40B4-BE49-F238E27FC236}">
-                <a16:creationId xmlns:a16="http://schemas.microsoft.com/office/drawing/2014/main" xmlns="" id="{FF76DA64-88F7-483C-AE16-E94C47973A01}"/>
+                <a16:creationId xmlns:a16="http://schemas.microsoft.com/office/drawing/2014/main" id="{FF76DA64-88F7-483C-AE16-E94C47973A01}"/>
               </a:ext>
             </a:extLst>
           </p:cNvPr>
@@ -4522,7 +4866,7 @@
           <p:cNvPr id="2049" name="Picture 1" descr="ppt元素-11.png">
             <a:extLst>
               <a:ext uri="{FF2B5EF4-FFF2-40B4-BE49-F238E27FC236}">
-                <a16:creationId xmlns:a16="http://schemas.microsoft.com/office/drawing/2014/main" xmlns="" id="{4CBE4F7A-DF60-480C-A0F2-6DFBCF878D11}"/>
+                <a16:creationId xmlns:a16="http://schemas.microsoft.com/office/drawing/2014/main" id="{4CBE4F7A-DF60-480C-A0F2-6DFBCF878D11}"/>
               </a:ext>
             </a:extLst>
           </p:cNvPr>
@@ -4593,7 +4937,7 @@
           <p:cNvPr id="2050" name="Rectangle 2">
             <a:extLst>
               <a:ext uri="{FF2B5EF4-FFF2-40B4-BE49-F238E27FC236}">
-                <a16:creationId xmlns:a16="http://schemas.microsoft.com/office/drawing/2014/main" xmlns="" id="{8C0EE73C-67BB-4C42-8BD8-750C3733AD42}"/>
+                <a16:creationId xmlns:a16="http://schemas.microsoft.com/office/drawing/2014/main" id="{8C0EE73C-67BB-4C42-8BD8-750C3733AD42}"/>
               </a:ext>
             </a:extLst>
           </p:cNvPr>
@@ -5144,7 +5488,7 @@
           <p:cNvPr id="39" name="图片 38">
             <a:extLst>
               <a:ext uri="{FF2B5EF4-FFF2-40B4-BE49-F238E27FC236}">
-                <a16:creationId xmlns:a16="http://schemas.microsoft.com/office/drawing/2014/main" xmlns="" id="{C49BA596-B860-41A3-9734-D1BA0CD74A42}"/>
+                <a16:creationId xmlns:a16="http://schemas.microsoft.com/office/drawing/2014/main" id="{C49BA596-B860-41A3-9734-D1BA0CD74A42}"/>
               </a:ext>
             </a:extLst>
           </p:cNvPr>
@@ -5186,7 +5530,7 @@
           <p:cNvPr id="78" name="表格 77">
             <a:extLst>
               <a:ext uri="{FF2B5EF4-FFF2-40B4-BE49-F238E27FC236}">
-                <a16:creationId xmlns:a16="http://schemas.microsoft.com/office/drawing/2014/main" xmlns="" id="{FF252C29-EF21-4355-A912-49256C22FA06}"/>
+                <a16:creationId xmlns:a16="http://schemas.microsoft.com/office/drawing/2014/main" id="{FF252C29-EF21-4355-A912-49256C22FA06}"/>
               </a:ext>
             </a:extLst>
           </p:cNvPr>
@@ -5196,7 +5540,7 @@
           <p:nvPr>
             <p:extLst>
               <p:ext uri="{D42A27DB-BD31-4B8C-83A1-F6EECF244321}">
-                <p14:modId xmlns:p14="http://schemas.microsoft.com/office/powerpoint/2010/main" val="3651957017"/>
+                <p14:modId xmlns:p14="http://schemas.microsoft.com/office/powerpoint/2010/main" val="345107593"/>
               </p:ext>
             </p:extLst>
           </p:nvPr>
@@ -5213,28 +5557,28 @@
                 <a:gridCol w="2232248">
                   <a:extLst>
                     <a:ext uri="{9D8B030D-6E8A-4147-A177-3AD203B41FA5}">
-                      <a16:colId xmlns:a16="http://schemas.microsoft.com/office/drawing/2014/main" xmlns="" val="3948644296"/>
+                      <a16:colId xmlns:a16="http://schemas.microsoft.com/office/drawing/2014/main" val="3948644296"/>
                     </a:ext>
                   </a:extLst>
                 </a:gridCol>
                 <a:gridCol w="1728191">
                   <a:extLst>
                     <a:ext uri="{9D8B030D-6E8A-4147-A177-3AD203B41FA5}">
-                      <a16:colId xmlns:a16="http://schemas.microsoft.com/office/drawing/2014/main" xmlns="" val="3723654050"/>
+                      <a16:colId xmlns:a16="http://schemas.microsoft.com/office/drawing/2014/main" val="3723654050"/>
                     </a:ext>
                   </a:extLst>
                 </a:gridCol>
                 <a:gridCol w="2094779">
                   <a:extLst>
                     <a:ext uri="{9D8B030D-6E8A-4147-A177-3AD203B41FA5}">
-                      <a16:colId xmlns:a16="http://schemas.microsoft.com/office/drawing/2014/main" xmlns="" val="4270415431"/>
+                      <a16:colId xmlns:a16="http://schemas.microsoft.com/office/drawing/2014/main" val="4270415431"/>
                     </a:ext>
                   </a:extLst>
                 </a:gridCol>
                 <a:gridCol w="1937670">
                   <a:extLst>
                     <a:ext uri="{9D8B030D-6E8A-4147-A177-3AD203B41FA5}">
-                      <a16:colId xmlns:a16="http://schemas.microsoft.com/office/drawing/2014/main" xmlns="" val="20003"/>
+                      <a16:colId xmlns:a16="http://schemas.microsoft.com/office/drawing/2014/main" val="20003"/>
                     </a:ext>
                   </a:extLst>
                 </a:gridCol>
@@ -5624,7 +5968,7 @@
                 </a:tc>
                 <a:extLst>
                   <a:ext uri="{0D108BD9-81ED-4DB2-BD59-A6C34878D82A}">
-                    <a16:rowId xmlns:a16="http://schemas.microsoft.com/office/drawing/2014/main" xmlns="" val="1556317445"/>
+                    <a16:rowId xmlns:a16="http://schemas.microsoft.com/office/drawing/2014/main" val="1556317445"/>
                   </a:ext>
                 </a:extLst>
               </a:tr>
@@ -5741,12 +6085,23 @@
                     <a:p>
                       <a:pPr algn="ctr" fontAlgn="ctr">
                         <a:lnSpc>
-                          <a:spcPct val="150000"/>
+                          <a:spcPct val="100000"/>
                         </a:lnSpc>
                       </a:pPr>
-                      <a:endParaRPr lang="zh-CN" altLang="en-US" sz="1600" dirty="0">
+                      <a:r>
+                        <a:rPr lang="en-US" altLang="zh-CN" sz="3200" b="1" dirty="0">
+                          <a:solidFill>
+                            <a:srgbClr val="FF373C"/>
+                          </a:solidFill>
+                          <a:effectLst/>
+                          <a:latin typeface="微软雅黑" panose="020B0503020204020204" pitchFamily="34" charset="-122"/>
+                          <a:ea typeface="微软雅黑" panose="020B0503020204020204" pitchFamily="34" charset="-122"/>
+                        </a:rPr>
+                        <a:t>X</a:t>
+                      </a:r>
+                      <a:endParaRPr lang="zh-CN" altLang="en-US" sz="3200" b="1" dirty="0">
                         <a:solidFill>
-                          <a:schemeClr val="bg1"/>
+                          <a:srgbClr val="FF373C"/>
                         </a:solidFill>
                         <a:effectLst/>
                         <a:latin typeface="微软雅黑" panose="020B0503020204020204" pitchFamily="34" charset="-122"/>
@@ -5799,18 +6154,43 @@
                     <a:bodyPr/>
                     <a:lstStyle/>
                     <a:p>
-                      <a:pPr algn="ctr" fontAlgn="ctr">
+                      <a:pPr marL="0" marR="0" indent="0" algn="ctr" defTabSz="914400" rtl="0" eaLnBrk="1" fontAlgn="ctr" latinLnBrk="0" hangingPunct="1">
                         <a:lnSpc>
-                          <a:spcPct val="150000"/>
+                          <a:spcPct val="100000"/>
                         </a:lnSpc>
+                        <a:spcBef>
+                          <a:spcPts val="0"/>
+                        </a:spcBef>
+                        <a:spcAft>
+                          <a:spcPts val="0"/>
+                        </a:spcAft>
+                        <a:buClrTx/>
+                        <a:buSzTx/>
+                        <a:buFontTx/>
+                        <a:buNone/>
+                        <a:tabLst/>
+                        <a:defRPr/>
                       </a:pPr>
-                      <a:endParaRPr lang="en-US" sz="1600" dirty="0">
+                      <a:r>
+                        <a:rPr lang="en-US" altLang="zh-CN" sz="3200" b="1" kern="1200" dirty="0">
+                          <a:solidFill>
+                            <a:srgbClr val="FF373C"/>
+                          </a:solidFill>
+                          <a:effectLst/>
+                          <a:latin typeface="微软雅黑" panose="020B0503020204020204" pitchFamily="34" charset="-122"/>
+                          <a:ea typeface="微软雅黑" panose="020B0503020204020204" pitchFamily="34" charset="-122"/>
+                          <a:cs typeface="+mn-cs"/>
+                        </a:rPr>
+                        <a:t>X</a:t>
+                      </a:r>
+                      <a:endParaRPr lang="en-US" sz="3200" b="1" kern="1200" dirty="0">
                         <a:solidFill>
-                          <a:schemeClr val="bg1"/>
+                          <a:srgbClr val="FF373C"/>
                         </a:solidFill>
                         <a:effectLst/>
                         <a:latin typeface="微软雅黑" panose="020B0503020204020204" pitchFamily="34" charset="-122"/>
                         <a:ea typeface="微软雅黑" panose="020B0503020204020204" pitchFamily="34" charset="-122"/>
+                        <a:cs typeface="+mn-cs"/>
                       </a:endParaRPr>
                     </a:p>
                   </a:txBody>
@@ -5859,18 +6239,43 @@
                     <a:bodyPr/>
                     <a:lstStyle/>
                     <a:p>
-                      <a:pPr algn="ctr" fontAlgn="ctr">
+                      <a:pPr marL="0" marR="0" indent="0" algn="ctr" defTabSz="914400" rtl="0" eaLnBrk="1" fontAlgn="ctr" latinLnBrk="0" hangingPunct="1">
                         <a:lnSpc>
-                          <a:spcPct val="150000"/>
+                          <a:spcPct val="100000"/>
                         </a:lnSpc>
+                        <a:spcBef>
+                          <a:spcPts val="0"/>
+                        </a:spcBef>
+                        <a:spcAft>
+                          <a:spcPts val="0"/>
+                        </a:spcAft>
+                        <a:buClrTx/>
+                        <a:buSzTx/>
+                        <a:buFontTx/>
+                        <a:buNone/>
+                        <a:tabLst/>
+                        <a:defRPr/>
                       </a:pPr>
-                      <a:endParaRPr lang="en-US" sz="1600" dirty="0">
+                      <a:r>
+                        <a:rPr lang="en-US" altLang="zh-CN" sz="3200" b="1" kern="1200" dirty="0">
+                          <a:solidFill>
+                            <a:srgbClr val="FF373C"/>
+                          </a:solidFill>
+                          <a:effectLst/>
+                          <a:latin typeface="微软雅黑" panose="020B0503020204020204" pitchFamily="34" charset="-122"/>
+                          <a:ea typeface="微软雅黑" panose="020B0503020204020204" pitchFamily="34" charset="-122"/>
+                          <a:cs typeface="+mn-cs"/>
+                        </a:rPr>
+                        <a:t>X</a:t>
+                      </a:r>
+                      <a:endParaRPr lang="en-US" sz="3200" b="1" kern="1200" dirty="0">
                         <a:solidFill>
-                          <a:schemeClr val="bg1"/>
+                          <a:srgbClr val="FF373C"/>
                         </a:solidFill>
                         <a:effectLst/>
                         <a:latin typeface="微软雅黑" panose="020B0503020204020204" pitchFamily="34" charset="-122"/>
                         <a:ea typeface="微软雅黑" panose="020B0503020204020204" pitchFamily="34" charset="-122"/>
+                        <a:cs typeface="+mn-cs"/>
                       </a:endParaRPr>
                     </a:p>
                   </a:txBody>
@@ -5916,7 +6321,7 @@
                 </a:tc>
                 <a:extLst>
                   <a:ext uri="{0D108BD9-81ED-4DB2-BD59-A6C34878D82A}">
-                    <a16:rowId xmlns:a16="http://schemas.microsoft.com/office/drawing/2014/main" xmlns="" val="1172037100"/>
+                    <a16:rowId xmlns:a16="http://schemas.microsoft.com/office/drawing/2014/main" val="1172037100"/>
                   </a:ext>
                 </a:extLst>
               </a:tr>
@@ -6033,16 +6438,104 @@
                     <a:p>
                       <a:pPr algn="ctr" fontAlgn="ctr">
                         <a:lnSpc>
-                          <a:spcPct val="150000"/>
+                          <a:spcPct val="100000"/>
                         </a:lnSpc>
                       </a:pPr>
-                      <a:endParaRPr lang="zh-CN" altLang="en-US" sz="1600" dirty="0">
+                      <a:r>
+                        <a:rPr lang="zh-CN" altLang="en-US" sz="3600" b="1" dirty="0">
+                          <a:solidFill>
+                            <a:srgbClr val="68BD45"/>
+                          </a:solidFill>
+                          <a:effectLst/>
+                          <a:latin typeface="微软雅黑" panose="020B0503020204020204" pitchFamily="34" charset="-122"/>
+                          <a:ea typeface="微软雅黑" panose="020B0503020204020204" pitchFamily="34" charset="-122"/>
+                        </a:rPr>
+                        <a:t>√</a:t>
+                      </a:r>
+                    </a:p>
+                  </a:txBody>
+                  <a:tcPr marL="18100" marR="18100" marT="18100" marB="18100" anchor="ctr">
+                    <a:lnL w="9525" cap="flat" cmpd="sng" algn="ctr">
+                      <a:solidFill>
+                        <a:srgbClr val="DDDDDD"/>
+                      </a:solidFill>
+                      <a:prstDash val="solid"/>
+                      <a:round/>
+                      <a:headEnd type="none" w="med" len="med"/>
+                      <a:tailEnd type="none" w="med" len="med"/>
+                    </a:lnL>
+                    <a:lnR w="9525" cap="flat" cmpd="sng" algn="ctr">
+                      <a:solidFill>
+                        <a:srgbClr val="DDDDDD"/>
+                      </a:solidFill>
+                      <a:prstDash val="solid"/>
+                      <a:round/>
+                      <a:headEnd type="none" w="med" len="med"/>
+                      <a:tailEnd type="none" w="med" len="med"/>
+                    </a:lnR>
+                    <a:lnT w="9525" cap="flat" cmpd="sng" algn="ctr">
+                      <a:solidFill>
+                        <a:srgbClr val="DDDDDD"/>
+                      </a:solidFill>
+                      <a:prstDash val="solid"/>
+                      <a:round/>
+                      <a:headEnd type="none" w="med" len="med"/>
+                      <a:tailEnd type="none" w="med" len="med"/>
+                    </a:lnT>
+                    <a:lnB w="9525" cap="flat" cmpd="sng" algn="ctr">
+                      <a:solidFill>
+                        <a:srgbClr val="DDDDDD"/>
+                      </a:solidFill>
+                      <a:prstDash val="solid"/>
+                      <a:round/>
+                      <a:headEnd type="none" w="med" len="med"/>
+                      <a:tailEnd type="none" w="med" len="med"/>
+                    </a:lnB>
+                    <a:noFill/>
+                  </a:tcPr>
+                </a:tc>
+                <a:tc>
+                  <a:txBody>
+                    <a:bodyPr/>
+                    <a:lstStyle/>
+                    <a:p>
+                      <a:pPr marL="0" marR="0" indent="0" algn="ctr" defTabSz="914400" rtl="0" eaLnBrk="1" fontAlgn="ctr" latinLnBrk="0" hangingPunct="1">
+                        <a:lnSpc>
+                          <a:spcPct val="100000"/>
+                        </a:lnSpc>
+                        <a:spcBef>
+                          <a:spcPts val="0"/>
+                        </a:spcBef>
+                        <a:spcAft>
+                          <a:spcPts val="0"/>
+                        </a:spcAft>
+                        <a:buClrTx/>
+                        <a:buSzTx/>
+                        <a:buFontTx/>
+                        <a:buNone/>
+                        <a:tabLst/>
+                        <a:defRPr/>
+                      </a:pPr>
+                      <a:r>
+                        <a:rPr lang="en-US" altLang="zh-CN" sz="3200" b="1" kern="1200" dirty="0">
+                          <a:solidFill>
+                            <a:srgbClr val="FF373C"/>
+                          </a:solidFill>
+                          <a:effectLst/>
+                          <a:latin typeface="微软雅黑" panose="020B0503020204020204" pitchFamily="34" charset="-122"/>
+                          <a:ea typeface="微软雅黑" panose="020B0503020204020204" pitchFamily="34" charset="-122"/>
+                          <a:cs typeface="+mn-cs"/>
+                        </a:rPr>
+                        <a:t>X</a:t>
+                      </a:r>
+                      <a:endParaRPr lang="zh-CN" altLang="en-US" sz="3200" b="1" kern="1200" dirty="0">
                         <a:solidFill>
-                          <a:schemeClr val="bg1"/>
+                          <a:srgbClr val="FF373C"/>
                         </a:solidFill>
                         <a:effectLst/>
                         <a:latin typeface="微软雅黑" panose="020B0503020204020204" pitchFamily="34" charset="-122"/>
                         <a:ea typeface="微软雅黑" panose="020B0503020204020204" pitchFamily="34" charset="-122"/>
+                        <a:cs typeface="+mn-cs"/>
                       </a:endParaRPr>
                     </a:p>
                   </a:txBody>
@@ -6091,78 +6584,43 @@
                     <a:bodyPr/>
                     <a:lstStyle/>
                     <a:p>
-                      <a:pPr algn="ctr" fontAlgn="ctr">
+                      <a:pPr marL="0" marR="0" indent="0" algn="ctr" defTabSz="914400" rtl="0" eaLnBrk="1" fontAlgn="ctr" latinLnBrk="0" hangingPunct="1">
                         <a:lnSpc>
-                          <a:spcPct val="150000"/>
+                          <a:spcPct val="100000"/>
                         </a:lnSpc>
+                        <a:spcBef>
+                          <a:spcPts val="0"/>
+                        </a:spcBef>
+                        <a:spcAft>
+                          <a:spcPts val="0"/>
+                        </a:spcAft>
+                        <a:buClrTx/>
+                        <a:buSzTx/>
+                        <a:buFontTx/>
+                        <a:buNone/>
+                        <a:tabLst/>
+                        <a:defRPr/>
                       </a:pPr>
-                      <a:endParaRPr lang="zh-CN" altLang="en-US" sz="1600" dirty="0">
+                      <a:r>
+                        <a:rPr lang="en-US" altLang="zh-CN" sz="3200" b="1" kern="1200" dirty="0">
+                          <a:solidFill>
+                            <a:srgbClr val="FF373C"/>
+                          </a:solidFill>
+                          <a:effectLst/>
+                          <a:latin typeface="微软雅黑" panose="020B0503020204020204" pitchFamily="34" charset="-122"/>
+                          <a:ea typeface="微软雅黑" panose="020B0503020204020204" pitchFamily="34" charset="-122"/>
+                          <a:cs typeface="+mn-cs"/>
+                        </a:rPr>
+                        <a:t>X</a:t>
+                      </a:r>
+                      <a:endParaRPr lang="zh-CN" altLang="en-US" sz="3200" b="1" kern="1200" dirty="0">
                         <a:solidFill>
-                          <a:schemeClr val="bg1"/>
+                          <a:srgbClr val="FF373C"/>
                         </a:solidFill>
                         <a:effectLst/>
                         <a:latin typeface="微软雅黑" panose="020B0503020204020204" pitchFamily="34" charset="-122"/>
                         <a:ea typeface="微软雅黑" panose="020B0503020204020204" pitchFamily="34" charset="-122"/>
-                      </a:endParaRPr>
-                    </a:p>
-                  </a:txBody>
-                  <a:tcPr marL="18100" marR="18100" marT="18100" marB="18100" anchor="ctr">
-                    <a:lnL w="9525" cap="flat" cmpd="sng" algn="ctr">
-                      <a:solidFill>
-                        <a:srgbClr val="DDDDDD"/>
-                      </a:solidFill>
-                      <a:prstDash val="solid"/>
-                      <a:round/>
-                      <a:headEnd type="none" w="med" len="med"/>
-                      <a:tailEnd type="none" w="med" len="med"/>
-                    </a:lnL>
-                    <a:lnR w="9525" cap="flat" cmpd="sng" algn="ctr">
-                      <a:solidFill>
-                        <a:srgbClr val="DDDDDD"/>
-                      </a:solidFill>
-                      <a:prstDash val="solid"/>
-                      <a:round/>
-                      <a:headEnd type="none" w="med" len="med"/>
-                      <a:tailEnd type="none" w="med" len="med"/>
-                    </a:lnR>
-                    <a:lnT w="9525" cap="flat" cmpd="sng" algn="ctr">
-                      <a:solidFill>
-                        <a:srgbClr val="DDDDDD"/>
-                      </a:solidFill>
-                      <a:prstDash val="solid"/>
-                      <a:round/>
-                      <a:headEnd type="none" w="med" len="med"/>
-                      <a:tailEnd type="none" w="med" len="med"/>
-                    </a:lnT>
-                    <a:lnB w="9525" cap="flat" cmpd="sng" algn="ctr">
-                      <a:solidFill>
-                        <a:srgbClr val="DDDDDD"/>
-                      </a:solidFill>
-                      <a:prstDash val="solid"/>
-                      <a:round/>
-                      <a:headEnd type="none" w="med" len="med"/>
-                      <a:tailEnd type="none" w="med" len="med"/>
-                    </a:lnB>
-                    <a:noFill/>
-                  </a:tcPr>
-                </a:tc>
-                <a:tc>
-                  <a:txBody>
-                    <a:bodyPr/>
-                    <a:lstStyle/>
-                    <a:p>
-                      <a:pPr algn="ctr" fontAlgn="ctr">
-                        <a:lnSpc>
-                          <a:spcPct val="150000"/>
-                        </a:lnSpc>
-                      </a:pPr>
-                      <a:endParaRPr lang="zh-CN" altLang="en-US" sz="1600" dirty="0">
-                        <a:solidFill>
-                          <a:schemeClr val="bg1"/>
-                        </a:solidFill>
-                        <a:effectLst/>
-                        <a:latin typeface="微软雅黑" panose="020B0503020204020204" pitchFamily="34" charset="-122"/>
-                        <a:ea typeface="微软雅黑" panose="020B0503020204020204" pitchFamily="34" charset="-122"/>
+                        <a:cs typeface="+mn-cs"/>
                       </a:endParaRPr>
                     </a:p>
                   </a:txBody>
@@ -6208,7 +6666,7 @@
                 </a:tc>
                 <a:extLst>
                   <a:ext uri="{0D108BD9-81ED-4DB2-BD59-A6C34878D82A}">
-                    <a16:rowId xmlns:a16="http://schemas.microsoft.com/office/drawing/2014/main" xmlns="" val="2243676995"/>
+                    <a16:rowId xmlns:a16="http://schemas.microsoft.com/office/drawing/2014/main" val="2243676995"/>
                   </a:ext>
                 </a:extLst>
               </a:tr>
@@ -6323,18 +6781,107 @@
                     <a:bodyPr/>
                     <a:lstStyle/>
                     <a:p>
-                      <a:pPr algn="ctr" fontAlgn="ctr">
+                      <a:pPr marL="0" algn="ctr" defTabSz="914400" rtl="0" eaLnBrk="1" fontAlgn="ctr" latinLnBrk="0" hangingPunct="1">
                         <a:lnSpc>
-                          <a:spcPct val="150000"/>
+                          <a:spcPct val="100000"/>
                         </a:lnSpc>
                       </a:pPr>
-                      <a:endParaRPr lang="en-US" sz="1600" dirty="0">
+                      <a:r>
+                        <a:rPr lang="zh-CN" altLang="en-US" sz="3600" b="1" kern="1200" dirty="0">
+                          <a:solidFill>
+                            <a:srgbClr val="68BD45"/>
+                          </a:solidFill>
+                          <a:effectLst/>
+                          <a:latin typeface="微软雅黑" panose="020B0503020204020204" pitchFamily="34" charset="-122"/>
+                          <a:ea typeface="微软雅黑" panose="020B0503020204020204" pitchFamily="34" charset="-122"/>
+                          <a:cs typeface="+mn-cs"/>
+                        </a:rPr>
+                        <a:t>√</a:t>
+                      </a:r>
+                    </a:p>
+                  </a:txBody>
+                  <a:tcPr marL="18100" marR="18100" marT="18100" marB="18100" anchor="ctr">
+                    <a:lnL w="9525" cap="flat" cmpd="sng" algn="ctr">
+                      <a:solidFill>
+                        <a:srgbClr val="DDDDDD"/>
+                      </a:solidFill>
+                      <a:prstDash val="solid"/>
+                      <a:round/>
+                      <a:headEnd type="none" w="med" len="med"/>
+                      <a:tailEnd type="none" w="med" len="med"/>
+                    </a:lnL>
+                    <a:lnR w="9525" cap="flat" cmpd="sng" algn="ctr">
+                      <a:solidFill>
+                        <a:srgbClr val="DDDDDD"/>
+                      </a:solidFill>
+                      <a:prstDash val="solid"/>
+                      <a:round/>
+                      <a:headEnd type="none" w="med" len="med"/>
+                      <a:tailEnd type="none" w="med" len="med"/>
+                    </a:lnR>
+                    <a:lnT w="9525" cap="flat" cmpd="sng" algn="ctr">
+                      <a:solidFill>
+                        <a:srgbClr val="DDDDDD"/>
+                      </a:solidFill>
+                      <a:prstDash val="solid"/>
+                      <a:round/>
+                      <a:headEnd type="none" w="med" len="med"/>
+                      <a:tailEnd type="none" w="med" len="med"/>
+                    </a:lnT>
+                    <a:lnB w="9525" cap="flat" cmpd="sng" algn="ctr">
+                      <a:solidFill>
+                        <a:srgbClr val="DDDDDD"/>
+                      </a:solidFill>
+                      <a:prstDash val="solid"/>
+                      <a:round/>
+                      <a:headEnd type="none" w="med" len="med"/>
+                      <a:tailEnd type="none" w="med" len="med"/>
+                    </a:lnB>
+                    <a:noFill/>
+                  </a:tcPr>
+                </a:tc>
+                <a:tc>
+                  <a:txBody>
+                    <a:bodyPr/>
+                    <a:lstStyle/>
+                    <a:p>
+                      <a:pPr marL="0" marR="0" indent="0" algn="ctr" defTabSz="914400" rtl="0" eaLnBrk="1" fontAlgn="ctr" latinLnBrk="0" hangingPunct="1">
+                        <a:lnSpc>
+                          <a:spcPct val="100000"/>
+                        </a:lnSpc>
+                        <a:spcBef>
+                          <a:spcPts val="0"/>
+                        </a:spcBef>
+                        <a:spcAft>
+                          <a:spcPts val="0"/>
+                        </a:spcAft>
+                        <a:buClrTx/>
+                        <a:buSzTx/>
+                        <a:buFontTx/>
+                        <a:buNone/>
+                        <a:tabLst/>
+                        <a:defRPr/>
+                      </a:pPr>
+                      <a:r>
+                        <a:rPr lang="zh-CN" altLang="en-US" sz="3600" b="1" kern="1200" dirty="0">
+                          <a:solidFill>
+                            <a:srgbClr val="68BD45"/>
+                          </a:solidFill>
+                          <a:effectLst/>
+                          <a:latin typeface="微软雅黑" panose="020B0503020204020204" pitchFamily="34" charset="-122"/>
+                          <a:ea typeface="微软雅黑" panose="020B0503020204020204" pitchFamily="34" charset="-122"/>
+                          <a:cs typeface="+mn-cs"/>
+                        </a:rPr>
+                        <a:t>√</a:t>
+                      </a:r>
+                      <a:endParaRPr lang="en-US" sz="3600" b="1" kern="1200" dirty="0">
                         <a:solidFill>
-                          <a:schemeClr val="bg1"/>
+                          <a:srgbClr val="68BD45"/>
                         </a:solidFill>
                         <a:effectLst/>
                         <a:latin typeface="微软雅黑" panose="020B0503020204020204" pitchFamily="34" charset="-122"/>
                         <a:ea typeface="微软雅黑" panose="020B0503020204020204" pitchFamily="34" charset="-122"/>
+                        <a:cs typeface="+mn-cs"/>
                       </a:endParaRPr>
                     </a:p>
                   </a:txBody>
@@ -6383,78 +6930,43 @@
                     <a:bodyPr/>
                     <a:lstStyle/>
                     <a:p>
-                      <a:pPr algn="ctr" fontAlgn="ctr">
+                      <a:pPr marL="0" marR="0" indent="0" algn="ctr" defTabSz="914400" rtl="0" eaLnBrk="1" fontAlgn="ctr" latinLnBrk="0" hangingPunct="1">
                         <a:lnSpc>
-                          <a:spcPct val="150000"/>
+                          <a:spcPct val="100000"/>
                         </a:lnSpc>
+                        <a:spcBef>
+                          <a:spcPts val="0"/>
+                        </a:spcBef>
+                        <a:spcAft>
+                          <a:spcPts val="0"/>
+                        </a:spcAft>
+                        <a:buClrTx/>
+                        <a:buSzTx/>
+                        <a:buFontTx/>
+                        <a:buNone/>
+                        <a:tabLst/>
+                        <a:defRPr/>
                       </a:pPr>
-                      <a:endParaRPr lang="en-US" sz="1600" dirty="0">
+                      <a:r>
+                        <a:rPr lang="en-US" altLang="zh-CN" sz="3200" b="1" kern="1200" dirty="0">
+                          <a:solidFill>
+                            <a:srgbClr val="FF373C"/>
+                          </a:solidFill>
+                          <a:effectLst/>
+                          <a:latin typeface="微软雅黑" panose="020B0503020204020204" pitchFamily="34" charset="-122"/>
+                          <a:ea typeface="微软雅黑" panose="020B0503020204020204" pitchFamily="34" charset="-122"/>
+                          <a:cs typeface="+mn-cs"/>
+                        </a:rPr>
+                        <a:t>X</a:t>
+                      </a:r>
+                      <a:endParaRPr lang="en-US" sz="3200" b="1" kern="1200" dirty="0">
                         <a:solidFill>
-                          <a:schemeClr val="bg1"/>
+                          <a:srgbClr val="FF373C"/>
                         </a:solidFill>
                         <a:effectLst/>
                         <a:latin typeface="微软雅黑" panose="020B0503020204020204" pitchFamily="34" charset="-122"/>
                         <a:ea typeface="微软雅黑" panose="020B0503020204020204" pitchFamily="34" charset="-122"/>
-                      </a:endParaRPr>
-                    </a:p>
-                  </a:txBody>
-                  <a:tcPr marL="18100" marR="18100" marT="18100" marB="18100" anchor="ctr">
-                    <a:lnL w="9525" cap="flat" cmpd="sng" algn="ctr">
-                      <a:solidFill>
-                        <a:srgbClr val="DDDDDD"/>
-                      </a:solidFill>
-                      <a:prstDash val="solid"/>
-                      <a:round/>
-                      <a:headEnd type="none" w="med" len="med"/>
-                      <a:tailEnd type="none" w="med" len="med"/>
-                    </a:lnL>
-                    <a:lnR w="9525" cap="flat" cmpd="sng" algn="ctr">
-                      <a:solidFill>
-                        <a:srgbClr val="DDDDDD"/>
-                      </a:solidFill>
-                      <a:prstDash val="solid"/>
-                      <a:round/>
-                      <a:headEnd type="none" w="med" len="med"/>
-                      <a:tailEnd type="none" w="med" len="med"/>
-                    </a:lnR>
-                    <a:lnT w="9525" cap="flat" cmpd="sng" algn="ctr">
-                      <a:solidFill>
-                        <a:srgbClr val="DDDDDD"/>
-                      </a:solidFill>
-                      <a:prstDash val="solid"/>
-                      <a:round/>
-                      <a:headEnd type="none" w="med" len="med"/>
-                      <a:tailEnd type="none" w="med" len="med"/>
-                    </a:lnT>
-                    <a:lnB w="9525" cap="flat" cmpd="sng" algn="ctr">
-                      <a:solidFill>
-                        <a:srgbClr val="DDDDDD"/>
-                      </a:solidFill>
-                      <a:prstDash val="solid"/>
-                      <a:round/>
-                      <a:headEnd type="none" w="med" len="med"/>
-                      <a:tailEnd type="none" w="med" len="med"/>
-                    </a:lnB>
-                    <a:noFill/>
-                  </a:tcPr>
-                </a:tc>
-                <a:tc>
-                  <a:txBody>
-                    <a:bodyPr/>
-                    <a:lstStyle/>
-                    <a:p>
-                      <a:pPr algn="ctr" fontAlgn="ctr">
-                        <a:lnSpc>
-                          <a:spcPct val="150000"/>
-                        </a:lnSpc>
-                      </a:pPr>
-                      <a:endParaRPr lang="en-US" sz="1600" dirty="0">
-                        <a:solidFill>
-                          <a:schemeClr val="bg1"/>
-                        </a:solidFill>
-                        <a:effectLst/>
-                        <a:latin typeface="微软雅黑" panose="020B0503020204020204" pitchFamily="34" charset="-122"/>
-                        <a:ea typeface="微软雅黑" panose="020B0503020204020204" pitchFamily="34" charset="-122"/>
+                        <a:cs typeface="+mn-cs"/>
                       </a:endParaRPr>
                     </a:p>
                   </a:txBody>
@@ -6500,7 +7012,7 @@
                 </a:tc>
                 <a:extLst>
                   <a:ext uri="{0D108BD9-81ED-4DB2-BD59-A6C34878D82A}">
-                    <a16:rowId xmlns:a16="http://schemas.microsoft.com/office/drawing/2014/main" xmlns="" val="4256870296"/>
+                    <a16:rowId xmlns:a16="http://schemas.microsoft.com/office/drawing/2014/main" val="4256870296"/>
                   </a:ext>
                 </a:extLst>
               </a:tr>
@@ -6615,19 +7127,35 @@
                     <a:bodyPr/>
                     <a:lstStyle/>
                     <a:p>
-                      <a:pPr algn="ctr" fontAlgn="ctr">
+                      <a:pPr marL="0" marR="0" indent="0" algn="ctr" defTabSz="914400" rtl="0" eaLnBrk="1" fontAlgn="ctr" latinLnBrk="0" hangingPunct="1">
                         <a:lnSpc>
-                          <a:spcPct val="150000"/>
+                          <a:spcPct val="100000"/>
                         </a:lnSpc>
+                        <a:spcBef>
+                          <a:spcPts val="0"/>
+                        </a:spcBef>
+                        <a:spcAft>
+                          <a:spcPts val="0"/>
+                        </a:spcAft>
+                        <a:buClrTx/>
+                        <a:buSzTx/>
+                        <a:buFontTx/>
+                        <a:buNone/>
+                        <a:tabLst/>
+                        <a:defRPr/>
                       </a:pPr>
-                      <a:endParaRPr lang="zh-CN" altLang="en-US" sz="1600" dirty="0">
-                        <a:solidFill>
-                          <a:schemeClr val="bg1"/>
-                        </a:solidFill>
-                        <a:effectLst/>
-                        <a:latin typeface="微软雅黑" panose="020B0503020204020204" pitchFamily="34" charset="-122"/>
-                        <a:ea typeface="微软雅黑" panose="020B0503020204020204" pitchFamily="34" charset="-122"/>
-                      </a:endParaRPr>
+                      <a:r>
+                        <a:rPr lang="zh-CN" altLang="en-US" sz="3600" b="1" kern="1200" dirty="0">
+                          <a:solidFill>
+                            <a:srgbClr val="68BD45"/>
+                          </a:solidFill>
+                          <a:effectLst/>
+                          <a:latin typeface="微软雅黑" panose="020B0503020204020204" pitchFamily="34" charset="-122"/>
+                          <a:ea typeface="微软雅黑" panose="020B0503020204020204" pitchFamily="34" charset="-122"/>
+                          <a:cs typeface="+mn-cs"/>
+                        </a:rPr>
+                        <a:t>√</a:t>
+                      </a:r>
                     </a:p>
                   </a:txBody>
                   <a:tcPr marL="18100" marR="18100" marT="18100" marB="18100" anchor="ctr">
@@ -6675,19 +7203,35 @@
                     <a:bodyPr/>
                     <a:lstStyle/>
                     <a:p>
-                      <a:pPr algn="ctr" fontAlgn="ctr">
+                      <a:pPr marL="0" marR="0" indent="0" algn="ctr" defTabSz="914400" rtl="0" eaLnBrk="1" fontAlgn="ctr" latinLnBrk="0" hangingPunct="1">
                         <a:lnSpc>
-                          <a:spcPct val="150000"/>
+                          <a:spcPct val="100000"/>
                         </a:lnSpc>
+                        <a:spcBef>
+                          <a:spcPts val="0"/>
+                        </a:spcBef>
+                        <a:spcAft>
+                          <a:spcPts val="0"/>
+                        </a:spcAft>
+                        <a:buClrTx/>
+                        <a:buSzTx/>
+                        <a:buFontTx/>
+                        <a:buNone/>
+                        <a:tabLst/>
+                        <a:defRPr/>
                       </a:pPr>
-                      <a:endParaRPr lang="zh-CN" altLang="en-US" sz="1600" dirty="0">
-                        <a:solidFill>
-                          <a:schemeClr val="bg1"/>
-                        </a:solidFill>
-                        <a:effectLst/>
-                        <a:latin typeface="微软雅黑" panose="020B0503020204020204" pitchFamily="34" charset="-122"/>
-                        <a:ea typeface="微软雅黑" panose="020B0503020204020204" pitchFamily="34" charset="-122"/>
-                      </a:endParaRPr>
+                      <a:r>
+                        <a:rPr lang="zh-CN" altLang="en-US" sz="3600" b="1" kern="1200" dirty="0">
+                          <a:solidFill>
+                            <a:srgbClr val="68BD45"/>
+                          </a:solidFill>
+                          <a:effectLst/>
+                          <a:latin typeface="微软雅黑" panose="020B0503020204020204" pitchFamily="34" charset="-122"/>
+                          <a:ea typeface="微软雅黑" panose="020B0503020204020204" pitchFamily="34" charset="-122"/>
+                          <a:cs typeface="+mn-cs"/>
+                        </a:rPr>
+                        <a:t>√</a:t>
+                      </a:r>
                     </a:p>
                   </a:txBody>
                   <a:tcPr marL="18100" marR="18100" marT="18100" marB="18100" anchor="ctr">
@@ -6735,19 +7279,35 @@
                     <a:bodyPr/>
                     <a:lstStyle/>
                     <a:p>
-                      <a:pPr algn="ctr" fontAlgn="ctr">
+                      <a:pPr marL="0" marR="0" indent="0" algn="ctr" defTabSz="914400" rtl="0" eaLnBrk="1" fontAlgn="ctr" latinLnBrk="0" hangingPunct="1">
                         <a:lnSpc>
-                          <a:spcPct val="150000"/>
+                          <a:spcPct val="100000"/>
                         </a:lnSpc>
+                        <a:spcBef>
+                          <a:spcPts val="0"/>
+                        </a:spcBef>
+                        <a:spcAft>
+                          <a:spcPts val="0"/>
+                        </a:spcAft>
+                        <a:buClrTx/>
+                        <a:buSzTx/>
+                        <a:buFontTx/>
+                        <a:buNone/>
+                        <a:tabLst/>
+                        <a:defRPr/>
                       </a:pPr>
-                      <a:endParaRPr lang="zh-CN" altLang="en-US" sz="1600" dirty="0">
-                        <a:solidFill>
-                          <a:schemeClr val="bg1"/>
-                        </a:solidFill>
-                        <a:effectLst/>
-                        <a:latin typeface="微软雅黑" panose="020B0503020204020204" pitchFamily="34" charset="-122"/>
-                        <a:ea typeface="微软雅黑" panose="020B0503020204020204" pitchFamily="34" charset="-122"/>
-                      </a:endParaRPr>
+                      <a:r>
+                        <a:rPr lang="zh-CN" altLang="en-US" sz="3600" b="1" kern="1200" dirty="0">
+                          <a:solidFill>
+                            <a:srgbClr val="68BD45"/>
+                          </a:solidFill>
+                          <a:effectLst/>
+                          <a:latin typeface="微软雅黑" panose="020B0503020204020204" pitchFamily="34" charset="-122"/>
+                          <a:ea typeface="微软雅黑" panose="020B0503020204020204" pitchFamily="34" charset="-122"/>
+                          <a:cs typeface="+mn-cs"/>
+                        </a:rPr>
+                        <a:t>√</a:t>
+                      </a:r>
                     </a:p>
                   </a:txBody>
                   <a:tcPr marL="18100" marR="18100" marT="18100" marB="18100" anchor="ctr">
@@ -6792,7 +7352,7 @@
                 </a:tc>
                 <a:extLst>
                   <a:ext uri="{0D108BD9-81ED-4DB2-BD59-A6C34878D82A}">
-                    <a16:rowId xmlns:a16="http://schemas.microsoft.com/office/drawing/2014/main" xmlns="" val="899282155"/>
+                    <a16:rowId xmlns:a16="http://schemas.microsoft.com/office/drawing/2014/main" val="899282155"/>
                   </a:ext>
                 </a:extLst>
               </a:tr>
@@ -6805,7 +7365,7 @@
           <p:cNvPr id="40" name="流程图: 过程 39">
             <a:extLst>
               <a:ext uri="{FF2B5EF4-FFF2-40B4-BE49-F238E27FC236}">
-                <a16:creationId xmlns:a16="http://schemas.microsoft.com/office/drawing/2014/main" xmlns="" id="{DEE6F68B-D383-4456-A945-5D2426316FC6}"/>
+                <a16:creationId xmlns:a16="http://schemas.microsoft.com/office/drawing/2014/main" id="{DEE6F68B-D383-4456-A945-5D2426316FC6}"/>
               </a:ext>
             </a:extLst>
           </p:cNvPr>
@@ -6861,366 +7421,439 @@
           </a:p>
         </p:txBody>
       </p:sp>
-      <p:pic>
-        <p:nvPicPr>
-          <p:cNvPr id="4" name="图片 3"/>
-          <p:cNvPicPr>
-            <a:picLocks noChangeAspect="1"/>
-          </p:cNvPicPr>
-          <p:nvPr/>
-        </p:nvPicPr>
-        <p:blipFill>
-          <a:blip r:embed="rId5" cstate="print">
+      <p:grpSp>
+        <p:nvGrpSpPr>
+          <p:cNvPr id="18" name="组合 17">
             <a:extLst>
-              <a:ext uri="{28A0092B-C50C-407E-A947-70E740481C1C}">
-                <a14:useLocalDpi xmlns:a14="http://schemas.microsoft.com/office/drawing/2010/main" val="0"/>
+              <a:ext uri="{FF2B5EF4-FFF2-40B4-BE49-F238E27FC236}">
+                <a16:creationId xmlns:a16="http://schemas.microsoft.com/office/drawing/2014/main" id="{2E9304BD-3B27-48FF-87BF-05DE71B82F20}"/>
               </a:ext>
             </a:extLst>
-          </a:blip>
-          <a:stretch>
-            <a:fillRect/>
-          </a:stretch>
-        </p:blipFill>
-        <p:spPr>
+          </p:cNvPr>
+          <p:cNvGrpSpPr/>
+          <p:nvPr/>
+        </p:nvGrpSpPr>
+        <p:grpSpPr>
           <a:xfrm>
-            <a:off x="4688542" y="2564904"/>
-            <a:ext cx="385961" cy="382140"/>
+            <a:off x="10416480" y="188640"/>
+            <a:ext cx="1101522" cy="1008112"/>
+            <a:chOff x="687734" y="3019855"/>
+            <a:chExt cx="2527946" cy="2355117"/>
           </a:xfrm>
-          <a:prstGeom prst="rect">
-            <a:avLst/>
-          </a:prstGeom>
-        </p:spPr>
-      </p:pic>
-      <p:pic>
-        <p:nvPicPr>
-          <p:cNvPr id="21" name="图片 20"/>
-          <p:cNvPicPr>
-            <a:picLocks noChangeAspect="1"/>
-          </p:cNvPicPr>
-          <p:nvPr/>
-        </p:nvPicPr>
-        <p:blipFill>
-          <a:blip r:embed="rId5" cstate="print">
-            <a:extLst>
-              <a:ext uri="{28A0092B-C50C-407E-A947-70E740481C1C}">
-                <a14:useLocalDpi xmlns:a14="http://schemas.microsoft.com/office/drawing/2010/main" val="0"/>
-              </a:ext>
-            </a:extLst>
-          </a:blip>
-          <a:stretch>
-            <a:fillRect/>
-          </a:stretch>
-        </p:blipFill>
-        <p:spPr>
-          <a:xfrm>
-            <a:off x="6626538" y="2564904"/>
-            <a:ext cx="385961" cy="382140"/>
-          </a:xfrm>
-          <a:prstGeom prst="rect">
-            <a:avLst/>
-          </a:prstGeom>
-        </p:spPr>
-      </p:pic>
-      <p:pic>
-        <p:nvPicPr>
-          <p:cNvPr id="22" name="图片 21"/>
-          <p:cNvPicPr>
-            <a:picLocks noChangeAspect="1"/>
-          </p:cNvPicPr>
-          <p:nvPr/>
-        </p:nvPicPr>
-        <p:blipFill>
-          <a:blip r:embed="rId5" cstate="print">
-            <a:extLst>
-              <a:ext uri="{28A0092B-C50C-407E-A947-70E740481C1C}">
-                <a14:useLocalDpi xmlns:a14="http://schemas.microsoft.com/office/drawing/2010/main" val="0"/>
-              </a:ext>
-            </a:extLst>
-          </a:blip>
-          <a:stretch>
-            <a:fillRect/>
-          </a:stretch>
-        </p:blipFill>
-        <p:spPr>
-          <a:xfrm>
-            <a:off x="8613193" y="2564904"/>
-            <a:ext cx="385961" cy="382140"/>
-          </a:xfrm>
-          <a:prstGeom prst="rect">
-            <a:avLst/>
-          </a:prstGeom>
-        </p:spPr>
-      </p:pic>
-      <p:pic>
-        <p:nvPicPr>
-          <p:cNvPr id="26" name="图片 25"/>
-          <p:cNvPicPr>
-            <a:picLocks noChangeAspect="1"/>
-          </p:cNvPicPr>
-          <p:nvPr/>
-        </p:nvPicPr>
-        <p:blipFill>
-          <a:blip r:embed="rId5" cstate="print">
-            <a:extLst>
-              <a:ext uri="{28A0092B-C50C-407E-A947-70E740481C1C}">
-                <a14:useLocalDpi xmlns:a14="http://schemas.microsoft.com/office/drawing/2010/main" val="0"/>
-              </a:ext>
-            </a:extLst>
-          </a:blip>
-          <a:stretch>
-            <a:fillRect/>
-          </a:stretch>
-        </p:blipFill>
-        <p:spPr>
-          <a:xfrm>
-            <a:off x="6626538" y="3356992"/>
-            <a:ext cx="385961" cy="382140"/>
-          </a:xfrm>
-          <a:prstGeom prst="rect">
-            <a:avLst/>
-          </a:prstGeom>
-        </p:spPr>
-      </p:pic>
-      <p:pic>
-        <p:nvPicPr>
-          <p:cNvPr id="27" name="图片 26"/>
-          <p:cNvPicPr>
-            <a:picLocks noChangeAspect="1"/>
-          </p:cNvPicPr>
-          <p:nvPr/>
-        </p:nvPicPr>
-        <p:blipFill>
-          <a:blip r:embed="rId5" cstate="print">
-            <a:extLst>
-              <a:ext uri="{28A0092B-C50C-407E-A947-70E740481C1C}">
-                <a14:useLocalDpi xmlns:a14="http://schemas.microsoft.com/office/drawing/2010/main" val="0"/>
-              </a:ext>
-            </a:extLst>
-          </a:blip>
-          <a:stretch>
-            <a:fillRect/>
-          </a:stretch>
-        </p:blipFill>
-        <p:spPr>
-          <a:xfrm>
-            <a:off x="8613193" y="3356992"/>
-            <a:ext cx="385961" cy="382140"/>
-          </a:xfrm>
-          <a:prstGeom prst="rect">
-            <a:avLst/>
-          </a:prstGeom>
-        </p:spPr>
-      </p:pic>
-      <p:pic>
-        <p:nvPicPr>
-          <p:cNvPr id="28" name="图片 27"/>
-          <p:cNvPicPr>
-            <a:picLocks noChangeAspect="1"/>
-          </p:cNvPicPr>
-          <p:nvPr/>
-        </p:nvPicPr>
-        <p:blipFill>
-          <a:blip r:embed="rId5" cstate="print">
-            <a:extLst>
-              <a:ext uri="{28A0092B-C50C-407E-A947-70E740481C1C}">
-                <a14:useLocalDpi xmlns:a14="http://schemas.microsoft.com/office/drawing/2010/main" val="0"/>
-              </a:ext>
-            </a:extLst>
-          </a:blip>
-          <a:stretch>
-            <a:fillRect/>
-          </a:stretch>
-        </p:blipFill>
-        <p:spPr>
-          <a:xfrm>
-            <a:off x="8613192" y="4149080"/>
-            <a:ext cx="385961" cy="382140"/>
-          </a:xfrm>
-          <a:prstGeom prst="rect">
-            <a:avLst/>
-          </a:prstGeom>
-        </p:spPr>
-      </p:pic>
-      <p:pic>
-        <p:nvPicPr>
-          <p:cNvPr id="7" name="图片 6"/>
-          <p:cNvPicPr>
-            <a:picLocks noChangeAspect="1"/>
-          </p:cNvPicPr>
-          <p:nvPr/>
-        </p:nvPicPr>
-        <p:blipFill>
-          <a:blip r:embed="rId6" cstate="print">
-            <a:extLst>
-              <a:ext uri="{28A0092B-C50C-407E-A947-70E740481C1C}">
-                <a14:useLocalDpi xmlns:a14="http://schemas.microsoft.com/office/drawing/2010/main" val="0"/>
-              </a:ext>
-            </a:extLst>
-          </a:blip>
-          <a:stretch>
-            <a:fillRect/>
-          </a:stretch>
-        </p:blipFill>
-        <p:spPr>
-          <a:xfrm>
-            <a:off x="4722357" y="3356992"/>
-            <a:ext cx="335042" cy="335042"/>
-          </a:xfrm>
-          <a:prstGeom prst="rect">
-            <a:avLst/>
-          </a:prstGeom>
-        </p:spPr>
-      </p:pic>
-      <p:pic>
-        <p:nvPicPr>
-          <p:cNvPr id="30" name="图片 29"/>
-          <p:cNvPicPr>
-            <a:picLocks noChangeAspect="1"/>
-          </p:cNvPicPr>
-          <p:nvPr/>
-        </p:nvPicPr>
-        <p:blipFill>
-          <a:blip r:embed="rId6" cstate="print">
-            <a:extLst>
-              <a:ext uri="{28A0092B-C50C-407E-A947-70E740481C1C}">
-                <a14:useLocalDpi xmlns:a14="http://schemas.microsoft.com/office/drawing/2010/main" val="0"/>
-              </a:ext>
-            </a:extLst>
-          </a:blip>
-          <a:stretch>
-            <a:fillRect/>
-          </a:stretch>
-        </p:blipFill>
-        <p:spPr>
-          <a:xfrm>
-            <a:off x="4722357" y="4148689"/>
-            <a:ext cx="335042" cy="335042"/>
-          </a:xfrm>
-          <a:prstGeom prst="rect">
-            <a:avLst/>
-          </a:prstGeom>
-        </p:spPr>
-      </p:pic>
-      <p:pic>
-        <p:nvPicPr>
-          <p:cNvPr id="31" name="图片 30"/>
-          <p:cNvPicPr>
-            <a:picLocks noChangeAspect="1"/>
-          </p:cNvPicPr>
-          <p:nvPr/>
-        </p:nvPicPr>
-        <p:blipFill>
-          <a:blip r:embed="rId6" cstate="print">
-            <a:extLst>
-              <a:ext uri="{28A0092B-C50C-407E-A947-70E740481C1C}">
-                <a14:useLocalDpi xmlns:a14="http://schemas.microsoft.com/office/drawing/2010/main" val="0"/>
-              </a:ext>
-            </a:extLst>
-          </a:blip>
-          <a:stretch>
-            <a:fillRect/>
-          </a:stretch>
-        </p:blipFill>
-        <p:spPr>
-          <a:xfrm>
-            <a:off x="4697335" y="4934440"/>
-            <a:ext cx="335042" cy="335042"/>
-          </a:xfrm>
-          <a:prstGeom prst="rect">
-            <a:avLst/>
-          </a:prstGeom>
-        </p:spPr>
-      </p:pic>
-      <p:pic>
-        <p:nvPicPr>
-          <p:cNvPr id="32" name="图片 31"/>
-          <p:cNvPicPr>
-            <a:picLocks noChangeAspect="1"/>
-          </p:cNvPicPr>
-          <p:nvPr/>
-        </p:nvPicPr>
-        <p:blipFill>
-          <a:blip r:embed="rId6" cstate="print">
-            <a:extLst>
-              <a:ext uri="{28A0092B-C50C-407E-A947-70E740481C1C}">
-                <a14:useLocalDpi xmlns:a14="http://schemas.microsoft.com/office/drawing/2010/main" val="0"/>
-              </a:ext>
-            </a:extLst>
-          </a:blip>
-          <a:stretch>
-            <a:fillRect/>
-          </a:stretch>
-        </p:blipFill>
-        <p:spPr>
-          <a:xfrm>
-            <a:off x="6680285" y="4148689"/>
-            <a:ext cx="335042" cy="335042"/>
-          </a:xfrm>
-          <a:prstGeom prst="rect">
-            <a:avLst/>
-          </a:prstGeom>
-        </p:spPr>
-      </p:pic>
-      <p:pic>
-        <p:nvPicPr>
-          <p:cNvPr id="33" name="图片 32"/>
-          <p:cNvPicPr>
-            <a:picLocks noChangeAspect="1"/>
-          </p:cNvPicPr>
-          <p:nvPr/>
-        </p:nvPicPr>
-        <p:blipFill>
-          <a:blip r:embed="rId6" cstate="print">
-            <a:extLst>
-              <a:ext uri="{28A0092B-C50C-407E-A947-70E740481C1C}">
-                <a14:useLocalDpi xmlns:a14="http://schemas.microsoft.com/office/drawing/2010/main" val="0"/>
-              </a:ext>
-            </a:extLst>
-          </a:blip>
-          <a:stretch>
-            <a:fillRect/>
-          </a:stretch>
-        </p:blipFill>
-        <p:spPr>
-          <a:xfrm>
-            <a:off x="6655263" y="4934440"/>
-            <a:ext cx="335042" cy="335042"/>
-          </a:xfrm>
-          <a:prstGeom prst="rect">
-            <a:avLst/>
-          </a:prstGeom>
-        </p:spPr>
-      </p:pic>
-      <p:pic>
-        <p:nvPicPr>
-          <p:cNvPr id="36" name="图片 35"/>
-          <p:cNvPicPr>
-            <a:picLocks noChangeAspect="1"/>
-          </p:cNvPicPr>
-          <p:nvPr/>
-        </p:nvPicPr>
-        <p:blipFill>
-          <a:blip r:embed="rId6" cstate="print">
-            <a:extLst>
-              <a:ext uri="{28A0092B-C50C-407E-A947-70E740481C1C}">
-                <a14:useLocalDpi xmlns:a14="http://schemas.microsoft.com/office/drawing/2010/main" val="0"/>
-              </a:ext>
-            </a:extLst>
-          </a:blip>
-          <a:stretch>
-            <a:fillRect/>
-          </a:stretch>
-        </p:blipFill>
-        <p:spPr>
-          <a:xfrm>
-            <a:off x="8638651" y="4871572"/>
-            <a:ext cx="335042" cy="335042"/>
-          </a:xfrm>
-          <a:prstGeom prst="rect">
-            <a:avLst/>
-          </a:prstGeom>
-        </p:spPr>
-      </p:pic>
+          <a:effectLst/>
+        </p:grpSpPr>
+        <p:pic>
+          <p:nvPicPr>
+            <p:cNvPr id="19" name="图片 18">
+              <a:extLst>
+                <a:ext uri="{FF2B5EF4-FFF2-40B4-BE49-F238E27FC236}">
+                  <a16:creationId xmlns:a16="http://schemas.microsoft.com/office/drawing/2014/main" id="{D5CED57E-E926-45F0-9D0B-15D517855A79}"/>
+                </a:ext>
+              </a:extLst>
+            </p:cNvPr>
+            <p:cNvPicPr>
+              <a:picLocks noChangeAspect="1"/>
+            </p:cNvPicPr>
+            <p:nvPr/>
+          </p:nvPicPr>
+          <p:blipFill>
+            <a:blip r:embed="rId5"/>
+            <a:stretch>
+              <a:fillRect/>
+            </a:stretch>
+          </p:blipFill>
+          <p:spPr>
+            <a:xfrm>
+              <a:off x="687734" y="3019855"/>
+              <a:ext cx="2527946" cy="2355117"/>
+            </a:xfrm>
+            <a:prstGeom prst="rect">
+              <a:avLst/>
+            </a:prstGeom>
+            <a:ln>
+              <a:solidFill>
+                <a:schemeClr val="bg1"/>
+              </a:solidFill>
+            </a:ln>
+            <a:effectLst/>
+          </p:spPr>
+        </p:pic>
+        <p:sp>
+          <p:nvSpPr>
+            <p:cNvPr id="20" name="矩形: 圆角 10">
+              <a:extLst>
+                <a:ext uri="{FF2B5EF4-FFF2-40B4-BE49-F238E27FC236}">
+                  <a16:creationId xmlns:a16="http://schemas.microsoft.com/office/drawing/2014/main" id="{25179D9E-437B-4CE1-9AAE-ABEF368CAAFA}"/>
+                </a:ext>
+              </a:extLst>
+            </p:cNvPr>
+            <p:cNvSpPr/>
+            <p:nvPr/>
+          </p:nvSpPr>
+          <p:spPr bwMode="auto">
+            <a:xfrm>
+              <a:off x="1094485" y="3297414"/>
+              <a:ext cx="216024" cy="1800000"/>
+            </a:xfrm>
+            <a:prstGeom prst="roundRect">
+              <a:avLst/>
+            </a:prstGeom>
+            <a:solidFill>
+              <a:schemeClr val="bg1"/>
+            </a:solidFill>
+            <a:ln w="25400" cap="flat" cmpd="sng" algn="ctr">
+              <a:solidFill>
+                <a:schemeClr val="bg1"/>
+              </a:solidFill>
+              <a:prstDash val="solid"/>
+              <a:round/>
+              <a:headEnd type="none" w="med" len="med"/>
+              <a:tailEnd type="none" w="med" len="med"/>
+            </a:ln>
+            <a:effectLst/>
+          </p:spPr>
+          <p:txBody>
+            <a:bodyPr rot="0" spcFirstLastPara="0" vertOverflow="overflow" horzOverflow="overflow" vert="horz" wrap="square" lIns="25400" tIns="25400" rIns="25400" bIns="25400" numCol="1" spcCol="0" rtlCol="0" fromWordArt="0" anchor="ctr" anchorCtr="0" forceAA="0" compatLnSpc="1">
+              <a:prstTxWarp prst="textNoShape">
+                <a:avLst/>
+              </a:prstTxWarp>
+              <a:noAutofit/>
+            </a:bodyPr>
+            <a:lstStyle/>
+            <a:p>
+              <a:pPr marL="0" marR="0" indent="0" algn="ctr" defTabSz="412750" rtl="0" eaLnBrk="1" fontAlgn="base" latinLnBrk="0" hangingPunct="0">
+                <a:lnSpc>
+                  <a:spcPct val="100000"/>
+                </a:lnSpc>
+                <a:spcBef>
+                  <a:spcPct val="0"/>
+                </a:spcBef>
+                <a:spcAft>
+                  <a:spcPct val="0"/>
+                </a:spcAft>
+                <a:buClrTx/>
+                <a:buSzTx/>
+                <a:buFontTx/>
+                <a:buNone/>
+                <a:tabLst/>
+              </a:pPr>
+              <a:endParaRPr kumimoji="0" lang="zh-CN" altLang="en-US" sz="2400" b="0" i="0" u="none" strike="noStrike" cap="none" normalizeH="0" baseline="0" dirty="0">
+                <a:ln>
+                  <a:noFill/>
+                </a:ln>
+                <a:solidFill>
+                  <a:srgbClr val="000000"/>
+                </a:solidFill>
+                <a:effectLst/>
+                <a:latin typeface="Helvetica Light" charset="0"/>
+                <a:ea typeface="Helvetica Light" charset="0"/>
+                <a:cs typeface="Helvetica Light" charset="0"/>
+                <a:sym typeface="Helvetica Light" charset="0"/>
+              </a:endParaRPr>
+            </a:p>
+          </p:txBody>
+        </p:sp>
+        <p:sp>
+          <p:nvSpPr>
+            <p:cNvPr id="23" name="矩形: 圆角 12">
+              <a:extLst>
+                <a:ext uri="{FF2B5EF4-FFF2-40B4-BE49-F238E27FC236}">
+                  <a16:creationId xmlns:a16="http://schemas.microsoft.com/office/drawing/2014/main" id="{AEAA4FAD-3DEB-4B0D-B130-6ABC4D1C9377}"/>
+                </a:ext>
+              </a:extLst>
+            </p:cNvPr>
+            <p:cNvSpPr/>
+            <p:nvPr/>
+          </p:nvSpPr>
+          <p:spPr bwMode="auto">
+            <a:xfrm>
+              <a:off x="1472828" y="4005184"/>
+              <a:ext cx="216024" cy="1080000"/>
+            </a:xfrm>
+            <a:prstGeom prst="roundRect">
+              <a:avLst/>
+            </a:prstGeom>
+            <a:solidFill>
+              <a:srgbClr val="FF373C"/>
+            </a:solidFill>
+            <a:ln w="25400" cap="flat" cmpd="sng" algn="ctr">
+              <a:solidFill>
+                <a:srgbClr val="FF373C"/>
+              </a:solidFill>
+              <a:prstDash val="solid"/>
+              <a:round/>
+              <a:headEnd type="none" w="med" len="med"/>
+              <a:tailEnd type="none" w="med" len="med"/>
+            </a:ln>
+            <a:effectLst/>
+          </p:spPr>
+          <p:txBody>
+            <a:bodyPr rot="0" spcFirstLastPara="0" vertOverflow="overflow" horzOverflow="overflow" vert="horz" wrap="square" lIns="25400" tIns="25400" rIns="25400" bIns="25400" numCol="1" spcCol="0" rtlCol="0" fromWordArt="0" anchor="ctr" anchorCtr="0" forceAA="0" compatLnSpc="1">
+              <a:prstTxWarp prst="textNoShape">
+                <a:avLst/>
+              </a:prstTxWarp>
+              <a:noAutofit/>
+            </a:bodyPr>
+            <a:lstStyle/>
+            <a:p>
+              <a:pPr marL="0" marR="0" indent="0" algn="ctr" defTabSz="412750" rtl="0" eaLnBrk="1" fontAlgn="base" latinLnBrk="0" hangingPunct="0">
+                <a:lnSpc>
+                  <a:spcPct val="100000"/>
+                </a:lnSpc>
+                <a:spcBef>
+                  <a:spcPct val="0"/>
+                </a:spcBef>
+                <a:spcAft>
+                  <a:spcPct val="0"/>
+                </a:spcAft>
+                <a:buClrTx/>
+                <a:buSzTx/>
+                <a:buFontTx/>
+                <a:buNone/>
+                <a:tabLst/>
+              </a:pPr>
+              <a:endParaRPr kumimoji="0" lang="zh-CN" altLang="en-US" sz="2400" b="0" i="0" u="none" strike="noStrike" cap="none" normalizeH="0" baseline="0" dirty="0">
+                <a:ln>
+                  <a:noFill/>
+                </a:ln>
+                <a:solidFill>
+                  <a:srgbClr val="000000"/>
+                </a:solidFill>
+                <a:effectLst/>
+                <a:latin typeface="Helvetica Light" charset="0"/>
+                <a:ea typeface="Helvetica Light" charset="0"/>
+                <a:cs typeface="Helvetica Light" charset="0"/>
+                <a:sym typeface="Helvetica Light" charset="0"/>
+              </a:endParaRPr>
+            </a:p>
+          </p:txBody>
+        </p:sp>
+        <p:sp>
+          <p:nvSpPr>
+            <p:cNvPr id="24" name="矩形: 圆角 13">
+              <a:extLst>
+                <a:ext uri="{FF2B5EF4-FFF2-40B4-BE49-F238E27FC236}">
+                  <a16:creationId xmlns:a16="http://schemas.microsoft.com/office/drawing/2014/main" id="{8E1B160D-F0A8-4AEF-9F7F-AEDFBCB6C74F}"/>
+                </a:ext>
+              </a:extLst>
+            </p:cNvPr>
+            <p:cNvSpPr/>
+            <p:nvPr/>
+          </p:nvSpPr>
+          <p:spPr bwMode="auto">
+            <a:xfrm>
+              <a:off x="1851171" y="3839256"/>
+              <a:ext cx="216024" cy="1260000"/>
+            </a:xfrm>
+            <a:prstGeom prst="roundRect">
+              <a:avLst/>
+            </a:prstGeom>
+            <a:solidFill>
+              <a:srgbClr val="1F87EB"/>
+            </a:solidFill>
+            <a:ln w="25400" cap="flat" cmpd="sng" algn="ctr">
+              <a:solidFill>
+                <a:srgbClr val="1F87EB"/>
+              </a:solidFill>
+              <a:prstDash val="solid"/>
+              <a:round/>
+              <a:headEnd type="none" w="med" len="med"/>
+              <a:tailEnd type="none" w="med" len="med"/>
+            </a:ln>
+            <a:effectLst/>
+          </p:spPr>
+          <p:txBody>
+            <a:bodyPr rot="0" spcFirstLastPara="0" vertOverflow="overflow" horzOverflow="overflow" vert="horz" wrap="square" lIns="25400" tIns="25400" rIns="25400" bIns="25400" numCol="1" spcCol="0" rtlCol="0" fromWordArt="0" anchor="ctr" anchorCtr="0" forceAA="0" compatLnSpc="1">
+              <a:prstTxWarp prst="textNoShape">
+                <a:avLst/>
+              </a:prstTxWarp>
+              <a:noAutofit/>
+            </a:bodyPr>
+            <a:lstStyle/>
+            <a:p>
+              <a:pPr marL="0" marR="0" indent="0" algn="ctr" defTabSz="412750" rtl="0" eaLnBrk="1" fontAlgn="base" latinLnBrk="0" hangingPunct="0">
+                <a:lnSpc>
+                  <a:spcPct val="100000"/>
+                </a:lnSpc>
+                <a:spcBef>
+                  <a:spcPct val="0"/>
+                </a:spcBef>
+                <a:spcAft>
+                  <a:spcPct val="0"/>
+                </a:spcAft>
+                <a:buClrTx/>
+                <a:buSzTx/>
+                <a:buFontTx/>
+                <a:buNone/>
+                <a:tabLst/>
+              </a:pPr>
+              <a:endParaRPr kumimoji="0" lang="zh-CN" altLang="en-US" sz="2400" b="0" i="0" u="none" strike="noStrike" cap="none" normalizeH="0" baseline="0" dirty="0">
+                <a:ln>
+                  <a:noFill/>
+                </a:ln>
+                <a:solidFill>
+                  <a:srgbClr val="000000"/>
+                </a:solidFill>
+                <a:effectLst/>
+                <a:latin typeface="Helvetica Light" charset="0"/>
+                <a:ea typeface="Helvetica Light" charset="0"/>
+                <a:cs typeface="Helvetica Light" charset="0"/>
+                <a:sym typeface="Helvetica Light" charset="0"/>
+              </a:endParaRPr>
+            </a:p>
+          </p:txBody>
+        </p:sp>
+        <p:sp>
+          <p:nvSpPr>
+            <p:cNvPr id="25" name="矩形: 圆角 14">
+              <a:extLst>
+                <a:ext uri="{FF2B5EF4-FFF2-40B4-BE49-F238E27FC236}">
+                  <a16:creationId xmlns:a16="http://schemas.microsoft.com/office/drawing/2014/main" id="{4F0EFAFA-8D33-4F43-9C9E-527BEB53A99B}"/>
+                </a:ext>
+              </a:extLst>
+            </p:cNvPr>
+            <p:cNvSpPr/>
+            <p:nvPr/>
+          </p:nvSpPr>
+          <p:spPr bwMode="auto">
+            <a:xfrm>
+              <a:off x="2242591" y="4365184"/>
+              <a:ext cx="216024" cy="720000"/>
+            </a:xfrm>
+            <a:prstGeom prst="roundRect">
+              <a:avLst/>
+            </a:prstGeom>
+            <a:solidFill>
+              <a:srgbClr val="FFC300"/>
+            </a:solidFill>
+            <a:ln w="25400" cap="flat" cmpd="sng" algn="ctr">
+              <a:solidFill>
+                <a:srgbClr val="FFC300"/>
+              </a:solidFill>
+              <a:prstDash val="solid"/>
+              <a:round/>
+              <a:headEnd type="none" w="med" len="med"/>
+              <a:tailEnd type="none" w="med" len="med"/>
+            </a:ln>
+            <a:effectLst/>
+          </p:spPr>
+          <p:txBody>
+            <a:bodyPr rot="0" spcFirstLastPara="0" vertOverflow="overflow" horzOverflow="overflow" vert="horz" wrap="square" lIns="25400" tIns="25400" rIns="25400" bIns="25400" numCol="1" spcCol="0" rtlCol="0" fromWordArt="0" anchor="ctr" anchorCtr="0" forceAA="0" compatLnSpc="1">
+              <a:prstTxWarp prst="textNoShape">
+                <a:avLst/>
+              </a:prstTxWarp>
+              <a:noAutofit/>
+            </a:bodyPr>
+            <a:lstStyle/>
+            <a:p>
+              <a:pPr marL="0" marR="0" indent="0" algn="ctr" defTabSz="412750" rtl="0" eaLnBrk="1" fontAlgn="base" latinLnBrk="0" hangingPunct="0">
+                <a:lnSpc>
+                  <a:spcPct val="100000"/>
+                </a:lnSpc>
+                <a:spcBef>
+                  <a:spcPct val="0"/>
+                </a:spcBef>
+                <a:spcAft>
+                  <a:spcPct val="0"/>
+                </a:spcAft>
+                <a:buClrTx/>
+                <a:buSzTx/>
+                <a:buFontTx/>
+                <a:buNone/>
+                <a:tabLst/>
+              </a:pPr>
+              <a:endParaRPr kumimoji="0" lang="zh-CN" altLang="en-US" sz="2400" b="0" i="0" u="none" strike="noStrike" cap="none" normalizeH="0" baseline="0" dirty="0">
+                <a:ln>
+                  <a:noFill/>
+                </a:ln>
+                <a:solidFill>
+                  <a:srgbClr val="000000"/>
+                </a:solidFill>
+                <a:effectLst/>
+                <a:latin typeface="Helvetica Light" charset="0"/>
+                <a:ea typeface="Helvetica Light" charset="0"/>
+                <a:cs typeface="Helvetica Light" charset="0"/>
+                <a:sym typeface="Helvetica Light" charset="0"/>
+              </a:endParaRPr>
+            </a:p>
+          </p:txBody>
+        </p:sp>
+        <p:sp>
+          <p:nvSpPr>
+            <p:cNvPr id="29" name="矩形: 圆角 16">
+              <a:extLst>
+                <a:ext uri="{FF2B5EF4-FFF2-40B4-BE49-F238E27FC236}">
+                  <a16:creationId xmlns:a16="http://schemas.microsoft.com/office/drawing/2014/main" id="{7CC027D0-6E0F-487F-935A-59B022496EDF}"/>
+                </a:ext>
+              </a:extLst>
+            </p:cNvPr>
+            <p:cNvSpPr/>
+            <p:nvPr/>
+          </p:nvSpPr>
+          <p:spPr bwMode="auto">
+            <a:xfrm>
+              <a:off x="2634012" y="3948980"/>
+              <a:ext cx="216024" cy="1148434"/>
+            </a:xfrm>
+            <a:prstGeom prst="roundRect">
+              <a:avLst/>
+            </a:prstGeom>
+            <a:solidFill>
+              <a:srgbClr val="68BD45"/>
+            </a:solidFill>
+            <a:ln w="25400" cap="flat" cmpd="sng" algn="ctr">
+              <a:solidFill>
+                <a:srgbClr val="68BD45"/>
+              </a:solidFill>
+              <a:prstDash val="solid"/>
+              <a:round/>
+              <a:headEnd type="none" w="med" len="med"/>
+              <a:tailEnd type="none" w="med" len="med"/>
+            </a:ln>
+            <a:effectLst/>
+          </p:spPr>
+          <p:txBody>
+            <a:bodyPr rot="0" spcFirstLastPara="0" vertOverflow="overflow" horzOverflow="overflow" vert="horz" wrap="square" lIns="25400" tIns="25400" rIns="25400" bIns="25400" numCol="1" spcCol="0" rtlCol="0" fromWordArt="0" anchor="ctr" anchorCtr="0" forceAA="0" compatLnSpc="1">
+              <a:prstTxWarp prst="textNoShape">
+                <a:avLst/>
+              </a:prstTxWarp>
+              <a:noAutofit/>
+            </a:bodyPr>
+            <a:lstStyle/>
+            <a:p>
+              <a:pPr marL="0" marR="0" indent="0" algn="ctr" defTabSz="412750" rtl="0" eaLnBrk="1" fontAlgn="base" latinLnBrk="0" hangingPunct="0">
+                <a:lnSpc>
+                  <a:spcPct val="100000"/>
+                </a:lnSpc>
+                <a:spcBef>
+                  <a:spcPct val="0"/>
+                </a:spcBef>
+                <a:spcAft>
+                  <a:spcPct val="0"/>
+                </a:spcAft>
+                <a:buClrTx/>
+                <a:buSzTx/>
+                <a:buFontTx/>
+                <a:buNone/>
+                <a:tabLst/>
+              </a:pPr>
+              <a:endParaRPr kumimoji="0" lang="zh-CN" altLang="en-US" sz="2400" b="0" i="0" u="none" strike="noStrike" cap="none" normalizeH="0" baseline="0" dirty="0">
+                <a:ln>
+                  <a:noFill/>
+                </a:ln>
+                <a:solidFill>
+                  <a:srgbClr val="000000"/>
+                </a:solidFill>
+                <a:effectLst/>
+                <a:latin typeface="Helvetica Light" charset="0"/>
+                <a:ea typeface="Helvetica Light" charset="0"/>
+                <a:cs typeface="Helvetica Light" charset="0"/>
+                <a:sym typeface="Helvetica Light" charset="0"/>
+              </a:endParaRPr>
+            </a:p>
+          </p:txBody>
+        </p:sp>
+      </p:grpSp>
     </p:spTree>
     <p:extLst>
       <p:ext uri="{BB962C8B-B14F-4D97-AF65-F5344CB8AC3E}">
@@ -7271,7 +7904,7 @@
           <p:cNvPr id="125" name="图片 124">
             <a:extLst>
               <a:ext uri="{FF2B5EF4-FFF2-40B4-BE49-F238E27FC236}">
-                <a16:creationId xmlns:a16="http://schemas.microsoft.com/office/drawing/2014/main" xmlns="" id="{F227F290-809D-4C66-80F7-4ED1A8FECA3A}"/>
+                <a16:creationId xmlns:a16="http://schemas.microsoft.com/office/drawing/2014/main" id="{F227F290-809D-4C66-80F7-4ED1A8FECA3A}"/>
               </a:ext>
             </a:extLst>
           </p:cNvPr>
@@ -7313,7 +7946,7 @@
           <p:cNvPr id="120" name="矩形 119">
             <a:extLst>
               <a:ext uri="{FF2B5EF4-FFF2-40B4-BE49-F238E27FC236}">
-                <a16:creationId xmlns:a16="http://schemas.microsoft.com/office/drawing/2014/main" xmlns="" id="{9D3DD53F-FC8A-4A79-9D6A-7E89379C2568}"/>
+                <a16:creationId xmlns:a16="http://schemas.microsoft.com/office/drawing/2014/main" id="{9D3DD53F-FC8A-4A79-9D6A-7E89379C2568}"/>
               </a:ext>
             </a:extLst>
           </p:cNvPr>
@@ -7483,7 +8116,7 @@
               <a:t>3. </a:t>
             </a:r>
             <a:r>
-              <a:rPr lang="zh-CN" altLang="en-US" sz="1400" dirty="0" smtClean="0">
+              <a:rPr lang="zh-CN" altLang="en-US" sz="1400" dirty="0">
                 <a:solidFill>
                   <a:schemeClr val="bg1"/>
                 </a:solidFill>
@@ -7543,18 +8176,10 @@
                   <a:schemeClr val="bg1"/>
                 </a:solidFill>
               </a:rPr>
-              <a:t>redo </a:t>
-            </a:r>
-            <a:r>
-              <a:rPr lang="en-US" altLang="zh-CN" sz="1400" dirty="0" smtClean="0">
-                <a:solidFill>
-                  <a:schemeClr val="bg1"/>
-                </a:solidFill>
-              </a:rPr>
-              <a:t>log</a:t>
-            </a:r>
-            <a:r>
-              <a:rPr lang="zh-CN" altLang="en-US" sz="1400" dirty="0" smtClean="0">
+              <a:t>redo log</a:t>
+            </a:r>
+            <a:r>
+              <a:rPr lang="zh-CN" altLang="en-US" sz="1400" dirty="0">
                 <a:solidFill>
                   <a:schemeClr val="bg1"/>
                 </a:solidFill>
@@ -7689,18 +8314,10 @@
                   <a:schemeClr val="bg1"/>
                 </a:solidFill>
               </a:rPr>
-              <a:t>redo </a:t>
-            </a:r>
-            <a:r>
-              <a:rPr lang="en-US" altLang="zh-CN" sz="1400" dirty="0" smtClean="0">
-                <a:solidFill>
-                  <a:schemeClr val="bg1"/>
-                </a:solidFill>
-              </a:rPr>
-              <a:t>log</a:t>
-            </a:r>
-            <a:r>
-              <a:rPr lang="zh-CN" altLang="en-US" sz="1400" dirty="0" smtClean="0">
+              <a:t>redo log</a:t>
+            </a:r>
+            <a:r>
+              <a:rPr lang="zh-CN" altLang="en-US" sz="1400" dirty="0">
                 <a:solidFill>
                   <a:schemeClr val="bg1"/>
                 </a:solidFill>
@@ -7772,21 +8389,8 @@
                   <a:schemeClr val="bg1"/>
                 </a:solidFill>
               </a:rPr>
-              <a:t>事务</a:t>
-            </a:r>
-            <a:r>
-              <a:rPr lang="zh-CN" altLang="en-US" sz="1400" dirty="0" smtClean="0">
-                <a:solidFill>
-                  <a:schemeClr val="bg1"/>
-                </a:solidFill>
-              </a:rPr>
-              <a:t>提交，把内存中的数据保存到磁盘</a:t>
-            </a:r>
-            <a:endParaRPr lang="zh-CN" altLang="en-US" sz="1400" dirty="0">
-              <a:solidFill>
-                <a:schemeClr val="bg1"/>
-              </a:solidFill>
-            </a:endParaRPr>
+              <a:t>事务提交，把内存中的数据保存到磁盘</a:t>
+            </a:r>
           </a:p>
         </p:txBody>
       </p:sp>
@@ -7795,7 +8399,7 @@
           <p:cNvPr id="124" name="矩形 123">
             <a:extLst>
               <a:ext uri="{FF2B5EF4-FFF2-40B4-BE49-F238E27FC236}">
-                <a16:creationId xmlns:a16="http://schemas.microsoft.com/office/drawing/2014/main" xmlns="" id="{FCF1CD20-F034-4BEF-8565-6060DAD94853}"/>
+                <a16:creationId xmlns:a16="http://schemas.microsoft.com/office/drawing/2014/main" id="{FCF1CD20-F034-4BEF-8565-6060DAD94853}"/>
               </a:ext>
             </a:extLst>
           </p:cNvPr>
@@ -7830,18 +8434,13 @@
           <a:lstStyle/>
           <a:p>
             <a:r>
-              <a:rPr lang="zh-CN" altLang="en-US" sz="1600" dirty="0" smtClean="0">
+              <a:rPr lang="zh-CN" altLang="en-US" sz="1600" dirty="0">
                 <a:solidFill>
                   <a:schemeClr val="bg1"/>
                 </a:solidFill>
               </a:rPr>
               <a:t>事务执行流程</a:t>
             </a:r>
-            <a:endParaRPr lang="zh-CN" altLang="en-US" sz="1600" dirty="0">
-              <a:solidFill>
-                <a:schemeClr val="bg1"/>
-              </a:solidFill>
-            </a:endParaRPr>
           </a:p>
         </p:txBody>
       </p:sp>
@@ -7895,7 +8494,7 @@
           <p:cNvPr id="5" name="图片 4">
             <a:extLst>
               <a:ext uri="{FF2B5EF4-FFF2-40B4-BE49-F238E27FC236}">
-                <a16:creationId xmlns:a16="http://schemas.microsoft.com/office/drawing/2014/main" xmlns="" id="{C49BA596-B860-41A3-9734-D1BA0CD74A42}"/>
+                <a16:creationId xmlns:a16="http://schemas.microsoft.com/office/drawing/2014/main" id="{C49BA596-B860-41A3-9734-D1BA0CD74A42}"/>
               </a:ext>
             </a:extLst>
           </p:cNvPr>
@@ -7918,8 +8517,8 @@
         </p:blipFill>
         <p:spPr>
           <a:xfrm>
-            <a:off x="2423592" y="764704"/>
-            <a:ext cx="6733321" cy="5598272"/>
+            <a:off x="2545916" y="764704"/>
+            <a:ext cx="6656586" cy="5598272"/>
           </a:xfrm>
           <a:prstGeom prst="rect">
             <a:avLst/>
@@ -7932,329 +8531,302 @@
           <a:effectLst/>
         </p:spPr>
       </p:pic>
-      <p:grpSp>
-        <p:nvGrpSpPr>
-          <p:cNvPr id="6" name="组合 5"/>
-          <p:cNvGrpSpPr/>
+      <p:sp>
+        <p:nvSpPr>
+          <p:cNvPr id="7" name="矩形 6">
+            <a:extLst>
+              <a:ext uri="{FF2B5EF4-FFF2-40B4-BE49-F238E27FC236}">
+                <a16:creationId xmlns:a16="http://schemas.microsoft.com/office/drawing/2014/main" id="{DA18C985-9AB9-4EBA-9EB1-362363B137D1}"/>
+              </a:ext>
+            </a:extLst>
+          </p:cNvPr>
+          <p:cNvSpPr/>
           <p:nvPr/>
-        </p:nvGrpSpPr>
-        <p:grpSpPr>
+        </p:nvSpPr>
+        <p:spPr bwMode="auto">
+          <a:xfrm>
+            <a:off x="4987078" y="1250408"/>
+            <a:ext cx="691277" cy="360040"/>
+          </a:xfrm>
+          <a:prstGeom prst="rect">
+            <a:avLst/>
+          </a:prstGeom>
+          <a:solidFill>
+            <a:srgbClr val="92D050"/>
+          </a:solidFill>
+          <a:ln w="12700" cap="flat" cmpd="sng" algn="ctr">
+            <a:solidFill>
+              <a:schemeClr val="bg1"/>
+            </a:solidFill>
+            <a:prstDash val="solid"/>
+            <a:round/>
+            <a:headEnd type="none" w="med" len="med"/>
+            <a:tailEnd type="none"/>
+          </a:ln>
+          <a:effectLst/>
+        </p:spPr>
+        <p:txBody>
+          <a:bodyPr rot="0" spcFirstLastPara="0" vertOverflow="overflow" horzOverflow="overflow" vert="horz" wrap="square" lIns="91440" tIns="45720" rIns="91440" bIns="45720" numCol="1" spcCol="0" rtlCol="0" fromWordArt="0" anchor="ctr" anchorCtr="0" forceAA="0" compatLnSpc="1">
+            <a:prstTxWarp prst="textNoShape">
+              <a:avLst/>
+            </a:prstTxWarp>
+            <a:noAutofit/>
+          </a:bodyPr>
+          <a:lstStyle/>
+          <a:p>
+            <a:r>
+              <a:rPr lang="en-US" altLang="zh-CN" sz="1400" b="1" dirty="0">
+                <a:solidFill>
+                  <a:schemeClr val="tx1"/>
+                </a:solidFill>
+                <a:latin typeface="微软雅黑" panose="020B0503020204020204" pitchFamily="34" charset="-122"/>
+                <a:ea typeface="微软雅黑" panose="020B0503020204020204" pitchFamily="34" charset="-122"/>
+              </a:rPr>
+              <a:t>3</a:t>
+            </a:r>
+            <a:endParaRPr lang="zh-CN" altLang="en-US" sz="1400" b="1" dirty="0">
+              <a:solidFill>
+                <a:schemeClr val="tx1"/>
+              </a:solidFill>
+              <a:latin typeface="微软雅黑" panose="020B0503020204020204" pitchFamily="34" charset="-122"/>
+              <a:ea typeface="微软雅黑" panose="020B0503020204020204" pitchFamily="34" charset="-122"/>
+            </a:endParaRPr>
+          </a:p>
+        </p:txBody>
+      </p:sp>
+      <p:sp>
+        <p:nvSpPr>
+          <p:cNvPr id="8" name="矩形 7">
+            <a:extLst>
+              <a:ext uri="{FF2B5EF4-FFF2-40B4-BE49-F238E27FC236}">
+                <a16:creationId xmlns:a16="http://schemas.microsoft.com/office/drawing/2014/main" id="{0A87C972-9CCD-4CE9-931B-D0EC29B1BCD7}"/>
+              </a:ext>
+            </a:extLst>
+          </p:cNvPr>
+          <p:cNvSpPr/>
+          <p:nvPr/>
+        </p:nvSpPr>
+        <p:spPr bwMode="auto">
+          <a:xfrm>
+            <a:off x="5678355" y="1250408"/>
+            <a:ext cx="691277" cy="360040"/>
+          </a:xfrm>
+          <a:prstGeom prst="rect">
+            <a:avLst/>
+          </a:prstGeom>
+          <a:solidFill>
+            <a:srgbClr val="92D050"/>
+          </a:solidFill>
+          <a:ln w="12700" cap="flat" cmpd="sng" algn="ctr">
+            <a:solidFill>
+              <a:schemeClr val="bg1"/>
+            </a:solidFill>
+            <a:prstDash val="solid"/>
+            <a:round/>
+            <a:headEnd type="none" w="med" len="med"/>
+            <a:tailEnd type="none"/>
+          </a:ln>
+          <a:effectLst/>
+        </p:spPr>
+        <p:txBody>
+          <a:bodyPr rot="0" spcFirstLastPara="0" vertOverflow="overflow" horzOverflow="overflow" vert="horz" wrap="square" lIns="91440" tIns="45720" rIns="91440" bIns="45720" numCol="1" spcCol="0" rtlCol="0" fromWordArt="0" anchor="ctr" anchorCtr="0" forceAA="0" compatLnSpc="1">
+            <a:prstTxWarp prst="textNoShape">
+              <a:avLst/>
+            </a:prstTxWarp>
+            <a:noAutofit/>
+          </a:bodyPr>
+          <a:lstStyle/>
+          <a:p>
+            <a:r>
+              <a:rPr lang="zh-CN" altLang="en-US" sz="1400" dirty="0">
+                <a:solidFill>
+                  <a:schemeClr val="tx1"/>
+                </a:solidFill>
+                <a:latin typeface="微软雅黑" panose="020B0503020204020204" pitchFamily="34" charset="-122"/>
+                <a:ea typeface="微软雅黑" panose="020B0503020204020204" pitchFamily="34" charset="-122"/>
+              </a:rPr>
+              <a:t>张三</a:t>
+            </a:r>
+          </a:p>
+        </p:txBody>
+      </p:sp>
+      <p:sp>
+        <p:nvSpPr>
+          <p:cNvPr id="9" name="矩形 8">
+            <a:extLst>
+              <a:ext uri="{FF2B5EF4-FFF2-40B4-BE49-F238E27FC236}">
+                <a16:creationId xmlns:a16="http://schemas.microsoft.com/office/drawing/2014/main" id="{97AC42A3-0EB5-46C4-A2FA-39124F668C21}"/>
+              </a:ext>
+            </a:extLst>
+          </p:cNvPr>
+          <p:cNvSpPr/>
+          <p:nvPr/>
+        </p:nvSpPr>
+        <p:spPr bwMode="auto">
           <a:xfrm>
             <a:off x="4295801" y="1250408"/>
-            <a:ext cx="3456384" cy="360040"/>
-            <a:chOff x="3359696" y="1196752"/>
-            <a:chExt cx="2556000" cy="288000"/>
+            <a:ext cx="691277" cy="360040"/>
           </a:xfrm>
-        </p:grpSpPr>
-        <p:sp>
-          <p:nvSpPr>
-            <p:cNvPr id="7" name="矩形 6">
-              <a:extLst>
-                <a:ext uri="{FF2B5EF4-FFF2-40B4-BE49-F238E27FC236}">
-                  <a16:creationId xmlns:a16="http://schemas.microsoft.com/office/drawing/2014/main" xmlns="" id="{DA18C985-9AB9-4EBA-9EB1-362363B137D1}"/>
-                </a:ext>
-              </a:extLst>
-            </p:cNvPr>
-            <p:cNvSpPr/>
-            <p:nvPr/>
-          </p:nvSpPr>
-          <p:spPr bwMode="auto">
-            <a:xfrm>
-              <a:off x="3870896" y="1196752"/>
-              <a:ext cx="511200" cy="288000"/>
-            </a:xfrm>
-            <a:prstGeom prst="rect">
-              <a:avLst/>
-            </a:prstGeom>
+          <a:prstGeom prst="rect">
+            <a:avLst/>
+          </a:prstGeom>
+          <a:noFill/>
+          <a:ln w="12700" cap="flat" cmpd="sng" algn="ctr">
             <a:solidFill>
-              <a:srgbClr val="92D050"/>
+              <a:schemeClr val="bg1"/>
             </a:solidFill>
-            <a:ln w="12700" cap="flat" cmpd="sng" algn="ctr">
+            <a:prstDash val="solid"/>
+            <a:round/>
+            <a:headEnd type="none" w="med" len="med"/>
+            <a:tailEnd type="none"/>
+          </a:ln>
+          <a:effectLst/>
+        </p:spPr>
+        <p:txBody>
+          <a:bodyPr rtlCol="0" anchor="ctr"/>
+          <a:lstStyle/>
+          <a:p>
+            <a:pPr algn="ctr"/>
+            <a:r>
+              <a:rPr lang="en-US" altLang="zh-CN" sz="1400" dirty="0">
+                <a:solidFill>
+                  <a:schemeClr val="bg1"/>
+                </a:solidFill>
+                <a:latin typeface="微软雅黑" panose="020B0503020204020204" pitchFamily="34" charset="-122"/>
+                <a:ea typeface="微软雅黑" panose="020B0503020204020204" pitchFamily="34" charset="-122"/>
+              </a:rPr>
+              <a:t>1</a:t>
+            </a:r>
+            <a:endParaRPr lang="zh-CN" altLang="en-US" sz="1400" dirty="0">
               <a:solidFill>
                 <a:schemeClr val="bg1"/>
               </a:solidFill>
-              <a:prstDash val="solid"/>
-              <a:round/>
-              <a:headEnd type="none" w="med" len="med"/>
-              <a:tailEnd type="none"/>
-            </a:ln>
-            <a:effectLst>
-              <a:outerShdw blurRad="12700" dist="12700" dir="5400000" algn="ctr" rotWithShape="0">
-                <a:srgbClr val="000000">
-                  <a:alpha val="50000"/>
-                </a:srgbClr>
-              </a:outerShdw>
-            </a:effectLst>
-          </p:spPr>
-          <p:txBody>
-            <a:bodyPr rot="0" spcFirstLastPara="0" vertOverflow="overflow" horzOverflow="overflow" vert="horz" wrap="square" lIns="91440" tIns="45720" rIns="91440" bIns="45720" numCol="1" spcCol="0" rtlCol="0" fromWordArt="0" anchor="ctr" anchorCtr="0" forceAA="0" compatLnSpc="1">
-              <a:prstTxWarp prst="textNoShape">
-                <a:avLst/>
-              </a:prstTxWarp>
-              <a:noAutofit/>
-            </a:bodyPr>
-            <a:lstStyle/>
-            <a:p>
-              <a:r>
-                <a:rPr lang="en-US" altLang="zh-CN" sz="1400" b="1" dirty="0">
-                  <a:solidFill>
-                    <a:schemeClr val="tx1"/>
-                  </a:solidFill>
-                </a:rPr>
-                <a:t>3</a:t>
-              </a:r>
-              <a:endParaRPr lang="zh-CN" altLang="en-US" sz="1400" b="1" dirty="0">
+              <a:latin typeface="微软雅黑" panose="020B0503020204020204" pitchFamily="34" charset="-122"/>
+              <a:ea typeface="微软雅黑" panose="020B0503020204020204" pitchFamily="34" charset="-122"/>
+            </a:endParaRPr>
+          </a:p>
+        </p:txBody>
+      </p:sp>
+      <p:sp>
+        <p:nvSpPr>
+          <p:cNvPr id="10" name="矩形 9">
+            <a:extLst>
+              <a:ext uri="{FF2B5EF4-FFF2-40B4-BE49-F238E27FC236}">
+                <a16:creationId xmlns:a16="http://schemas.microsoft.com/office/drawing/2014/main" id="{97AC42A3-0EB5-46C4-A2FA-39124F668C21}"/>
+              </a:ext>
+            </a:extLst>
+          </p:cNvPr>
+          <p:cNvSpPr/>
+          <p:nvPr/>
+        </p:nvSpPr>
+        <p:spPr bwMode="auto">
+          <a:xfrm>
+            <a:off x="6369631" y="1250408"/>
+            <a:ext cx="691277" cy="360040"/>
+          </a:xfrm>
+          <a:prstGeom prst="rect">
+            <a:avLst/>
+          </a:prstGeom>
+          <a:noFill/>
+          <a:ln w="12700" cap="flat" cmpd="sng" algn="ctr">
+            <a:solidFill>
+              <a:schemeClr val="bg1"/>
+            </a:solidFill>
+            <a:prstDash val="solid"/>
+            <a:round/>
+            <a:headEnd type="none" w="med" len="med"/>
+            <a:tailEnd type="none"/>
+          </a:ln>
+          <a:effectLst/>
+        </p:spPr>
+        <p:txBody>
+          <a:bodyPr rtlCol="0" anchor="ctr"/>
+          <a:lstStyle/>
+          <a:p>
+            <a:pPr algn="ctr"/>
+            <a:r>
+              <a:rPr lang="en-US" altLang="zh-CN" sz="1400" dirty="0">
                 <a:solidFill>
-                  <a:schemeClr val="tx1"/>
+                  <a:schemeClr val="bg1"/>
                 </a:solidFill>
-              </a:endParaRPr>
-            </a:p>
-          </p:txBody>
-        </p:sp>
-        <p:sp>
-          <p:nvSpPr>
-            <p:cNvPr id="8" name="矩形 7">
-              <a:extLst>
-                <a:ext uri="{FF2B5EF4-FFF2-40B4-BE49-F238E27FC236}">
-                  <a16:creationId xmlns:a16="http://schemas.microsoft.com/office/drawing/2014/main" xmlns="" id="{0A87C972-9CCD-4CE9-931B-D0EC29B1BCD7}"/>
-                </a:ext>
-              </a:extLst>
-            </p:cNvPr>
-            <p:cNvSpPr/>
-            <p:nvPr/>
-          </p:nvSpPr>
-          <p:spPr bwMode="auto">
-            <a:xfrm>
-              <a:off x="4382096" y="1196752"/>
-              <a:ext cx="511200" cy="288000"/>
-            </a:xfrm>
-            <a:prstGeom prst="rect">
-              <a:avLst/>
-            </a:prstGeom>
-            <a:solidFill>
-              <a:srgbClr val="92D050"/>
-            </a:solidFill>
-            <a:ln w="12700" cap="flat" cmpd="sng" algn="ctr">
+                <a:latin typeface="微软雅黑" panose="020B0503020204020204" pitchFamily="34" charset="-122"/>
+                <a:ea typeface="微软雅黑" panose="020B0503020204020204" pitchFamily="34" charset="-122"/>
+              </a:rPr>
+              <a:t>200</a:t>
+            </a:r>
+            <a:endParaRPr lang="zh-CN" altLang="en-US" sz="1400" dirty="0">
               <a:solidFill>
                 <a:schemeClr val="bg1"/>
               </a:solidFill>
-              <a:prstDash val="solid"/>
-              <a:round/>
-              <a:headEnd type="none" w="med" len="med"/>
-              <a:tailEnd type="none"/>
-            </a:ln>
-            <a:effectLst>
-              <a:outerShdw blurRad="12700" dist="12700" dir="5400000" algn="ctr" rotWithShape="0">
-                <a:srgbClr val="000000">
-                  <a:alpha val="50000"/>
-                </a:srgbClr>
-              </a:outerShdw>
-            </a:effectLst>
-          </p:spPr>
-          <p:txBody>
-            <a:bodyPr rot="0" spcFirstLastPara="0" vertOverflow="overflow" horzOverflow="overflow" vert="horz" wrap="square" lIns="91440" tIns="45720" rIns="91440" bIns="45720" numCol="1" spcCol="0" rtlCol="0" fromWordArt="0" anchor="ctr" anchorCtr="0" forceAA="0" compatLnSpc="1">
-              <a:prstTxWarp prst="textNoShape">
-                <a:avLst/>
-              </a:prstTxWarp>
-              <a:noAutofit/>
-            </a:bodyPr>
-            <a:lstStyle/>
-            <a:p>
-              <a:r>
-                <a:rPr lang="zh-CN" altLang="en-US" sz="1200" dirty="0">
-                  <a:solidFill>
-                    <a:schemeClr val="tx1"/>
-                  </a:solidFill>
-                </a:rPr>
-                <a:t>张三</a:t>
-              </a:r>
-            </a:p>
-          </p:txBody>
-        </p:sp>
-        <p:sp>
-          <p:nvSpPr>
-            <p:cNvPr id="9" name="矩形 8">
-              <a:extLst>
-                <a:ext uri="{FF2B5EF4-FFF2-40B4-BE49-F238E27FC236}">
-                  <a16:creationId xmlns:a16="http://schemas.microsoft.com/office/drawing/2014/main" xmlns="" id="{97AC42A3-0EB5-46C4-A2FA-39124F668C21}"/>
-                </a:ext>
-              </a:extLst>
-            </p:cNvPr>
-            <p:cNvSpPr/>
-            <p:nvPr/>
-          </p:nvSpPr>
-          <p:spPr bwMode="auto">
-            <a:xfrm>
-              <a:off x="3359696" y="1196752"/>
-              <a:ext cx="511200" cy="288000"/>
-            </a:xfrm>
-            <a:prstGeom prst="rect">
-              <a:avLst/>
-            </a:prstGeom>
-            <a:noFill/>
-            <a:ln w="12700" cap="flat" cmpd="sng" algn="ctr">
+              <a:latin typeface="微软雅黑" panose="020B0503020204020204" pitchFamily="34" charset="-122"/>
+              <a:ea typeface="微软雅黑" panose="020B0503020204020204" pitchFamily="34" charset="-122"/>
+            </a:endParaRPr>
+          </a:p>
+        </p:txBody>
+      </p:sp>
+      <p:sp>
+        <p:nvSpPr>
+          <p:cNvPr id="11" name="矩形 10">
+            <a:extLst>
+              <a:ext uri="{FF2B5EF4-FFF2-40B4-BE49-F238E27FC236}">
+                <a16:creationId xmlns:a16="http://schemas.microsoft.com/office/drawing/2014/main" id="{97AC42A3-0EB5-46C4-A2FA-39124F668C21}"/>
+              </a:ext>
+            </a:extLst>
+          </p:cNvPr>
+          <p:cNvSpPr/>
+          <p:nvPr/>
+        </p:nvSpPr>
+        <p:spPr bwMode="auto">
+          <a:xfrm>
+            <a:off x="7060908" y="1250408"/>
+            <a:ext cx="691277" cy="360040"/>
+          </a:xfrm>
+          <a:prstGeom prst="rect">
+            <a:avLst/>
+          </a:prstGeom>
+          <a:noFill/>
+          <a:ln w="12700" cap="flat" cmpd="sng" algn="ctr">
+            <a:solidFill>
+              <a:schemeClr val="bg1"/>
+            </a:solidFill>
+            <a:prstDash val="solid"/>
+            <a:round/>
+            <a:headEnd type="none" w="med" len="med"/>
+            <a:tailEnd type="none"/>
+          </a:ln>
+          <a:effectLst/>
+        </p:spPr>
+        <p:txBody>
+          <a:bodyPr rtlCol="0" anchor="ctr"/>
+          <a:lstStyle/>
+          <a:p>
+            <a:pPr algn="ctr"/>
+            <a:r>
+              <a:rPr lang="en-US" altLang="zh-CN" sz="1400" dirty="0">
+                <a:solidFill>
+                  <a:schemeClr val="bg1"/>
+                </a:solidFill>
+                <a:latin typeface="微软雅黑" panose="020B0503020204020204" pitchFamily="34" charset="-122"/>
+                <a:ea typeface="微软雅黑" panose="020B0503020204020204" pitchFamily="34" charset="-122"/>
+              </a:rPr>
+              <a:t>1</a:t>
+            </a:r>
+            <a:endParaRPr lang="zh-CN" altLang="en-US" sz="1400" dirty="0">
               <a:solidFill>
                 <a:schemeClr val="bg1"/>
               </a:solidFill>
-              <a:prstDash val="solid"/>
-              <a:round/>
-              <a:headEnd type="none" w="med" len="med"/>
-              <a:tailEnd type="none"/>
-            </a:ln>
-            <a:effectLst>
-              <a:outerShdw blurRad="12700" dist="12700" dir="5400000" algn="ctr" rotWithShape="0">
-                <a:srgbClr val="000000">
-                  <a:alpha val="50000"/>
-                </a:srgbClr>
-              </a:outerShdw>
-            </a:effectLst>
-          </p:spPr>
-          <p:txBody>
-            <a:bodyPr rtlCol="0" anchor="ctr"/>
-            <a:lstStyle/>
-            <a:p>
-              <a:pPr algn="ctr"/>
-              <a:r>
-                <a:rPr lang="en-US" altLang="zh-CN" sz="1200" dirty="0">
-                  <a:solidFill>
-                    <a:schemeClr val="bg1"/>
-                  </a:solidFill>
-                </a:rPr>
-                <a:t>1</a:t>
-              </a:r>
-              <a:endParaRPr lang="zh-CN" altLang="en-US" sz="1200" dirty="0">
-                <a:solidFill>
-                  <a:schemeClr val="bg1"/>
-                </a:solidFill>
-              </a:endParaRPr>
-            </a:p>
-          </p:txBody>
-        </p:sp>
-        <p:sp>
-          <p:nvSpPr>
-            <p:cNvPr id="10" name="矩形 9">
-              <a:extLst>
-                <a:ext uri="{FF2B5EF4-FFF2-40B4-BE49-F238E27FC236}">
-                  <a16:creationId xmlns:a16="http://schemas.microsoft.com/office/drawing/2014/main" xmlns="" id="{97AC42A3-0EB5-46C4-A2FA-39124F668C21}"/>
-                </a:ext>
-              </a:extLst>
-            </p:cNvPr>
-            <p:cNvSpPr/>
-            <p:nvPr/>
-          </p:nvSpPr>
-          <p:spPr bwMode="auto">
-            <a:xfrm>
-              <a:off x="4893296" y="1196752"/>
-              <a:ext cx="511200" cy="288000"/>
-            </a:xfrm>
-            <a:prstGeom prst="rect">
-              <a:avLst/>
-            </a:prstGeom>
-            <a:noFill/>
-            <a:ln w="12700" cap="flat" cmpd="sng" algn="ctr">
-              <a:solidFill>
-                <a:schemeClr val="bg1"/>
-              </a:solidFill>
-              <a:prstDash val="solid"/>
-              <a:round/>
-              <a:headEnd type="none" w="med" len="med"/>
-              <a:tailEnd type="none"/>
-            </a:ln>
-            <a:effectLst>
-              <a:outerShdw blurRad="12700" dist="12700" dir="5400000" algn="ctr" rotWithShape="0">
-                <a:srgbClr val="000000">
-                  <a:alpha val="50000"/>
-                </a:srgbClr>
-              </a:outerShdw>
-            </a:effectLst>
-          </p:spPr>
-          <p:txBody>
-            <a:bodyPr rtlCol="0" anchor="ctr"/>
-            <a:lstStyle/>
-            <a:p>
-              <a:pPr algn="ctr"/>
-              <a:r>
-                <a:rPr lang="en-US" altLang="zh-CN" sz="1200" dirty="0" smtClean="0">
-                  <a:solidFill>
-                    <a:schemeClr val="bg1"/>
-                  </a:solidFill>
-                </a:rPr>
-                <a:t>200</a:t>
-              </a:r>
-              <a:endParaRPr lang="zh-CN" altLang="en-US" sz="1200" dirty="0">
-                <a:solidFill>
-                  <a:schemeClr val="bg1"/>
-                </a:solidFill>
-              </a:endParaRPr>
-            </a:p>
-          </p:txBody>
-        </p:sp>
-        <p:sp>
-          <p:nvSpPr>
-            <p:cNvPr id="11" name="矩形 10">
-              <a:extLst>
-                <a:ext uri="{FF2B5EF4-FFF2-40B4-BE49-F238E27FC236}">
-                  <a16:creationId xmlns:a16="http://schemas.microsoft.com/office/drawing/2014/main" xmlns="" id="{97AC42A3-0EB5-46C4-A2FA-39124F668C21}"/>
-                </a:ext>
-              </a:extLst>
-            </p:cNvPr>
-            <p:cNvSpPr/>
-            <p:nvPr/>
-          </p:nvSpPr>
-          <p:spPr bwMode="auto">
-            <a:xfrm>
-              <a:off x="5404496" y="1196752"/>
-              <a:ext cx="511200" cy="288000"/>
-            </a:xfrm>
-            <a:prstGeom prst="rect">
-              <a:avLst/>
-            </a:prstGeom>
-            <a:noFill/>
-            <a:ln w="12700" cap="flat" cmpd="sng" algn="ctr">
-              <a:solidFill>
-                <a:schemeClr val="bg1"/>
-              </a:solidFill>
-              <a:prstDash val="solid"/>
-              <a:round/>
-              <a:headEnd type="none" w="med" len="med"/>
-              <a:tailEnd type="none"/>
-            </a:ln>
-            <a:effectLst>
-              <a:outerShdw blurRad="12700" dist="12700" dir="5400000" algn="ctr" rotWithShape="0">
-                <a:srgbClr val="000000">
-                  <a:alpha val="50000"/>
-                </a:srgbClr>
-              </a:outerShdw>
-            </a:effectLst>
-          </p:spPr>
-          <p:txBody>
-            <a:bodyPr rtlCol="0" anchor="ctr"/>
-            <a:lstStyle/>
-            <a:p>
-              <a:pPr algn="ctr"/>
-              <a:r>
-                <a:rPr lang="en-US" altLang="zh-CN" sz="1200" dirty="0">
-                  <a:solidFill>
-                    <a:schemeClr val="bg1"/>
-                  </a:solidFill>
-                </a:rPr>
-                <a:t>1</a:t>
-              </a:r>
-              <a:endParaRPr lang="zh-CN" altLang="en-US" sz="1200" dirty="0">
-                <a:solidFill>
-                  <a:schemeClr val="bg1"/>
-                </a:solidFill>
-              </a:endParaRPr>
-            </a:p>
-          </p:txBody>
-        </p:sp>
-      </p:grpSp>
+              <a:latin typeface="微软雅黑" panose="020B0503020204020204" pitchFamily="34" charset="-122"/>
+              <a:ea typeface="微软雅黑" panose="020B0503020204020204" pitchFamily="34" charset="-122"/>
+            </a:endParaRPr>
+          </a:p>
+        </p:txBody>
+      </p:sp>
       <p:sp>
         <p:nvSpPr>
           <p:cNvPr id="12" name="矩形 11">
             <a:extLst>
               <a:ext uri="{FF2B5EF4-FFF2-40B4-BE49-F238E27FC236}">
-                <a16:creationId xmlns:a16="http://schemas.microsoft.com/office/drawing/2014/main" xmlns="" id="{9E7E878F-B0F2-438A-8DF9-914FAAB4EAA6}"/>
+                <a16:creationId xmlns:a16="http://schemas.microsoft.com/office/drawing/2014/main" id="{9E7E878F-B0F2-438A-8DF9-914FAAB4EAA6}"/>
               </a:ext>
             </a:extLst>
           </p:cNvPr>
@@ -8264,7 +8836,7 @@
         <p:spPr bwMode="auto">
           <a:xfrm>
             <a:off x="4276369" y="890368"/>
-            <a:ext cx="3619832" cy="294461"/>
+            <a:ext cx="4123887" cy="294461"/>
           </a:xfrm>
           <a:prstGeom prst="rect">
             <a:avLst/>
@@ -8277,13 +8849,7 @@
             <a:headEnd type="none" w="med" len="med"/>
             <a:tailEnd type="none"/>
           </a:ln>
-          <a:effectLst>
-            <a:outerShdw blurRad="12700" dist="12700" dir="5400000" algn="ctr" rotWithShape="0">
-              <a:srgbClr val="000000">
-                <a:alpha val="50000"/>
-              </a:srgbClr>
-            </a:outerShdw>
-          </a:effectLst>
+          <a:effectLst/>
         </p:spPr>
         <p:txBody>
           <a:bodyPr rot="0" spcFirstLastPara="0" vertOverflow="overflow" horzOverflow="overflow" vert="horz" wrap="square" lIns="91440" tIns="45720" rIns="91440" bIns="45720" numCol="1" spcCol="0" rtlCol="0" fromWordArt="0" anchor="ctr" anchorCtr="0" forceAA="0" compatLnSpc="1">
@@ -8296,1353 +8862,1265 @@
           <a:p>
             <a:pPr algn="l"/>
             <a:r>
-              <a:rPr lang="zh-CN" altLang="en-US" sz="1000" dirty="0" smtClean="0">
+              <a:rPr lang="zh-CN" altLang="en-US" sz="1200" dirty="0">
                 <a:solidFill>
                   <a:schemeClr val="bg1"/>
                 </a:solidFill>
+                <a:latin typeface="微软雅黑" panose="020B0503020204020204" pitchFamily="34" charset="-122"/>
+                <a:ea typeface="微软雅黑" panose="020B0503020204020204" pitchFamily="34" charset="-122"/>
               </a:rPr>
-              <a:t>   主键</a:t>
-            </a:r>
-            <a:r>
-              <a:rPr lang="en-US" altLang="zh-CN" sz="1000" dirty="0" smtClean="0">
+              <a:t>主键</a:t>
+            </a:r>
+            <a:r>
+              <a:rPr lang="en-US" altLang="zh-CN" sz="1200" dirty="0">
                 <a:solidFill>
                   <a:schemeClr val="bg1"/>
                 </a:solidFill>
+                <a:latin typeface="微软雅黑" panose="020B0503020204020204" pitchFamily="34" charset="-122"/>
+                <a:ea typeface="微软雅黑" panose="020B0503020204020204" pitchFamily="34" charset="-122"/>
               </a:rPr>
-              <a:t>id            </a:t>
-            </a:r>
-            <a:r>
-              <a:rPr lang="zh-CN" altLang="en-US" sz="1000" dirty="0" smtClean="0">
+              <a:t>id    </a:t>
+            </a:r>
+            <a:r>
+              <a:rPr lang="zh-CN" altLang="en-US" sz="1200" dirty="0">
                 <a:solidFill>
                   <a:schemeClr val="bg1"/>
                 </a:solidFill>
+                <a:latin typeface="微软雅黑" panose="020B0503020204020204" pitchFamily="34" charset="-122"/>
+                <a:ea typeface="微软雅黑" panose="020B0503020204020204" pitchFamily="34" charset="-122"/>
               </a:rPr>
               <a:t>列</a:t>
             </a:r>
             <a:r>
-              <a:rPr lang="en-US" altLang="zh-CN" sz="1000" dirty="0" smtClean="0">
+              <a:rPr lang="en-US" altLang="zh-CN" sz="1200" dirty="0">
                 <a:solidFill>
                   <a:schemeClr val="bg1"/>
                 </a:solidFill>
+                <a:latin typeface="微软雅黑" panose="020B0503020204020204" pitchFamily="34" charset="-122"/>
+                <a:ea typeface="微软雅黑" panose="020B0503020204020204" pitchFamily="34" charset="-122"/>
               </a:rPr>
-              <a:t>1              </a:t>
-            </a:r>
-            <a:r>
-              <a:rPr lang="zh-CN" altLang="en-US" sz="1000" dirty="0" smtClean="0">
+              <a:t>1          </a:t>
+            </a:r>
+            <a:r>
+              <a:rPr lang="zh-CN" altLang="en-US" sz="1200" dirty="0">
                 <a:solidFill>
                   <a:schemeClr val="bg1"/>
                 </a:solidFill>
+                <a:latin typeface="微软雅黑" panose="020B0503020204020204" pitchFamily="34" charset="-122"/>
+                <a:ea typeface="微软雅黑" panose="020B0503020204020204" pitchFamily="34" charset="-122"/>
               </a:rPr>
               <a:t>列</a:t>
             </a:r>
             <a:r>
-              <a:rPr lang="en-US" altLang="zh-CN" sz="1000" dirty="0" smtClean="0">
+              <a:rPr lang="en-US" altLang="zh-CN" sz="1200" dirty="0">
                 <a:solidFill>
                   <a:schemeClr val="bg1"/>
                 </a:solidFill>
+                <a:latin typeface="微软雅黑" panose="020B0503020204020204" pitchFamily="34" charset="-122"/>
+                <a:ea typeface="微软雅黑" panose="020B0503020204020204" pitchFamily="34" charset="-122"/>
               </a:rPr>
-              <a:t>2            </a:t>
-            </a:r>
-            <a:r>
-              <a:rPr lang="en-US" altLang="zh-CN" sz="1000" dirty="0" err="1" smtClean="0">
+              <a:t>2          </a:t>
+            </a:r>
+            <a:r>
+              <a:rPr lang="en-US" altLang="zh-CN" sz="1200" dirty="0" err="1">
                 <a:solidFill>
                   <a:schemeClr val="bg1"/>
                 </a:solidFill>
+                <a:latin typeface="微软雅黑" panose="020B0503020204020204" pitchFamily="34" charset="-122"/>
+                <a:ea typeface="微软雅黑" panose="020B0503020204020204" pitchFamily="34" charset="-122"/>
               </a:rPr>
               <a:t>trx_id</a:t>
             </a:r>
             <a:r>
-              <a:rPr lang="en-US" altLang="zh-CN" sz="1000" dirty="0" smtClean="0">
+              <a:rPr lang="en-US" altLang="zh-CN" sz="1200" dirty="0">
                 <a:solidFill>
                   <a:schemeClr val="bg1"/>
                 </a:solidFill>
+                <a:latin typeface="微软雅黑" panose="020B0503020204020204" pitchFamily="34" charset="-122"/>
+                <a:ea typeface="微软雅黑" panose="020B0503020204020204" pitchFamily="34" charset="-122"/>
               </a:rPr>
               <a:t>       </a:t>
             </a:r>
             <a:r>
-              <a:rPr lang="en-US" altLang="zh-CN" sz="1000" dirty="0" err="1" smtClean="0">
+              <a:rPr lang="en-US" altLang="zh-CN" sz="1200" dirty="0" err="1">
                 <a:solidFill>
                   <a:schemeClr val="bg1"/>
                 </a:solidFill>
+                <a:latin typeface="微软雅黑" panose="020B0503020204020204" pitchFamily="34" charset="-122"/>
+                <a:ea typeface="微软雅黑" panose="020B0503020204020204" pitchFamily="34" charset="-122"/>
               </a:rPr>
               <a:t>roll_pointer</a:t>
             </a:r>
-            <a:endParaRPr lang="zh-CN" altLang="en-US" sz="1000" dirty="0">
+            <a:endParaRPr lang="zh-CN" altLang="en-US" sz="1200" dirty="0">
               <a:solidFill>
                 <a:schemeClr val="bg1"/>
               </a:solidFill>
+              <a:latin typeface="微软雅黑" panose="020B0503020204020204" pitchFamily="34" charset="-122"/>
+              <a:ea typeface="微软雅黑" panose="020B0503020204020204" pitchFamily="34" charset="-122"/>
             </a:endParaRPr>
           </a:p>
         </p:txBody>
       </p:sp>
-      <p:grpSp>
-        <p:nvGrpSpPr>
-          <p:cNvPr id="13" name="组合 12"/>
-          <p:cNvGrpSpPr/>
+      <p:sp>
+        <p:nvSpPr>
+          <p:cNvPr id="14" name="矩形 13">
+            <a:extLst>
+              <a:ext uri="{FF2B5EF4-FFF2-40B4-BE49-F238E27FC236}">
+                <a16:creationId xmlns:a16="http://schemas.microsoft.com/office/drawing/2014/main" id="{DA18C985-9AB9-4EBA-9EB1-362363B137D1}"/>
+              </a:ext>
+            </a:extLst>
+          </p:cNvPr>
+          <p:cNvSpPr/>
           <p:nvPr/>
-        </p:nvGrpSpPr>
-        <p:grpSpPr>
+        </p:nvSpPr>
+        <p:spPr bwMode="auto">
           <a:xfrm>
-            <a:off x="4295801" y="2274739"/>
-            <a:ext cx="3456384" cy="360040"/>
-            <a:chOff x="3359696" y="1196752"/>
-            <a:chExt cx="2556000" cy="288000"/>
+            <a:off x="4987078" y="2274739"/>
+            <a:ext cx="691277" cy="360040"/>
           </a:xfrm>
-        </p:grpSpPr>
-        <p:sp>
-          <p:nvSpPr>
-            <p:cNvPr id="14" name="矩形 13">
-              <a:extLst>
-                <a:ext uri="{FF2B5EF4-FFF2-40B4-BE49-F238E27FC236}">
-                  <a16:creationId xmlns:a16="http://schemas.microsoft.com/office/drawing/2014/main" xmlns="" id="{DA18C985-9AB9-4EBA-9EB1-362363B137D1}"/>
-                </a:ext>
-              </a:extLst>
-            </p:cNvPr>
-            <p:cNvSpPr/>
-            <p:nvPr/>
-          </p:nvSpPr>
-          <p:spPr bwMode="auto">
-            <a:xfrm>
-              <a:off x="3870896" y="1196752"/>
-              <a:ext cx="511200" cy="288000"/>
-            </a:xfrm>
-            <a:prstGeom prst="rect">
+          <a:prstGeom prst="rect">
+            <a:avLst/>
+          </a:prstGeom>
+          <a:solidFill>
+            <a:srgbClr val="92D050"/>
+          </a:solidFill>
+          <a:ln w="12700" cap="flat" cmpd="sng" algn="ctr">
+            <a:solidFill>
+              <a:srgbClr val="FFC000"/>
+            </a:solidFill>
+            <a:prstDash val="solid"/>
+            <a:round/>
+            <a:headEnd type="none" w="med" len="med"/>
+            <a:tailEnd type="none"/>
+          </a:ln>
+          <a:effectLst/>
+        </p:spPr>
+        <p:txBody>
+          <a:bodyPr rot="0" spcFirstLastPara="0" vertOverflow="overflow" horzOverflow="overflow" vert="horz" wrap="square" lIns="91440" tIns="45720" rIns="91440" bIns="45720" numCol="1" spcCol="0" rtlCol="0" fromWordArt="0" anchor="ctr" anchorCtr="0" forceAA="0" compatLnSpc="1">
+            <a:prstTxWarp prst="textNoShape">
               <a:avLst/>
-            </a:prstGeom>
-            <a:solidFill>
-              <a:srgbClr val="92D050"/>
-            </a:solidFill>
-            <a:ln w="12700" cap="flat" cmpd="sng" algn="ctr">
-              <a:solidFill>
-                <a:srgbClr val="FFC000"/>
-              </a:solidFill>
-              <a:prstDash val="solid"/>
-              <a:round/>
-              <a:headEnd type="none" w="med" len="med"/>
-              <a:tailEnd type="none"/>
-            </a:ln>
-            <a:effectLst>
-              <a:outerShdw blurRad="12700" dist="12700" dir="5400000" algn="ctr" rotWithShape="0">
-                <a:srgbClr val="000000">
-                  <a:alpha val="50000"/>
-                </a:srgbClr>
-              </a:outerShdw>
-            </a:effectLst>
-          </p:spPr>
-          <p:txBody>
-            <a:bodyPr rot="0" spcFirstLastPara="0" vertOverflow="overflow" horzOverflow="overflow" vert="horz" wrap="square" lIns="91440" tIns="45720" rIns="91440" bIns="45720" numCol="1" spcCol="0" rtlCol="0" fromWordArt="0" anchor="ctr" anchorCtr="0" forceAA="0" compatLnSpc="1">
-              <a:prstTxWarp prst="textNoShape">
-                <a:avLst/>
-              </a:prstTxWarp>
-              <a:noAutofit/>
-            </a:bodyPr>
-            <a:lstStyle/>
-            <a:p>
-              <a:r>
-                <a:rPr lang="en-US" altLang="zh-CN" sz="1400" b="1" dirty="0">
-                  <a:solidFill>
-                    <a:schemeClr val="tx1"/>
-                  </a:solidFill>
-                </a:rPr>
-                <a:t>3</a:t>
-              </a:r>
-              <a:endParaRPr lang="zh-CN" altLang="en-US" sz="1400" b="1" dirty="0">
+            </a:prstTxWarp>
+            <a:noAutofit/>
+          </a:bodyPr>
+          <a:lstStyle/>
+          <a:p>
+            <a:r>
+              <a:rPr lang="en-US" altLang="zh-CN" sz="1400" b="1" dirty="0">
                 <a:solidFill>
                   <a:schemeClr val="tx1"/>
                 </a:solidFill>
-              </a:endParaRPr>
-            </a:p>
-          </p:txBody>
-        </p:sp>
-        <p:sp>
-          <p:nvSpPr>
-            <p:cNvPr id="15" name="矩形 14">
-              <a:extLst>
-                <a:ext uri="{FF2B5EF4-FFF2-40B4-BE49-F238E27FC236}">
-                  <a16:creationId xmlns:a16="http://schemas.microsoft.com/office/drawing/2014/main" xmlns="" id="{0A87C972-9CCD-4CE9-931B-D0EC29B1BCD7}"/>
-                </a:ext>
-              </a:extLst>
-            </p:cNvPr>
-            <p:cNvSpPr/>
-            <p:nvPr/>
-          </p:nvSpPr>
-          <p:spPr bwMode="auto">
-            <a:xfrm>
-              <a:off x="4382096" y="1196752"/>
-              <a:ext cx="511200" cy="288000"/>
-            </a:xfrm>
-            <a:prstGeom prst="rect">
+                <a:latin typeface="微软雅黑" panose="020B0503020204020204" pitchFamily="34" charset="-122"/>
+                <a:ea typeface="微软雅黑" panose="020B0503020204020204" pitchFamily="34" charset="-122"/>
+              </a:rPr>
+              <a:t>3</a:t>
+            </a:r>
+            <a:endParaRPr lang="zh-CN" altLang="en-US" sz="1400" b="1" dirty="0">
+              <a:solidFill>
+                <a:schemeClr val="tx1"/>
+              </a:solidFill>
+              <a:latin typeface="微软雅黑" panose="020B0503020204020204" pitchFamily="34" charset="-122"/>
+              <a:ea typeface="微软雅黑" panose="020B0503020204020204" pitchFamily="34" charset="-122"/>
+            </a:endParaRPr>
+          </a:p>
+        </p:txBody>
+      </p:sp>
+      <p:sp>
+        <p:nvSpPr>
+          <p:cNvPr id="15" name="矩形 14">
+            <a:extLst>
+              <a:ext uri="{FF2B5EF4-FFF2-40B4-BE49-F238E27FC236}">
+                <a16:creationId xmlns:a16="http://schemas.microsoft.com/office/drawing/2014/main" id="{0A87C972-9CCD-4CE9-931B-D0EC29B1BCD7}"/>
+              </a:ext>
+            </a:extLst>
+          </p:cNvPr>
+          <p:cNvSpPr/>
+          <p:nvPr/>
+        </p:nvSpPr>
+        <p:spPr bwMode="auto">
+          <a:xfrm>
+            <a:off x="5678355" y="2274739"/>
+            <a:ext cx="691277" cy="360040"/>
+          </a:xfrm>
+          <a:prstGeom prst="rect">
+            <a:avLst/>
+          </a:prstGeom>
+          <a:solidFill>
+            <a:srgbClr val="92D050"/>
+          </a:solidFill>
+          <a:ln w="12700" cap="flat" cmpd="sng" algn="ctr">
+            <a:solidFill>
+              <a:srgbClr val="FFC000"/>
+            </a:solidFill>
+            <a:prstDash val="solid"/>
+            <a:round/>
+            <a:headEnd type="none" w="med" len="med"/>
+            <a:tailEnd type="none"/>
+          </a:ln>
+          <a:effectLst/>
+        </p:spPr>
+        <p:txBody>
+          <a:bodyPr rot="0" spcFirstLastPara="0" vertOverflow="overflow" horzOverflow="overflow" vert="horz" wrap="square" lIns="91440" tIns="45720" rIns="91440" bIns="45720" numCol="1" spcCol="0" rtlCol="0" fromWordArt="0" anchor="ctr" anchorCtr="0" forceAA="0" compatLnSpc="1">
+            <a:prstTxWarp prst="textNoShape">
               <a:avLst/>
-            </a:prstGeom>
+            </a:prstTxWarp>
+            <a:noAutofit/>
+          </a:bodyPr>
+          <a:lstStyle/>
+          <a:p>
+            <a:r>
+              <a:rPr lang="zh-CN" altLang="en-US" sz="1400" dirty="0">
+                <a:solidFill>
+                  <a:schemeClr val="tx1"/>
+                </a:solidFill>
+                <a:latin typeface="微软雅黑" panose="020B0503020204020204" pitchFamily="34" charset="-122"/>
+                <a:ea typeface="微软雅黑" panose="020B0503020204020204" pitchFamily="34" charset="-122"/>
+              </a:rPr>
+              <a:t>张三</a:t>
+            </a:r>
+          </a:p>
+        </p:txBody>
+      </p:sp>
+      <p:sp>
+        <p:nvSpPr>
+          <p:cNvPr id="16" name="矩形 15">
+            <a:extLst>
+              <a:ext uri="{FF2B5EF4-FFF2-40B4-BE49-F238E27FC236}">
+                <a16:creationId xmlns:a16="http://schemas.microsoft.com/office/drawing/2014/main" id="{97AC42A3-0EB5-46C4-A2FA-39124F668C21}"/>
+              </a:ext>
+            </a:extLst>
+          </p:cNvPr>
+          <p:cNvSpPr/>
+          <p:nvPr/>
+        </p:nvSpPr>
+        <p:spPr bwMode="auto">
+          <a:xfrm>
+            <a:off x="4295801" y="2274739"/>
+            <a:ext cx="691277" cy="360040"/>
+          </a:xfrm>
+          <a:prstGeom prst="rect">
+            <a:avLst/>
+          </a:prstGeom>
+          <a:noFill/>
+          <a:ln w="12700" cap="flat" cmpd="sng" algn="ctr">
             <a:solidFill>
-              <a:srgbClr val="92D050"/>
+              <a:srgbClr val="FFC000"/>
             </a:solidFill>
-            <a:ln w="12700" cap="flat" cmpd="sng" algn="ctr">
-              <a:solidFill>
-                <a:srgbClr val="FFC000"/>
-              </a:solidFill>
-              <a:prstDash val="solid"/>
-              <a:round/>
-              <a:headEnd type="none" w="med" len="med"/>
-              <a:tailEnd type="none"/>
-            </a:ln>
-            <a:effectLst>
-              <a:outerShdw blurRad="12700" dist="12700" dir="5400000" algn="ctr" rotWithShape="0">
-                <a:srgbClr val="000000">
-                  <a:alpha val="50000"/>
-                </a:srgbClr>
-              </a:outerShdw>
-            </a:effectLst>
-          </p:spPr>
-          <p:txBody>
-            <a:bodyPr rot="0" spcFirstLastPara="0" vertOverflow="overflow" horzOverflow="overflow" vert="horz" wrap="square" lIns="91440" tIns="45720" rIns="91440" bIns="45720" numCol="1" spcCol="0" rtlCol="0" fromWordArt="0" anchor="ctr" anchorCtr="0" forceAA="0" compatLnSpc="1">
-              <a:prstTxWarp prst="textNoShape">
-                <a:avLst/>
-              </a:prstTxWarp>
-              <a:noAutofit/>
-            </a:bodyPr>
-            <a:lstStyle/>
-            <a:p>
-              <a:r>
-                <a:rPr lang="zh-CN" altLang="en-US" sz="1200" dirty="0">
-                  <a:solidFill>
-                    <a:schemeClr val="tx1"/>
-                  </a:solidFill>
-                </a:rPr>
-                <a:t>张三</a:t>
-              </a:r>
-            </a:p>
-          </p:txBody>
-        </p:sp>
-        <p:sp>
-          <p:nvSpPr>
-            <p:cNvPr id="16" name="矩形 15">
-              <a:extLst>
-                <a:ext uri="{FF2B5EF4-FFF2-40B4-BE49-F238E27FC236}">
-                  <a16:creationId xmlns:a16="http://schemas.microsoft.com/office/drawing/2014/main" xmlns="" id="{97AC42A3-0EB5-46C4-A2FA-39124F668C21}"/>
-                </a:ext>
-              </a:extLst>
-            </p:cNvPr>
-            <p:cNvSpPr/>
-            <p:nvPr/>
-          </p:nvSpPr>
-          <p:spPr bwMode="auto">
-            <a:xfrm>
-              <a:off x="3359696" y="1196752"/>
-              <a:ext cx="511200" cy="288000"/>
-            </a:xfrm>
-            <a:prstGeom prst="rect">
-              <a:avLst/>
-            </a:prstGeom>
-            <a:noFill/>
-            <a:ln w="12700" cap="flat" cmpd="sng" algn="ctr">
-              <a:solidFill>
-                <a:srgbClr val="FFC000"/>
-              </a:solidFill>
-              <a:prstDash val="solid"/>
-              <a:round/>
-              <a:headEnd type="none" w="med" len="med"/>
-              <a:tailEnd type="none"/>
-            </a:ln>
-            <a:effectLst>
-              <a:outerShdw blurRad="12700" dist="12700" dir="5400000" algn="ctr" rotWithShape="0">
-                <a:srgbClr val="000000">
-                  <a:alpha val="50000"/>
-                </a:srgbClr>
-              </a:outerShdw>
-            </a:effectLst>
-          </p:spPr>
-          <p:txBody>
-            <a:bodyPr rtlCol="0" anchor="ctr"/>
-            <a:lstStyle/>
-            <a:p>
-              <a:pPr algn="ctr"/>
-              <a:r>
-                <a:rPr lang="en-US" altLang="zh-CN" sz="1200" dirty="0">
-                  <a:solidFill>
-                    <a:schemeClr val="bg1"/>
-                  </a:solidFill>
-                </a:rPr>
-                <a:t>1</a:t>
-              </a:r>
-              <a:endParaRPr lang="zh-CN" altLang="en-US" sz="1200" dirty="0">
+            <a:prstDash val="solid"/>
+            <a:round/>
+            <a:headEnd type="none" w="med" len="med"/>
+            <a:tailEnd type="none"/>
+          </a:ln>
+          <a:effectLst/>
+        </p:spPr>
+        <p:txBody>
+          <a:bodyPr rtlCol="0" anchor="ctr"/>
+          <a:lstStyle/>
+          <a:p>
+            <a:pPr algn="ctr"/>
+            <a:r>
+              <a:rPr lang="en-US" altLang="zh-CN" sz="1400" dirty="0">
                 <a:solidFill>
                   <a:schemeClr val="bg1"/>
                 </a:solidFill>
-              </a:endParaRPr>
-            </a:p>
-          </p:txBody>
-        </p:sp>
-        <p:sp>
-          <p:nvSpPr>
-            <p:cNvPr id="17" name="矩形 16">
-              <a:extLst>
-                <a:ext uri="{FF2B5EF4-FFF2-40B4-BE49-F238E27FC236}">
-                  <a16:creationId xmlns:a16="http://schemas.microsoft.com/office/drawing/2014/main" xmlns="" id="{97AC42A3-0EB5-46C4-A2FA-39124F668C21}"/>
-                </a:ext>
-              </a:extLst>
-            </p:cNvPr>
-            <p:cNvSpPr/>
-            <p:nvPr/>
-          </p:nvSpPr>
-          <p:spPr bwMode="auto">
-            <a:xfrm>
-              <a:off x="4893296" y="1196752"/>
-              <a:ext cx="511200" cy="288000"/>
-            </a:xfrm>
-            <a:prstGeom prst="rect">
-              <a:avLst/>
-            </a:prstGeom>
-            <a:noFill/>
-            <a:ln w="12700" cap="flat" cmpd="sng" algn="ctr">
+                <a:latin typeface="微软雅黑" panose="020B0503020204020204" pitchFamily="34" charset="-122"/>
+                <a:ea typeface="微软雅黑" panose="020B0503020204020204" pitchFamily="34" charset="-122"/>
+              </a:rPr>
+              <a:t>1</a:t>
+            </a:r>
+            <a:endParaRPr lang="zh-CN" altLang="en-US" sz="1400" dirty="0">
               <a:solidFill>
-                <a:srgbClr val="FFC000"/>
+                <a:schemeClr val="bg1"/>
               </a:solidFill>
-              <a:prstDash val="solid"/>
-              <a:round/>
-              <a:headEnd type="none" w="med" len="med"/>
-              <a:tailEnd type="none"/>
-            </a:ln>
-            <a:effectLst>
-              <a:outerShdw blurRad="12700" dist="12700" dir="5400000" algn="ctr" rotWithShape="0">
-                <a:srgbClr val="000000">
-                  <a:alpha val="50000"/>
-                </a:srgbClr>
-              </a:outerShdw>
-            </a:effectLst>
-          </p:spPr>
-          <p:txBody>
-            <a:bodyPr rtlCol="0" anchor="ctr"/>
-            <a:lstStyle/>
-            <a:p>
-              <a:pPr algn="ctr"/>
-              <a:r>
-                <a:rPr lang="en-US" altLang="zh-CN" sz="1200" dirty="0" smtClean="0">
-                  <a:solidFill>
-                    <a:schemeClr val="bg1"/>
-                  </a:solidFill>
-                </a:rPr>
-                <a:t>200</a:t>
-              </a:r>
-              <a:endParaRPr lang="zh-CN" altLang="en-US" sz="1200" dirty="0">
+              <a:latin typeface="微软雅黑" panose="020B0503020204020204" pitchFamily="34" charset="-122"/>
+              <a:ea typeface="微软雅黑" panose="020B0503020204020204" pitchFamily="34" charset="-122"/>
+            </a:endParaRPr>
+          </a:p>
+        </p:txBody>
+      </p:sp>
+      <p:sp>
+        <p:nvSpPr>
+          <p:cNvPr id="17" name="矩形 16">
+            <a:extLst>
+              <a:ext uri="{FF2B5EF4-FFF2-40B4-BE49-F238E27FC236}">
+                <a16:creationId xmlns:a16="http://schemas.microsoft.com/office/drawing/2014/main" id="{97AC42A3-0EB5-46C4-A2FA-39124F668C21}"/>
+              </a:ext>
+            </a:extLst>
+          </p:cNvPr>
+          <p:cNvSpPr/>
+          <p:nvPr/>
+        </p:nvSpPr>
+        <p:spPr bwMode="auto">
+          <a:xfrm>
+            <a:off x="6369631" y="2274739"/>
+            <a:ext cx="691277" cy="360040"/>
+          </a:xfrm>
+          <a:prstGeom prst="rect">
+            <a:avLst/>
+          </a:prstGeom>
+          <a:noFill/>
+          <a:ln w="12700" cap="flat" cmpd="sng" algn="ctr">
+            <a:solidFill>
+              <a:srgbClr val="FFC000"/>
+            </a:solidFill>
+            <a:prstDash val="solid"/>
+            <a:round/>
+            <a:headEnd type="none" w="med" len="med"/>
+            <a:tailEnd type="none"/>
+          </a:ln>
+          <a:effectLst/>
+        </p:spPr>
+        <p:txBody>
+          <a:bodyPr rtlCol="0" anchor="ctr"/>
+          <a:lstStyle/>
+          <a:p>
+            <a:pPr algn="ctr"/>
+            <a:r>
+              <a:rPr lang="en-US" altLang="zh-CN" sz="1400" dirty="0">
                 <a:solidFill>
                   <a:schemeClr val="bg1"/>
                 </a:solidFill>
-              </a:endParaRPr>
-            </a:p>
-          </p:txBody>
-        </p:sp>
-        <p:sp>
-          <p:nvSpPr>
-            <p:cNvPr id="18" name="矩形 17">
-              <a:extLst>
-                <a:ext uri="{FF2B5EF4-FFF2-40B4-BE49-F238E27FC236}">
-                  <a16:creationId xmlns:a16="http://schemas.microsoft.com/office/drawing/2014/main" xmlns="" id="{97AC42A3-0EB5-46C4-A2FA-39124F668C21}"/>
-                </a:ext>
-              </a:extLst>
-            </p:cNvPr>
-            <p:cNvSpPr/>
-            <p:nvPr/>
-          </p:nvSpPr>
-          <p:spPr bwMode="auto">
-            <a:xfrm>
-              <a:off x="5404496" y="1196752"/>
-              <a:ext cx="511200" cy="288000"/>
-            </a:xfrm>
-            <a:prstGeom prst="rect">
-              <a:avLst/>
-            </a:prstGeom>
-            <a:noFill/>
-            <a:ln w="12700" cap="flat" cmpd="sng" algn="ctr">
+                <a:latin typeface="微软雅黑" panose="020B0503020204020204" pitchFamily="34" charset="-122"/>
+                <a:ea typeface="微软雅黑" panose="020B0503020204020204" pitchFamily="34" charset="-122"/>
+              </a:rPr>
+              <a:t>200</a:t>
+            </a:r>
+            <a:endParaRPr lang="zh-CN" altLang="en-US" sz="1400" dirty="0">
               <a:solidFill>
-                <a:srgbClr val="FFC000"/>
+                <a:schemeClr val="bg1"/>
               </a:solidFill>
-              <a:prstDash val="solid"/>
-              <a:round/>
-              <a:headEnd type="none" w="med" len="med"/>
-              <a:tailEnd type="none"/>
-            </a:ln>
-            <a:effectLst>
-              <a:outerShdw blurRad="12700" dist="12700" dir="5400000" algn="ctr" rotWithShape="0">
-                <a:srgbClr val="000000">
-                  <a:alpha val="50000"/>
-                </a:srgbClr>
-              </a:outerShdw>
-            </a:effectLst>
-          </p:spPr>
-          <p:txBody>
-            <a:bodyPr rtlCol="0" anchor="ctr"/>
-            <a:lstStyle/>
-            <a:p>
-              <a:pPr algn="ctr"/>
-              <a:r>
-                <a:rPr lang="en-US" altLang="zh-CN" sz="1200" dirty="0">
-                  <a:solidFill>
-                    <a:schemeClr val="bg1"/>
-                  </a:solidFill>
-                </a:rPr>
-                <a:t>1</a:t>
-              </a:r>
-              <a:endParaRPr lang="zh-CN" altLang="en-US" sz="1200" dirty="0">
+              <a:latin typeface="微软雅黑" panose="020B0503020204020204" pitchFamily="34" charset="-122"/>
+              <a:ea typeface="微软雅黑" panose="020B0503020204020204" pitchFamily="34" charset="-122"/>
+            </a:endParaRPr>
+          </a:p>
+        </p:txBody>
+      </p:sp>
+      <p:sp>
+        <p:nvSpPr>
+          <p:cNvPr id="18" name="矩形 17">
+            <a:extLst>
+              <a:ext uri="{FF2B5EF4-FFF2-40B4-BE49-F238E27FC236}">
+                <a16:creationId xmlns:a16="http://schemas.microsoft.com/office/drawing/2014/main" id="{97AC42A3-0EB5-46C4-A2FA-39124F668C21}"/>
+              </a:ext>
+            </a:extLst>
+          </p:cNvPr>
+          <p:cNvSpPr/>
+          <p:nvPr/>
+        </p:nvSpPr>
+        <p:spPr bwMode="auto">
+          <a:xfrm>
+            <a:off x="7060908" y="2274739"/>
+            <a:ext cx="691277" cy="360040"/>
+          </a:xfrm>
+          <a:prstGeom prst="rect">
+            <a:avLst/>
+          </a:prstGeom>
+          <a:noFill/>
+          <a:ln w="12700" cap="flat" cmpd="sng" algn="ctr">
+            <a:solidFill>
+              <a:srgbClr val="FFC000"/>
+            </a:solidFill>
+            <a:prstDash val="solid"/>
+            <a:round/>
+            <a:headEnd type="none" w="med" len="med"/>
+            <a:tailEnd type="none"/>
+          </a:ln>
+          <a:effectLst/>
+        </p:spPr>
+        <p:txBody>
+          <a:bodyPr rtlCol="0" anchor="ctr"/>
+          <a:lstStyle/>
+          <a:p>
+            <a:pPr algn="ctr"/>
+            <a:r>
+              <a:rPr lang="en-US" altLang="zh-CN" sz="1400" dirty="0">
                 <a:solidFill>
                   <a:schemeClr val="bg1"/>
                 </a:solidFill>
-              </a:endParaRPr>
-            </a:p>
-          </p:txBody>
-        </p:sp>
-      </p:grpSp>
-      <p:grpSp>
-        <p:nvGrpSpPr>
-          <p:cNvPr id="19" name="组合 18"/>
-          <p:cNvGrpSpPr/>
+                <a:latin typeface="微软雅黑" panose="020B0503020204020204" pitchFamily="34" charset="-122"/>
+                <a:ea typeface="微软雅黑" panose="020B0503020204020204" pitchFamily="34" charset="-122"/>
+              </a:rPr>
+              <a:t>1</a:t>
+            </a:r>
+            <a:endParaRPr lang="zh-CN" altLang="en-US" sz="1400" dirty="0">
+              <a:solidFill>
+                <a:schemeClr val="bg1"/>
+              </a:solidFill>
+              <a:latin typeface="微软雅黑" panose="020B0503020204020204" pitchFamily="34" charset="-122"/>
+              <a:ea typeface="微软雅黑" panose="020B0503020204020204" pitchFamily="34" charset="-122"/>
+            </a:endParaRPr>
+          </a:p>
+        </p:txBody>
+      </p:sp>
+      <p:sp>
+        <p:nvSpPr>
+          <p:cNvPr id="20" name="矩形 19">
+            <a:extLst>
+              <a:ext uri="{FF2B5EF4-FFF2-40B4-BE49-F238E27FC236}">
+                <a16:creationId xmlns:a16="http://schemas.microsoft.com/office/drawing/2014/main" id="{DA18C985-9AB9-4EBA-9EB1-362363B137D1}"/>
+              </a:ext>
+            </a:extLst>
+          </p:cNvPr>
+          <p:cNvSpPr/>
           <p:nvPr/>
-        </p:nvGrpSpPr>
-        <p:grpSpPr>
+        </p:nvSpPr>
+        <p:spPr bwMode="auto">
           <a:xfrm>
-            <a:off x="4295801" y="3299070"/>
-            <a:ext cx="3456384" cy="360040"/>
-            <a:chOff x="3359696" y="1196752"/>
-            <a:chExt cx="2556000" cy="288000"/>
+            <a:off x="4987078" y="3299070"/>
+            <a:ext cx="691277" cy="360040"/>
           </a:xfrm>
-        </p:grpSpPr>
-        <p:sp>
-          <p:nvSpPr>
-            <p:cNvPr id="20" name="矩形 19">
-              <a:extLst>
-                <a:ext uri="{FF2B5EF4-FFF2-40B4-BE49-F238E27FC236}">
-                  <a16:creationId xmlns:a16="http://schemas.microsoft.com/office/drawing/2014/main" xmlns="" id="{DA18C985-9AB9-4EBA-9EB1-362363B137D1}"/>
-                </a:ext>
-              </a:extLst>
-            </p:cNvPr>
-            <p:cNvSpPr/>
-            <p:nvPr/>
-          </p:nvSpPr>
-          <p:spPr bwMode="auto">
-            <a:xfrm>
-              <a:off x="3870896" y="1196752"/>
-              <a:ext cx="511200" cy="288000"/>
-            </a:xfrm>
-            <a:prstGeom prst="rect">
+          <a:prstGeom prst="rect">
+            <a:avLst/>
+          </a:prstGeom>
+          <a:solidFill>
+            <a:srgbClr val="92D050"/>
+          </a:solidFill>
+          <a:ln w="12700" cap="flat" cmpd="sng" algn="ctr">
+            <a:solidFill>
+              <a:srgbClr val="FFC000"/>
+            </a:solidFill>
+            <a:prstDash val="solid"/>
+            <a:round/>
+            <a:headEnd type="none" w="med" len="med"/>
+            <a:tailEnd type="none"/>
+          </a:ln>
+          <a:effectLst/>
+        </p:spPr>
+        <p:txBody>
+          <a:bodyPr rot="0" spcFirstLastPara="0" vertOverflow="overflow" horzOverflow="overflow" vert="horz" wrap="square" lIns="91440" tIns="45720" rIns="91440" bIns="45720" numCol="1" spcCol="0" rtlCol="0" fromWordArt="0" anchor="ctr" anchorCtr="0" forceAA="0" compatLnSpc="1">
+            <a:prstTxWarp prst="textNoShape">
               <a:avLst/>
-            </a:prstGeom>
-            <a:solidFill>
-              <a:srgbClr val="92D050"/>
-            </a:solidFill>
-            <a:ln w="12700" cap="flat" cmpd="sng" algn="ctr">
-              <a:solidFill>
-                <a:srgbClr val="FFC000"/>
-              </a:solidFill>
-              <a:prstDash val="solid"/>
-              <a:round/>
-              <a:headEnd type="none" w="med" len="med"/>
-              <a:tailEnd type="none"/>
-            </a:ln>
-            <a:effectLst>
-              <a:outerShdw blurRad="12700" dist="12700" dir="5400000" algn="ctr" rotWithShape="0">
-                <a:srgbClr val="000000">
-                  <a:alpha val="50000"/>
-                </a:srgbClr>
-              </a:outerShdw>
-            </a:effectLst>
-          </p:spPr>
-          <p:txBody>
-            <a:bodyPr rot="0" spcFirstLastPara="0" vertOverflow="overflow" horzOverflow="overflow" vert="horz" wrap="square" lIns="91440" tIns="45720" rIns="91440" bIns="45720" numCol="1" spcCol="0" rtlCol="0" fromWordArt="0" anchor="ctr" anchorCtr="0" forceAA="0" compatLnSpc="1">
-              <a:prstTxWarp prst="textNoShape">
-                <a:avLst/>
-              </a:prstTxWarp>
-              <a:noAutofit/>
-            </a:bodyPr>
-            <a:lstStyle/>
-            <a:p>
-              <a:r>
-                <a:rPr lang="en-US" altLang="zh-CN" sz="1400" b="1" dirty="0">
-                  <a:solidFill>
-                    <a:schemeClr val="tx1"/>
-                  </a:solidFill>
-                </a:rPr>
-                <a:t>3</a:t>
-              </a:r>
-              <a:endParaRPr lang="zh-CN" altLang="en-US" sz="1400" b="1" dirty="0">
+            </a:prstTxWarp>
+            <a:noAutofit/>
+          </a:bodyPr>
+          <a:lstStyle/>
+          <a:p>
+            <a:r>
+              <a:rPr lang="en-US" altLang="zh-CN" sz="1400" b="1" dirty="0">
                 <a:solidFill>
                   <a:schemeClr val="tx1"/>
                 </a:solidFill>
-              </a:endParaRPr>
-            </a:p>
-          </p:txBody>
-        </p:sp>
-        <p:sp>
-          <p:nvSpPr>
-            <p:cNvPr id="21" name="矩形 20">
-              <a:extLst>
-                <a:ext uri="{FF2B5EF4-FFF2-40B4-BE49-F238E27FC236}">
-                  <a16:creationId xmlns:a16="http://schemas.microsoft.com/office/drawing/2014/main" xmlns="" id="{0A87C972-9CCD-4CE9-931B-D0EC29B1BCD7}"/>
-                </a:ext>
-              </a:extLst>
-            </p:cNvPr>
-            <p:cNvSpPr/>
-            <p:nvPr/>
-          </p:nvSpPr>
-          <p:spPr bwMode="auto">
-            <a:xfrm>
-              <a:off x="4382096" y="1196752"/>
-              <a:ext cx="511200" cy="288000"/>
-            </a:xfrm>
-            <a:prstGeom prst="rect">
+                <a:latin typeface="微软雅黑" panose="020B0503020204020204" pitchFamily="34" charset="-122"/>
+                <a:ea typeface="微软雅黑" panose="020B0503020204020204" pitchFamily="34" charset="-122"/>
+              </a:rPr>
+              <a:t>3</a:t>
+            </a:r>
+            <a:endParaRPr lang="zh-CN" altLang="en-US" sz="1400" b="1" dirty="0">
+              <a:solidFill>
+                <a:schemeClr val="tx1"/>
+              </a:solidFill>
+              <a:latin typeface="微软雅黑" panose="020B0503020204020204" pitchFamily="34" charset="-122"/>
+              <a:ea typeface="微软雅黑" panose="020B0503020204020204" pitchFamily="34" charset="-122"/>
+            </a:endParaRPr>
+          </a:p>
+        </p:txBody>
+      </p:sp>
+      <p:sp>
+        <p:nvSpPr>
+          <p:cNvPr id="21" name="矩形 20">
+            <a:extLst>
+              <a:ext uri="{FF2B5EF4-FFF2-40B4-BE49-F238E27FC236}">
+                <a16:creationId xmlns:a16="http://schemas.microsoft.com/office/drawing/2014/main" id="{0A87C972-9CCD-4CE9-931B-D0EC29B1BCD7}"/>
+              </a:ext>
+            </a:extLst>
+          </p:cNvPr>
+          <p:cNvSpPr/>
+          <p:nvPr/>
+        </p:nvSpPr>
+        <p:spPr bwMode="auto">
+          <a:xfrm>
+            <a:off x="5678355" y="3299070"/>
+            <a:ext cx="691277" cy="360040"/>
+          </a:xfrm>
+          <a:prstGeom prst="rect">
+            <a:avLst/>
+          </a:prstGeom>
+          <a:solidFill>
+            <a:srgbClr val="92D050"/>
+          </a:solidFill>
+          <a:ln w="12700" cap="flat" cmpd="sng" algn="ctr">
+            <a:solidFill>
+              <a:srgbClr val="FFC000"/>
+            </a:solidFill>
+            <a:prstDash val="solid"/>
+            <a:round/>
+            <a:headEnd type="none" w="med" len="med"/>
+            <a:tailEnd type="none"/>
+          </a:ln>
+          <a:effectLst/>
+        </p:spPr>
+        <p:txBody>
+          <a:bodyPr rot="0" spcFirstLastPara="0" vertOverflow="overflow" horzOverflow="overflow" vert="horz" wrap="square" lIns="91440" tIns="45720" rIns="91440" bIns="45720" numCol="1" spcCol="0" rtlCol="0" fromWordArt="0" anchor="ctr" anchorCtr="0" forceAA="0" compatLnSpc="1">
+            <a:prstTxWarp prst="textNoShape">
               <a:avLst/>
-            </a:prstGeom>
+            </a:prstTxWarp>
+            <a:noAutofit/>
+          </a:bodyPr>
+          <a:lstStyle/>
+          <a:p>
+            <a:r>
+              <a:rPr lang="zh-CN" altLang="en-US" sz="1400" dirty="0">
+                <a:solidFill>
+                  <a:schemeClr val="tx1"/>
+                </a:solidFill>
+                <a:latin typeface="微软雅黑" panose="020B0503020204020204" pitchFamily="34" charset="-122"/>
+                <a:ea typeface="微软雅黑" panose="020B0503020204020204" pitchFamily="34" charset="-122"/>
+              </a:rPr>
+              <a:t>张三</a:t>
+            </a:r>
+          </a:p>
+        </p:txBody>
+      </p:sp>
+      <p:sp>
+        <p:nvSpPr>
+          <p:cNvPr id="22" name="矩形 21">
+            <a:extLst>
+              <a:ext uri="{FF2B5EF4-FFF2-40B4-BE49-F238E27FC236}">
+                <a16:creationId xmlns:a16="http://schemas.microsoft.com/office/drawing/2014/main" id="{97AC42A3-0EB5-46C4-A2FA-39124F668C21}"/>
+              </a:ext>
+            </a:extLst>
+          </p:cNvPr>
+          <p:cNvSpPr/>
+          <p:nvPr/>
+        </p:nvSpPr>
+        <p:spPr bwMode="auto">
+          <a:xfrm>
+            <a:off x="4295801" y="3299070"/>
+            <a:ext cx="691277" cy="360040"/>
+          </a:xfrm>
+          <a:prstGeom prst="rect">
+            <a:avLst/>
+          </a:prstGeom>
+          <a:noFill/>
+          <a:ln w="12700" cap="flat" cmpd="sng" algn="ctr">
             <a:solidFill>
-              <a:srgbClr val="92D050"/>
+              <a:srgbClr val="FFC000"/>
             </a:solidFill>
-            <a:ln w="12700" cap="flat" cmpd="sng" algn="ctr">
-              <a:solidFill>
-                <a:srgbClr val="FFC000"/>
-              </a:solidFill>
-              <a:prstDash val="solid"/>
-              <a:round/>
-              <a:headEnd type="none" w="med" len="med"/>
-              <a:tailEnd type="none"/>
-            </a:ln>
-            <a:effectLst>
-              <a:outerShdw blurRad="12700" dist="12700" dir="5400000" algn="ctr" rotWithShape="0">
-                <a:srgbClr val="000000">
-                  <a:alpha val="50000"/>
-                </a:srgbClr>
-              </a:outerShdw>
-            </a:effectLst>
-          </p:spPr>
-          <p:txBody>
-            <a:bodyPr rot="0" spcFirstLastPara="0" vertOverflow="overflow" horzOverflow="overflow" vert="horz" wrap="square" lIns="91440" tIns="45720" rIns="91440" bIns="45720" numCol="1" spcCol="0" rtlCol="0" fromWordArt="0" anchor="ctr" anchorCtr="0" forceAA="0" compatLnSpc="1">
-              <a:prstTxWarp prst="textNoShape">
-                <a:avLst/>
-              </a:prstTxWarp>
-              <a:noAutofit/>
-            </a:bodyPr>
-            <a:lstStyle/>
-            <a:p>
-              <a:r>
-                <a:rPr lang="zh-CN" altLang="en-US" sz="1200" dirty="0">
-                  <a:solidFill>
-                    <a:schemeClr val="tx1"/>
-                  </a:solidFill>
-                </a:rPr>
-                <a:t>张三</a:t>
-              </a:r>
-            </a:p>
-          </p:txBody>
-        </p:sp>
-        <p:sp>
-          <p:nvSpPr>
-            <p:cNvPr id="22" name="矩形 21">
-              <a:extLst>
-                <a:ext uri="{FF2B5EF4-FFF2-40B4-BE49-F238E27FC236}">
-                  <a16:creationId xmlns:a16="http://schemas.microsoft.com/office/drawing/2014/main" xmlns="" id="{97AC42A3-0EB5-46C4-A2FA-39124F668C21}"/>
-                </a:ext>
-              </a:extLst>
-            </p:cNvPr>
-            <p:cNvSpPr/>
-            <p:nvPr/>
-          </p:nvSpPr>
-          <p:spPr bwMode="auto">
-            <a:xfrm>
-              <a:off x="3359696" y="1196752"/>
-              <a:ext cx="511200" cy="288000"/>
-            </a:xfrm>
-            <a:prstGeom prst="rect">
-              <a:avLst/>
-            </a:prstGeom>
-            <a:noFill/>
-            <a:ln w="12700" cap="flat" cmpd="sng" algn="ctr">
-              <a:solidFill>
-                <a:srgbClr val="FFC000"/>
-              </a:solidFill>
-              <a:prstDash val="solid"/>
-              <a:round/>
-              <a:headEnd type="none" w="med" len="med"/>
-              <a:tailEnd type="none"/>
-            </a:ln>
-            <a:effectLst>
-              <a:outerShdw blurRad="12700" dist="12700" dir="5400000" algn="ctr" rotWithShape="0">
-                <a:srgbClr val="000000">
-                  <a:alpha val="50000"/>
-                </a:srgbClr>
-              </a:outerShdw>
-            </a:effectLst>
-          </p:spPr>
-          <p:txBody>
-            <a:bodyPr rtlCol="0" anchor="ctr"/>
-            <a:lstStyle/>
-            <a:p>
-              <a:pPr algn="ctr"/>
-              <a:r>
-                <a:rPr lang="en-US" altLang="zh-CN" sz="1200" dirty="0">
-                  <a:solidFill>
-                    <a:schemeClr val="bg1"/>
-                  </a:solidFill>
-                </a:rPr>
-                <a:t>1</a:t>
-              </a:r>
-              <a:endParaRPr lang="zh-CN" altLang="en-US" sz="1200" dirty="0">
+            <a:prstDash val="solid"/>
+            <a:round/>
+            <a:headEnd type="none" w="med" len="med"/>
+            <a:tailEnd type="none"/>
+          </a:ln>
+          <a:effectLst/>
+        </p:spPr>
+        <p:txBody>
+          <a:bodyPr rtlCol="0" anchor="ctr"/>
+          <a:lstStyle/>
+          <a:p>
+            <a:pPr algn="ctr"/>
+            <a:r>
+              <a:rPr lang="en-US" altLang="zh-CN" sz="1400" dirty="0">
                 <a:solidFill>
                   <a:schemeClr val="bg1"/>
                 </a:solidFill>
-              </a:endParaRPr>
-            </a:p>
-          </p:txBody>
-        </p:sp>
-        <p:sp>
-          <p:nvSpPr>
-            <p:cNvPr id="23" name="矩形 22">
-              <a:extLst>
-                <a:ext uri="{FF2B5EF4-FFF2-40B4-BE49-F238E27FC236}">
-                  <a16:creationId xmlns:a16="http://schemas.microsoft.com/office/drawing/2014/main" xmlns="" id="{97AC42A3-0EB5-46C4-A2FA-39124F668C21}"/>
-                </a:ext>
-              </a:extLst>
-            </p:cNvPr>
-            <p:cNvSpPr/>
-            <p:nvPr/>
-          </p:nvSpPr>
-          <p:spPr bwMode="auto">
-            <a:xfrm>
-              <a:off x="4893296" y="1196752"/>
-              <a:ext cx="511200" cy="288000"/>
-            </a:xfrm>
-            <a:prstGeom prst="rect">
-              <a:avLst/>
-            </a:prstGeom>
-            <a:noFill/>
-            <a:ln w="12700" cap="flat" cmpd="sng" algn="ctr">
+                <a:latin typeface="微软雅黑" panose="020B0503020204020204" pitchFamily="34" charset="-122"/>
+                <a:ea typeface="微软雅黑" panose="020B0503020204020204" pitchFamily="34" charset="-122"/>
+              </a:rPr>
+              <a:t>1</a:t>
+            </a:r>
+            <a:endParaRPr lang="zh-CN" altLang="en-US" sz="1400" dirty="0">
               <a:solidFill>
-                <a:srgbClr val="FFC000"/>
+                <a:schemeClr val="bg1"/>
               </a:solidFill>
-              <a:prstDash val="solid"/>
-              <a:round/>
-              <a:headEnd type="none" w="med" len="med"/>
-              <a:tailEnd type="none"/>
-            </a:ln>
-            <a:effectLst>
-              <a:outerShdw blurRad="12700" dist="12700" dir="5400000" algn="ctr" rotWithShape="0">
-                <a:srgbClr val="000000">
-                  <a:alpha val="50000"/>
-                </a:srgbClr>
-              </a:outerShdw>
-            </a:effectLst>
-          </p:spPr>
-          <p:txBody>
-            <a:bodyPr rtlCol="0" anchor="ctr"/>
-            <a:lstStyle/>
-            <a:p>
-              <a:pPr algn="ctr"/>
-              <a:r>
-                <a:rPr lang="en-US" altLang="zh-CN" sz="1200" dirty="0" smtClean="0">
-                  <a:solidFill>
-                    <a:schemeClr val="bg1"/>
-                  </a:solidFill>
-                </a:rPr>
-                <a:t>200</a:t>
-              </a:r>
-              <a:endParaRPr lang="zh-CN" altLang="en-US" sz="1200" dirty="0">
+              <a:latin typeface="微软雅黑" panose="020B0503020204020204" pitchFamily="34" charset="-122"/>
+              <a:ea typeface="微软雅黑" panose="020B0503020204020204" pitchFamily="34" charset="-122"/>
+            </a:endParaRPr>
+          </a:p>
+        </p:txBody>
+      </p:sp>
+      <p:sp>
+        <p:nvSpPr>
+          <p:cNvPr id="23" name="矩形 22">
+            <a:extLst>
+              <a:ext uri="{FF2B5EF4-FFF2-40B4-BE49-F238E27FC236}">
+                <a16:creationId xmlns:a16="http://schemas.microsoft.com/office/drawing/2014/main" id="{97AC42A3-0EB5-46C4-A2FA-39124F668C21}"/>
+              </a:ext>
+            </a:extLst>
+          </p:cNvPr>
+          <p:cNvSpPr/>
+          <p:nvPr/>
+        </p:nvSpPr>
+        <p:spPr bwMode="auto">
+          <a:xfrm>
+            <a:off x="6369631" y="3299070"/>
+            <a:ext cx="691277" cy="360040"/>
+          </a:xfrm>
+          <a:prstGeom prst="rect">
+            <a:avLst/>
+          </a:prstGeom>
+          <a:noFill/>
+          <a:ln w="12700" cap="flat" cmpd="sng" algn="ctr">
+            <a:solidFill>
+              <a:srgbClr val="FFC000"/>
+            </a:solidFill>
+            <a:prstDash val="solid"/>
+            <a:round/>
+            <a:headEnd type="none" w="med" len="med"/>
+            <a:tailEnd type="none"/>
+          </a:ln>
+          <a:effectLst/>
+        </p:spPr>
+        <p:txBody>
+          <a:bodyPr rtlCol="0" anchor="ctr"/>
+          <a:lstStyle/>
+          <a:p>
+            <a:pPr algn="ctr"/>
+            <a:r>
+              <a:rPr lang="en-US" altLang="zh-CN" sz="1400" dirty="0">
                 <a:solidFill>
                   <a:schemeClr val="bg1"/>
                 </a:solidFill>
-              </a:endParaRPr>
-            </a:p>
-          </p:txBody>
-        </p:sp>
-        <p:sp>
-          <p:nvSpPr>
-            <p:cNvPr id="24" name="矩形 23">
-              <a:extLst>
-                <a:ext uri="{FF2B5EF4-FFF2-40B4-BE49-F238E27FC236}">
-                  <a16:creationId xmlns:a16="http://schemas.microsoft.com/office/drawing/2014/main" xmlns="" id="{97AC42A3-0EB5-46C4-A2FA-39124F668C21}"/>
-                </a:ext>
-              </a:extLst>
-            </p:cNvPr>
-            <p:cNvSpPr/>
-            <p:nvPr/>
-          </p:nvSpPr>
-          <p:spPr bwMode="auto">
-            <a:xfrm>
-              <a:off x="5404496" y="1196752"/>
-              <a:ext cx="511200" cy="288000"/>
-            </a:xfrm>
-            <a:prstGeom prst="rect">
-              <a:avLst/>
-            </a:prstGeom>
-            <a:noFill/>
-            <a:ln w="12700" cap="flat" cmpd="sng" algn="ctr">
+                <a:latin typeface="微软雅黑" panose="020B0503020204020204" pitchFamily="34" charset="-122"/>
+                <a:ea typeface="微软雅黑" panose="020B0503020204020204" pitchFamily="34" charset="-122"/>
+              </a:rPr>
+              <a:t>200</a:t>
+            </a:r>
+            <a:endParaRPr lang="zh-CN" altLang="en-US" sz="1400" dirty="0">
               <a:solidFill>
-                <a:srgbClr val="FFC000"/>
+                <a:schemeClr val="bg1"/>
               </a:solidFill>
-              <a:prstDash val="solid"/>
-              <a:round/>
-              <a:headEnd type="none" w="med" len="med"/>
-              <a:tailEnd type="none"/>
-            </a:ln>
-            <a:effectLst>
-              <a:outerShdw blurRad="12700" dist="12700" dir="5400000" algn="ctr" rotWithShape="0">
-                <a:srgbClr val="000000">
-                  <a:alpha val="50000"/>
-                </a:srgbClr>
-              </a:outerShdw>
-            </a:effectLst>
-          </p:spPr>
-          <p:txBody>
-            <a:bodyPr rtlCol="0" anchor="ctr"/>
-            <a:lstStyle/>
-            <a:p>
-              <a:pPr algn="ctr"/>
-              <a:r>
-                <a:rPr lang="en-US" altLang="zh-CN" sz="1200" dirty="0">
-                  <a:solidFill>
-                    <a:schemeClr val="bg1"/>
-                  </a:solidFill>
-                </a:rPr>
-                <a:t>1</a:t>
-              </a:r>
-              <a:endParaRPr lang="zh-CN" altLang="en-US" sz="1200" dirty="0">
+              <a:latin typeface="微软雅黑" panose="020B0503020204020204" pitchFamily="34" charset="-122"/>
+              <a:ea typeface="微软雅黑" panose="020B0503020204020204" pitchFamily="34" charset="-122"/>
+            </a:endParaRPr>
+          </a:p>
+        </p:txBody>
+      </p:sp>
+      <p:sp>
+        <p:nvSpPr>
+          <p:cNvPr id="24" name="矩形 23">
+            <a:extLst>
+              <a:ext uri="{FF2B5EF4-FFF2-40B4-BE49-F238E27FC236}">
+                <a16:creationId xmlns:a16="http://schemas.microsoft.com/office/drawing/2014/main" id="{97AC42A3-0EB5-46C4-A2FA-39124F668C21}"/>
+              </a:ext>
+            </a:extLst>
+          </p:cNvPr>
+          <p:cNvSpPr/>
+          <p:nvPr/>
+        </p:nvSpPr>
+        <p:spPr bwMode="auto">
+          <a:xfrm>
+            <a:off x="7060908" y="3299070"/>
+            <a:ext cx="691277" cy="360040"/>
+          </a:xfrm>
+          <a:prstGeom prst="rect">
+            <a:avLst/>
+          </a:prstGeom>
+          <a:noFill/>
+          <a:ln w="12700" cap="flat" cmpd="sng" algn="ctr">
+            <a:solidFill>
+              <a:srgbClr val="FFC000"/>
+            </a:solidFill>
+            <a:prstDash val="solid"/>
+            <a:round/>
+            <a:headEnd type="none" w="med" len="med"/>
+            <a:tailEnd type="none"/>
+          </a:ln>
+          <a:effectLst/>
+        </p:spPr>
+        <p:txBody>
+          <a:bodyPr rtlCol="0" anchor="ctr"/>
+          <a:lstStyle/>
+          <a:p>
+            <a:pPr algn="ctr"/>
+            <a:r>
+              <a:rPr lang="en-US" altLang="zh-CN" sz="1400" dirty="0">
                 <a:solidFill>
                   <a:schemeClr val="bg1"/>
                 </a:solidFill>
-              </a:endParaRPr>
-            </a:p>
-          </p:txBody>
-        </p:sp>
-      </p:grpSp>
-      <p:grpSp>
-        <p:nvGrpSpPr>
-          <p:cNvPr id="25" name="组合 24"/>
-          <p:cNvGrpSpPr/>
+                <a:latin typeface="微软雅黑" panose="020B0503020204020204" pitchFamily="34" charset="-122"/>
+                <a:ea typeface="微软雅黑" panose="020B0503020204020204" pitchFamily="34" charset="-122"/>
+              </a:rPr>
+              <a:t>1</a:t>
+            </a:r>
+            <a:endParaRPr lang="zh-CN" altLang="en-US" sz="1400" dirty="0">
+              <a:solidFill>
+                <a:schemeClr val="bg1"/>
+              </a:solidFill>
+              <a:latin typeface="微软雅黑" panose="020B0503020204020204" pitchFamily="34" charset="-122"/>
+              <a:ea typeface="微软雅黑" panose="020B0503020204020204" pitchFamily="34" charset="-122"/>
+            </a:endParaRPr>
+          </a:p>
+        </p:txBody>
+      </p:sp>
+      <p:sp>
+        <p:nvSpPr>
+          <p:cNvPr id="26" name="矩形 25">
+            <a:extLst>
+              <a:ext uri="{FF2B5EF4-FFF2-40B4-BE49-F238E27FC236}">
+                <a16:creationId xmlns:a16="http://schemas.microsoft.com/office/drawing/2014/main" id="{DA18C985-9AB9-4EBA-9EB1-362363B137D1}"/>
+              </a:ext>
+            </a:extLst>
+          </p:cNvPr>
+          <p:cNvSpPr/>
           <p:nvPr/>
-        </p:nvGrpSpPr>
-        <p:grpSpPr>
+        </p:nvSpPr>
+        <p:spPr bwMode="auto">
           <a:xfrm>
-            <a:off x="4276369" y="4323401"/>
-            <a:ext cx="3456384" cy="360040"/>
-            <a:chOff x="3359696" y="1196752"/>
-            <a:chExt cx="2556000" cy="288000"/>
+            <a:off x="4967646" y="4323401"/>
+            <a:ext cx="691277" cy="360040"/>
           </a:xfrm>
-        </p:grpSpPr>
-        <p:sp>
-          <p:nvSpPr>
-            <p:cNvPr id="26" name="矩形 25">
-              <a:extLst>
-                <a:ext uri="{FF2B5EF4-FFF2-40B4-BE49-F238E27FC236}">
-                  <a16:creationId xmlns:a16="http://schemas.microsoft.com/office/drawing/2014/main" xmlns="" id="{DA18C985-9AB9-4EBA-9EB1-362363B137D1}"/>
-                </a:ext>
-              </a:extLst>
-            </p:cNvPr>
-            <p:cNvSpPr/>
-            <p:nvPr/>
-          </p:nvSpPr>
-          <p:spPr bwMode="auto">
-            <a:xfrm>
-              <a:off x="3870896" y="1196752"/>
-              <a:ext cx="511200" cy="288000"/>
-            </a:xfrm>
-            <a:prstGeom prst="rect">
+          <a:prstGeom prst="rect">
+            <a:avLst/>
+          </a:prstGeom>
+          <a:solidFill>
+            <a:srgbClr val="92D050"/>
+          </a:solidFill>
+          <a:ln w="12700" cap="flat" cmpd="sng" algn="ctr">
+            <a:solidFill>
+              <a:srgbClr val="FFC000"/>
+            </a:solidFill>
+            <a:prstDash val="solid"/>
+            <a:round/>
+            <a:headEnd type="none" w="med" len="med"/>
+            <a:tailEnd type="none"/>
+          </a:ln>
+          <a:effectLst/>
+        </p:spPr>
+        <p:txBody>
+          <a:bodyPr rot="0" spcFirstLastPara="0" vertOverflow="overflow" horzOverflow="overflow" vert="horz" wrap="square" lIns="91440" tIns="45720" rIns="91440" bIns="45720" numCol="1" spcCol="0" rtlCol="0" fromWordArt="0" anchor="ctr" anchorCtr="0" forceAA="0" compatLnSpc="1">
+            <a:prstTxWarp prst="textNoShape">
               <a:avLst/>
-            </a:prstGeom>
-            <a:solidFill>
-              <a:srgbClr val="92D050"/>
-            </a:solidFill>
-            <a:ln w="12700" cap="flat" cmpd="sng" algn="ctr">
-              <a:solidFill>
-                <a:srgbClr val="FFC000"/>
-              </a:solidFill>
-              <a:prstDash val="solid"/>
-              <a:round/>
-              <a:headEnd type="none" w="med" len="med"/>
-              <a:tailEnd type="none"/>
-            </a:ln>
-            <a:effectLst>
-              <a:outerShdw blurRad="12700" dist="12700" dir="5400000" algn="ctr" rotWithShape="0">
-                <a:srgbClr val="000000">
-                  <a:alpha val="50000"/>
-                </a:srgbClr>
-              </a:outerShdw>
-            </a:effectLst>
-          </p:spPr>
-          <p:txBody>
-            <a:bodyPr rot="0" spcFirstLastPara="0" vertOverflow="overflow" horzOverflow="overflow" vert="horz" wrap="square" lIns="91440" tIns="45720" rIns="91440" bIns="45720" numCol="1" spcCol="0" rtlCol="0" fromWordArt="0" anchor="ctr" anchorCtr="0" forceAA="0" compatLnSpc="1">
-              <a:prstTxWarp prst="textNoShape">
-                <a:avLst/>
-              </a:prstTxWarp>
-              <a:noAutofit/>
-            </a:bodyPr>
-            <a:lstStyle/>
-            <a:p>
-              <a:r>
-                <a:rPr lang="en-US" altLang="zh-CN" sz="1400" b="1" dirty="0">
-                  <a:solidFill>
-                    <a:schemeClr val="tx1"/>
-                  </a:solidFill>
-                </a:rPr>
-                <a:t>3</a:t>
-              </a:r>
-              <a:endParaRPr lang="zh-CN" altLang="en-US" sz="1400" b="1" dirty="0">
+            </a:prstTxWarp>
+            <a:noAutofit/>
+          </a:bodyPr>
+          <a:lstStyle/>
+          <a:p>
+            <a:r>
+              <a:rPr lang="en-US" altLang="zh-CN" sz="1400" b="1" dirty="0">
                 <a:solidFill>
                   <a:schemeClr val="tx1"/>
                 </a:solidFill>
-              </a:endParaRPr>
-            </a:p>
-          </p:txBody>
-        </p:sp>
-        <p:sp>
-          <p:nvSpPr>
-            <p:cNvPr id="27" name="矩形 26">
-              <a:extLst>
-                <a:ext uri="{FF2B5EF4-FFF2-40B4-BE49-F238E27FC236}">
-                  <a16:creationId xmlns:a16="http://schemas.microsoft.com/office/drawing/2014/main" xmlns="" id="{0A87C972-9CCD-4CE9-931B-D0EC29B1BCD7}"/>
-                </a:ext>
-              </a:extLst>
-            </p:cNvPr>
-            <p:cNvSpPr/>
-            <p:nvPr/>
-          </p:nvSpPr>
-          <p:spPr bwMode="auto">
-            <a:xfrm>
-              <a:off x="4382096" y="1196752"/>
-              <a:ext cx="511200" cy="288000"/>
-            </a:xfrm>
-            <a:prstGeom prst="rect">
+                <a:latin typeface="微软雅黑" panose="020B0503020204020204" pitchFamily="34" charset="-122"/>
+                <a:ea typeface="微软雅黑" panose="020B0503020204020204" pitchFamily="34" charset="-122"/>
+              </a:rPr>
+              <a:t>3</a:t>
+            </a:r>
+            <a:endParaRPr lang="zh-CN" altLang="en-US" sz="1400" b="1" dirty="0">
+              <a:solidFill>
+                <a:schemeClr val="tx1"/>
+              </a:solidFill>
+              <a:latin typeface="微软雅黑" panose="020B0503020204020204" pitchFamily="34" charset="-122"/>
+              <a:ea typeface="微软雅黑" panose="020B0503020204020204" pitchFamily="34" charset="-122"/>
+            </a:endParaRPr>
+          </a:p>
+        </p:txBody>
+      </p:sp>
+      <p:sp>
+        <p:nvSpPr>
+          <p:cNvPr id="27" name="矩形 26">
+            <a:extLst>
+              <a:ext uri="{FF2B5EF4-FFF2-40B4-BE49-F238E27FC236}">
+                <a16:creationId xmlns:a16="http://schemas.microsoft.com/office/drawing/2014/main" id="{0A87C972-9CCD-4CE9-931B-D0EC29B1BCD7}"/>
+              </a:ext>
+            </a:extLst>
+          </p:cNvPr>
+          <p:cNvSpPr/>
+          <p:nvPr/>
+        </p:nvSpPr>
+        <p:spPr bwMode="auto">
+          <a:xfrm>
+            <a:off x="5658923" y="4323401"/>
+            <a:ext cx="691277" cy="360040"/>
+          </a:xfrm>
+          <a:prstGeom prst="rect">
+            <a:avLst/>
+          </a:prstGeom>
+          <a:solidFill>
+            <a:srgbClr val="92D050"/>
+          </a:solidFill>
+          <a:ln w="12700" cap="flat" cmpd="sng" algn="ctr">
+            <a:solidFill>
+              <a:srgbClr val="FFC000"/>
+            </a:solidFill>
+            <a:prstDash val="solid"/>
+            <a:round/>
+            <a:headEnd type="none" w="med" len="med"/>
+            <a:tailEnd type="none"/>
+          </a:ln>
+          <a:effectLst/>
+        </p:spPr>
+        <p:txBody>
+          <a:bodyPr rot="0" spcFirstLastPara="0" vertOverflow="overflow" horzOverflow="overflow" vert="horz" wrap="square" lIns="91440" tIns="45720" rIns="91440" bIns="45720" numCol="1" spcCol="0" rtlCol="0" fromWordArt="0" anchor="ctr" anchorCtr="0" forceAA="0" compatLnSpc="1">
+            <a:prstTxWarp prst="textNoShape">
               <a:avLst/>
-            </a:prstGeom>
+            </a:prstTxWarp>
+            <a:noAutofit/>
+          </a:bodyPr>
+          <a:lstStyle/>
+          <a:p>
+            <a:r>
+              <a:rPr lang="zh-CN" altLang="en-US" sz="1400" dirty="0">
+                <a:solidFill>
+                  <a:schemeClr val="tx1"/>
+                </a:solidFill>
+                <a:latin typeface="微软雅黑" panose="020B0503020204020204" pitchFamily="34" charset="-122"/>
+                <a:ea typeface="微软雅黑" panose="020B0503020204020204" pitchFamily="34" charset="-122"/>
+              </a:rPr>
+              <a:t>张三</a:t>
+            </a:r>
+          </a:p>
+        </p:txBody>
+      </p:sp>
+      <p:sp>
+        <p:nvSpPr>
+          <p:cNvPr id="28" name="矩形 27">
+            <a:extLst>
+              <a:ext uri="{FF2B5EF4-FFF2-40B4-BE49-F238E27FC236}">
+                <a16:creationId xmlns:a16="http://schemas.microsoft.com/office/drawing/2014/main" id="{97AC42A3-0EB5-46C4-A2FA-39124F668C21}"/>
+              </a:ext>
+            </a:extLst>
+          </p:cNvPr>
+          <p:cNvSpPr/>
+          <p:nvPr/>
+        </p:nvSpPr>
+        <p:spPr bwMode="auto">
+          <a:xfrm>
+            <a:off x="4276369" y="4323401"/>
+            <a:ext cx="691277" cy="360040"/>
+          </a:xfrm>
+          <a:prstGeom prst="rect">
+            <a:avLst/>
+          </a:prstGeom>
+          <a:noFill/>
+          <a:ln w="12700" cap="flat" cmpd="sng" algn="ctr">
             <a:solidFill>
-              <a:srgbClr val="92D050"/>
+              <a:srgbClr val="FFC000"/>
             </a:solidFill>
-            <a:ln w="12700" cap="flat" cmpd="sng" algn="ctr">
-              <a:solidFill>
-                <a:srgbClr val="FFC000"/>
-              </a:solidFill>
-              <a:prstDash val="solid"/>
-              <a:round/>
-              <a:headEnd type="none" w="med" len="med"/>
-              <a:tailEnd type="none"/>
-            </a:ln>
-            <a:effectLst>
-              <a:outerShdw blurRad="12700" dist="12700" dir="5400000" algn="ctr" rotWithShape="0">
-                <a:srgbClr val="000000">
-                  <a:alpha val="50000"/>
-                </a:srgbClr>
-              </a:outerShdw>
-            </a:effectLst>
-          </p:spPr>
-          <p:txBody>
-            <a:bodyPr rot="0" spcFirstLastPara="0" vertOverflow="overflow" horzOverflow="overflow" vert="horz" wrap="square" lIns="91440" tIns="45720" rIns="91440" bIns="45720" numCol="1" spcCol="0" rtlCol="0" fromWordArt="0" anchor="ctr" anchorCtr="0" forceAA="0" compatLnSpc="1">
-              <a:prstTxWarp prst="textNoShape">
-                <a:avLst/>
-              </a:prstTxWarp>
-              <a:noAutofit/>
-            </a:bodyPr>
-            <a:lstStyle/>
-            <a:p>
-              <a:r>
-                <a:rPr lang="zh-CN" altLang="en-US" sz="1200" dirty="0">
-                  <a:solidFill>
-                    <a:schemeClr val="tx1"/>
-                  </a:solidFill>
-                </a:rPr>
-                <a:t>张三</a:t>
-              </a:r>
-            </a:p>
-          </p:txBody>
-        </p:sp>
-        <p:sp>
-          <p:nvSpPr>
-            <p:cNvPr id="28" name="矩形 27">
-              <a:extLst>
-                <a:ext uri="{FF2B5EF4-FFF2-40B4-BE49-F238E27FC236}">
-                  <a16:creationId xmlns:a16="http://schemas.microsoft.com/office/drawing/2014/main" xmlns="" id="{97AC42A3-0EB5-46C4-A2FA-39124F668C21}"/>
-                </a:ext>
-              </a:extLst>
-            </p:cNvPr>
-            <p:cNvSpPr/>
-            <p:nvPr/>
-          </p:nvSpPr>
-          <p:spPr bwMode="auto">
-            <a:xfrm>
-              <a:off x="3359696" y="1196752"/>
-              <a:ext cx="511200" cy="288000"/>
-            </a:xfrm>
-            <a:prstGeom prst="rect">
-              <a:avLst/>
-            </a:prstGeom>
-            <a:noFill/>
-            <a:ln w="12700" cap="flat" cmpd="sng" algn="ctr">
-              <a:solidFill>
-                <a:srgbClr val="FFC000"/>
-              </a:solidFill>
-              <a:prstDash val="solid"/>
-              <a:round/>
-              <a:headEnd type="none" w="med" len="med"/>
-              <a:tailEnd type="none"/>
-            </a:ln>
-            <a:effectLst>
-              <a:outerShdw blurRad="12700" dist="12700" dir="5400000" algn="ctr" rotWithShape="0">
-                <a:srgbClr val="000000">
-                  <a:alpha val="50000"/>
-                </a:srgbClr>
-              </a:outerShdw>
-            </a:effectLst>
-          </p:spPr>
-          <p:txBody>
-            <a:bodyPr rtlCol="0" anchor="ctr"/>
-            <a:lstStyle/>
-            <a:p>
-              <a:pPr algn="ctr"/>
-              <a:r>
-                <a:rPr lang="en-US" altLang="zh-CN" sz="1200" dirty="0">
-                  <a:solidFill>
-                    <a:schemeClr val="bg1"/>
-                  </a:solidFill>
-                </a:rPr>
-                <a:t>1</a:t>
-              </a:r>
-              <a:endParaRPr lang="zh-CN" altLang="en-US" sz="1200" dirty="0">
+            <a:prstDash val="solid"/>
+            <a:round/>
+            <a:headEnd type="none" w="med" len="med"/>
+            <a:tailEnd type="none"/>
+          </a:ln>
+          <a:effectLst/>
+        </p:spPr>
+        <p:txBody>
+          <a:bodyPr rtlCol="0" anchor="ctr"/>
+          <a:lstStyle/>
+          <a:p>
+            <a:pPr algn="ctr"/>
+            <a:r>
+              <a:rPr lang="en-US" altLang="zh-CN" sz="1400" dirty="0">
                 <a:solidFill>
                   <a:schemeClr val="bg1"/>
                 </a:solidFill>
-              </a:endParaRPr>
-            </a:p>
-          </p:txBody>
-        </p:sp>
-        <p:sp>
-          <p:nvSpPr>
-            <p:cNvPr id="29" name="矩形 28">
-              <a:extLst>
-                <a:ext uri="{FF2B5EF4-FFF2-40B4-BE49-F238E27FC236}">
-                  <a16:creationId xmlns:a16="http://schemas.microsoft.com/office/drawing/2014/main" xmlns="" id="{97AC42A3-0EB5-46C4-A2FA-39124F668C21}"/>
-                </a:ext>
-              </a:extLst>
-            </p:cNvPr>
-            <p:cNvSpPr/>
-            <p:nvPr/>
-          </p:nvSpPr>
-          <p:spPr bwMode="auto">
-            <a:xfrm>
-              <a:off x="4893296" y="1196752"/>
-              <a:ext cx="511200" cy="288000"/>
-            </a:xfrm>
-            <a:prstGeom prst="rect">
-              <a:avLst/>
-            </a:prstGeom>
-            <a:noFill/>
-            <a:ln w="12700" cap="flat" cmpd="sng" algn="ctr">
+                <a:latin typeface="微软雅黑" panose="020B0503020204020204" pitchFamily="34" charset="-122"/>
+                <a:ea typeface="微软雅黑" panose="020B0503020204020204" pitchFamily="34" charset="-122"/>
+              </a:rPr>
+              <a:t>1</a:t>
+            </a:r>
+            <a:endParaRPr lang="zh-CN" altLang="en-US" sz="1400" dirty="0">
               <a:solidFill>
-                <a:srgbClr val="FFC000"/>
+                <a:schemeClr val="bg1"/>
               </a:solidFill>
-              <a:prstDash val="solid"/>
-              <a:round/>
-              <a:headEnd type="none" w="med" len="med"/>
-              <a:tailEnd type="none"/>
-            </a:ln>
-            <a:effectLst>
-              <a:outerShdw blurRad="12700" dist="12700" dir="5400000" algn="ctr" rotWithShape="0">
-                <a:srgbClr val="000000">
-                  <a:alpha val="50000"/>
-                </a:srgbClr>
-              </a:outerShdw>
-            </a:effectLst>
-          </p:spPr>
-          <p:txBody>
-            <a:bodyPr rtlCol="0" anchor="ctr"/>
-            <a:lstStyle/>
-            <a:p>
-              <a:pPr algn="ctr"/>
-              <a:r>
-                <a:rPr lang="en-US" altLang="zh-CN" sz="1200" dirty="0" smtClean="0">
-                  <a:solidFill>
-                    <a:schemeClr val="bg1"/>
-                  </a:solidFill>
-                </a:rPr>
-                <a:t>200</a:t>
-              </a:r>
-              <a:endParaRPr lang="zh-CN" altLang="en-US" sz="1200" dirty="0">
+              <a:latin typeface="微软雅黑" panose="020B0503020204020204" pitchFamily="34" charset="-122"/>
+              <a:ea typeface="微软雅黑" panose="020B0503020204020204" pitchFamily="34" charset="-122"/>
+            </a:endParaRPr>
+          </a:p>
+        </p:txBody>
+      </p:sp>
+      <p:sp>
+        <p:nvSpPr>
+          <p:cNvPr id="29" name="矩形 28">
+            <a:extLst>
+              <a:ext uri="{FF2B5EF4-FFF2-40B4-BE49-F238E27FC236}">
+                <a16:creationId xmlns:a16="http://schemas.microsoft.com/office/drawing/2014/main" id="{97AC42A3-0EB5-46C4-A2FA-39124F668C21}"/>
+              </a:ext>
+            </a:extLst>
+          </p:cNvPr>
+          <p:cNvSpPr/>
+          <p:nvPr/>
+        </p:nvSpPr>
+        <p:spPr bwMode="auto">
+          <a:xfrm>
+            <a:off x="6350199" y="4323401"/>
+            <a:ext cx="691277" cy="360040"/>
+          </a:xfrm>
+          <a:prstGeom prst="rect">
+            <a:avLst/>
+          </a:prstGeom>
+          <a:noFill/>
+          <a:ln w="12700" cap="flat" cmpd="sng" algn="ctr">
+            <a:solidFill>
+              <a:srgbClr val="FFC000"/>
+            </a:solidFill>
+            <a:prstDash val="solid"/>
+            <a:round/>
+            <a:headEnd type="none" w="med" len="med"/>
+            <a:tailEnd type="none"/>
+          </a:ln>
+          <a:effectLst/>
+        </p:spPr>
+        <p:txBody>
+          <a:bodyPr rtlCol="0" anchor="ctr"/>
+          <a:lstStyle/>
+          <a:p>
+            <a:pPr algn="ctr"/>
+            <a:r>
+              <a:rPr lang="en-US" altLang="zh-CN" sz="1400" dirty="0">
                 <a:solidFill>
                   <a:schemeClr val="bg1"/>
                 </a:solidFill>
-              </a:endParaRPr>
-            </a:p>
-          </p:txBody>
-        </p:sp>
-        <p:sp>
-          <p:nvSpPr>
-            <p:cNvPr id="30" name="矩形 29">
-              <a:extLst>
-                <a:ext uri="{FF2B5EF4-FFF2-40B4-BE49-F238E27FC236}">
-                  <a16:creationId xmlns:a16="http://schemas.microsoft.com/office/drawing/2014/main" xmlns="" id="{97AC42A3-0EB5-46C4-A2FA-39124F668C21}"/>
-                </a:ext>
-              </a:extLst>
-            </p:cNvPr>
-            <p:cNvSpPr/>
-            <p:nvPr/>
-          </p:nvSpPr>
-          <p:spPr bwMode="auto">
-            <a:xfrm>
-              <a:off x="5404496" y="1196752"/>
-              <a:ext cx="511200" cy="288000"/>
-            </a:xfrm>
-            <a:prstGeom prst="rect">
-              <a:avLst/>
-            </a:prstGeom>
-            <a:noFill/>
-            <a:ln w="12700" cap="flat" cmpd="sng" algn="ctr">
+                <a:latin typeface="微软雅黑" panose="020B0503020204020204" pitchFamily="34" charset="-122"/>
+                <a:ea typeface="微软雅黑" panose="020B0503020204020204" pitchFamily="34" charset="-122"/>
+              </a:rPr>
+              <a:t>200</a:t>
+            </a:r>
+            <a:endParaRPr lang="zh-CN" altLang="en-US" sz="1400" dirty="0">
               <a:solidFill>
-                <a:srgbClr val="FFC000"/>
+                <a:schemeClr val="bg1"/>
               </a:solidFill>
-              <a:prstDash val="solid"/>
-              <a:round/>
-              <a:headEnd type="none" w="med" len="med"/>
-              <a:tailEnd type="none"/>
-            </a:ln>
-            <a:effectLst>
-              <a:outerShdw blurRad="12700" dist="12700" dir="5400000" algn="ctr" rotWithShape="0">
-                <a:srgbClr val="000000">
-                  <a:alpha val="50000"/>
-                </a:srgbClr>
-              </a:outerShdw>
-            </a:effectLst>
-          </p:spPr>
-          <p:txBody>
-            <a:bodyPr rtlCol="0" anchor="ctr"/>
-            <a:lstStyle/>
-            <a:p>
-              <a:pPr algn="ctr"/>
-              <a:r>
-                <a:rPr lang="en-US" altLang="zh-CN" sz="1200" dirty="0">
-                  <a:solidFill>
-                    <a:schemeClr val="bg1"/>
-                  </a:solidFill>
-                </a:rPr>
-                <a:t>1</a:t>
-              </a:r>
-              <a:endParaRPr lang="zh-CN" altLang="en-US" sz="1200" dirty="0">
+              <a:latin typeface="微软雅黑" panose="020B0503020204020204" pitchFamily="34" charset="-122"/>
+              <a:ea typeface="微软雅黑" panose="020B0503020204020204" pitchFamily="34" charset="-122"/>
+            </a:endParaRPr>
+          </a:p>
+        </p:txBody>
+      </p:sp>
+      <p:sp>
+        <p:nvSpPr>
+          <p:cNvPr id="30" name="矩形 29">
+            <a:extLst>
+              <a:ext uri="{FF2B5EF4-FFF2-40B4-BE49-F238E27FC236}">
+                <a16:creationId xmlns:a16="http://schemas.microsoft.com/office/drawing/2014/main" id="{97AC42A3-0EB5-46C4-A2FA-39124F668C21}"/>
+              </a:ext>
+            </a:extLst>
+          </p:cNvPr>
+          <p:cNvSpPr/>
+          <p:nvPr/>
+        </p:nvSpPr>
+        <p:spPr bwMode="auto">
+          <a:xfrm>
+            <a:off x="7041476" y="4323401"/>
+            <a:ext cx="691277" cy="360040"/>
+          </a:xfrm>
+          <a:prstGeom prst="rect">
+            <a:avLst/>
+          </a:prstGeom>
+          <a:noFill/>
+          <a:ln w="12700" cap="flat" cmpd="sng" algn="ctr">
+            <a:solidFill>
+              <a:srgbClr val="FFC000"/>
+            </a:solidFill>
+            <a:prstDash val="solid"/>
+            <a:round/>
+            <a:headEnd type="none" w="med" len="med"/>
+            <a:tailEnd type="none"/>
+          </a:ln>
+          <a:effectLst/>
+        </p:spPr>
+        <p:txBody>
+          <a:bodyPr rtlCol="0" anchor="ctr"/>
+          <a:lstStyle/>
+          <a:p>
+            <a:pPr algn="ctr"/>
+            <a:r>
+              <a:rPr lang="en-US" altLang="zh-CN" sz="1400" dirty="0">
                 <a:solidFill>
                   <a:schemeClr val="bg1"/>
                 </a:solidFill>
-              </a:endParaRPr>
-            </a:p>
-          </p:txBody>
-        </p:sp>
-      </p:grpSp>
-      <p:grpSp>
-        <p:nvGrpSpPr>
-          <p:cNvPr id="31" name="组合 30"/>
-          <p:cNvGrpSpPr/>
+                <a:latin typeface="微软雅黑" panose="020B0503020204020204" pitchFamily="34" charset="-122"/>
+                <a:ea typeface="微软雅黑" panose="020B0503020204020204" pitchFamily="34" charset="-122"/>
+              </a:rPr>
+              <a:t>1</a:t>
+            </a:r>
+            <a:endParaRPr lang="zh-CN" altLang="en-US" sz="1400" dirty="0">
+              <a:solidFill>
+                <a:schemeClr val="bg1"/>
+              </a:solidFill>
+              <a:latin typeface="微软雅黑" panose="020B0503020204020204" pitchFamily="34" charset="-122"/>
+              <a:ea typeface="微软雅黑" panose="020B0503020204020204" pitchFamily="34" charset="-122"/>
+            </a:endParaRPr>
+          </a:p>
+        </p:txBody>
+      </p:sp>
+      <p:sp>
+        <p:nvSpPr>
+          <p:cNvPr id="32" name="矩形 31">
+            <a:extLst>
+              <a:ext uri="{FF2B5EF4-FFF2-40B4-BE49-F238E27FC236}">
+                <a16:creationId xmlns:a16="http://schemas.microsoft.com/office/drawing/2014/main" id="{DA18C985-9AB9-4EBA-9EB1-362363B137D1}"/>
+              </a:ext>
+            </a:extLst>
+          </p:cNvPr>
+          <p:cNvSpPr/>
           <p:nvPr/>
-        </p:nvGrpSpPr>
-        <p:grpSpPr>
+        </p:nvSpPr>
+        <p:spPr bwMode="auto">
           <a:xfrm>
-            <a:off x="4271825" y="5347732"/>
-            <a:ext cx="3456384" cy="360040"/>
-            <a:chOff x="3359696" y="1196752"/>
-            <a:chExt cx="2556000" cy="288000"/>
+            <a:off x="4963102" y="5347732"/>
+            <a:ext cx="691277" cy="360040"/>
           </a:xfrm>
-        </p:grpSpPr>
-        <p:sp>
-          <p:nvSpPr>
-            <p:cNvPr id="32" name="矩形 31">
-              <a:extLst>
-                <a:ext uri="{FF2B5EF4-FFF2-40B4-BE49-F238E27FC236}">
-                  <a16:creationId xmlns:a16="http://schemas.microsoft.com/office/drawing/2014/main" xmlns="" id="{DA18C985-9AB9-4EBA-9EB1-362363B137D1}"/>
-                </a:ext>
-              </a:extLst>
-            </p:cNvPr>
-            <p:cNvSpPr/>
-            <p:nvPr/>
-          </p:nvSpPr>
-          <p:spPr bwMode="auto">
-            <a:xfrm>
-              <a:off x="3870896" y="1196752"/>
-              <a:ext cx="511200" cy="288000"/>
-            </a:xfrm>
-            <a:prstGeom prst="rect">
+          <a:prstGeom prst="rect">
+            <a:avLst/>
+          </a:prstGeom>
+          <a:solidFill>
+            <a:srgbClr val="92D050"/>
+          </a:solidFill>
+          <a:ln w="12700" cap="flat" cmpd="sng" algn="ctr">
+            <a:solidFill>
+              <a:srgbClr val="FFC000"/>
+            </a:solidFill>
+            <a:prstDash val="solid"/>
+            <a:round/>
+            <a:headEnd type="none" w="med" len="med"/>
+            <a:tailEnd type="none"/>
+          </a:ln>
+          <a:effectLst/>
+        </p:spPr>
+        <p:txBody>
+          <a:bodyPr rot="0" spcFirstLastPara="0" vertOverflow="overflow" horzOverflow="overflow" vert="horz" wrap="square" lIns="91440" tIns="45720" rIns="91440" bIns="45720" numCol="1" spcCol="0" rtlCol="0" fromWordArt="0" anchor="ctr" anchorCtr="0" forceAA="0" compatLnSpc="1">
+            <a:prstTxWarp prst="textNoShape">
               <a:avLst/>
-            </a:prstGeom>
-            <a:solidFill>
-              <a:srgbClr val="92D050"/>
-            </a:solidFill>
-            <a:ln w="12700" cap="flat" cmpd="sng" algn="ctr">
-              <a:solidFill>
-                <a:srgbClr val="FFC000"/>
-              </a:solidFill>
-              <a:prstDash val="solid"/>
-              <a:round/>
-              <a:headEnd type="none" w="med" len="med"/>
-              <a:tailEnd type="none"/>
-            </a:ln>
-            <a:effectLst>
-              <a:outerShdw blurRad="12700" dist="12700" dir="5400000" algn="ctr" rotWithShape="0">
-                <a:srgbClr val="000000">
-                  <a:alpha val="50000"/>
-                </a:srgbClr>
-              </a:outerShdw>
-            </a:effectLst>
-          </p:spPr>
-          <p:txBody>
-            <a:bodyPr rot="0" spcFirstLastPara="0" vertOverflow="overflow" horzOverflow="overflow" vert="horz" wrap="square" lIns="91440" tIns="45720" rIns="91440" bIns="45720" numCol="1" spcCol="0" rtlCol="0" fromWordArt="0" anchor="ctr" anchorCtr="0" forceAA="0" compatLnSpc="1">
-              <a:prstTxWarp prst="textNoShape">
-                <a:avLst/>
-              </a:prstTxWarp>
-              <a:noAutofit/>
-            </a:bodyPr>
-            <a:lstStyle/>
-            <a:p>
-              <a:r>
-                <a:rPr lang="en-US" altLang="zh-CN" sz="1400" b="1" dirty="0">
-                  <a:solidFill>
-                    <a:schemeClr val="tx1"/>
-                  </a:solidFill>
-                </a:rPr>
-                <a:t>3</a:t>
-              </a:r>
-              <a:endParaRPr lang="zh-CN" altLang="en-US" sz="1400" b="1" dirty="0">
+            </a:prstTxWarp>
+            <a:noAutofit/>
+          </a:bodyPr>
+          <a:lstStyle/>
+          <a:p>
+            <a:r>
+              <a:rPr lang="en-US" altLang="zh-CN" sz="1400" b="1" dirty="0">
                 <a:solidFill>
                   <a:schemeClr val="tx1"/>
                 </a:solidFill>
-              </a:endParaRPr>
-            </a:p>
-          </p:txBody>
-        </p:sp>
-        <p:sp>
-          <p:nvSpPr>
-            <p:cNvPr id="33" name="矩形 32">
-              <a:extLst>
-                <a:ext uri="{FF2B5EF4-FFF2-40B4-BE49-F238E27FC236}">
-                  <a16:creationId xmlns:a16="http://schemas.microsoft.com/office/drawing/2014/main" xmlns="" id="{0A87C972-9CCD-4CE9-931B-D0EC29B1BCD7}"/>
-                </a:ext>
-              </a:extLst>
-            </p:cNvPr>
-            <p:cNvSpPr/>
-            <p:nvPr/>
-          </p:nvSpPr>
-          <p:spPr bwMode="auto">
-            <a:xfrm>
-              <a:off x="4382096" y="1196752"/>
-              <a:ext cx="511200" cy="288000"/>
-            </a:xfrm>
-            <a:prstGeom prst="rect">
+                <a:latin typeface="微软雅黑" panose="020B0503020204020204" pitchFamily="34" charset="-122"/>
+                <a:ea typeface="微软雅黑" panose="020B0503020204020204" pitchFamily="34" charset="-122"/>
+              </a:rPr>
+              <a:t>3</a:t>
+            </a:r>
+            <a:endParaRPr lang="zh-CN" altLang="en-US" sz="1400" b="1" dirty="0">
+              <a:solidFill>
+                <a:schemeClr val="tx1"/>
+              </a:solidFill>
+              <a:latin typeface="微软雅黑" panose="020B0503020204020204" pitchFamily="34" charset="-122"/>
+              <a:ea typeface="微软雅黑" panose="020B0503020204020204" pitchFamily="34" charset="-122"/>
+            </a:endParaRPr>
+          </a:p>
+        </p:txBody>
+      </p:sp>
+      <p:sp>
+        <p:nvSpPr>
+          <p:cNvPr id="33" name="矩形 32">
+            <a:extLst>
+              <a:ext uri="{FF2B5EF4-FFF2-40B4-BE49-F238E27FC236}">
+                <a16:creationId xmlns:a16="http://schemas.microsoft.com/office/drawing/2014/main" id="{0A87C972-9CCD-4CE9-931B-D0EC29B1BCD7}"/>
+              </a:ext>
+            </a:extLst>
+          </p:cNvPr>
+          <p:cNvSpPr/>
+          <p:nvPr/>
+        </p:nvSpPr>
+        <p:spPr bwMode="auto">
+          <a:xfrm>
+            <a:off x="5654379" y="5347732"/>
+            <a:ext cx="691277" cy="360040"/>
+          </a:xfrm>
+          <a:prstGeom prst="rect">
+            <a:avLst/>
+          </a:prstGeom>
+          <a:solidFill>
+            <a:srgbClr val="92D050"/>
+          </a:solidFill>
+          <a:ln w="12700" cap="flat" cmpd="sng" algn="ctr">
+            <a:solidFill>
+              <a:srgbClr val="FFC000"/>
+            </a:solidFill>
+            <a:prstDash val="solid"/>
+            <a:round/>
+            <a:headEnd type="none" w="med" len="med"/>
+            <a:tailEnd type="none"/>
+          </a:ln>
+          <a:effectLst/>
+        </p:spPr>
+        <p:txBody>
+          <a:bodyPr rot="0" spcFirstLastPara="0" vertOverflow="overflow" horzOverflow="overflow" vert="horz" wrap="square" lIns="91440" tIns="45720" rIns="91440" bIns="45720" numCol="1" spcCol="0" rtlCol="0" fromWordArt="0" anchor="ctr" anchorCtr="0" forceAA="0" compatLnSpc="1">
+            <a:prstTxWarp prst="textNoShape">
               <a:avLst/>
-            </a:prstGeom>
+            </a:prstTxWarp>
+            <a:noAutofit/>
+          </a:bodyPr>
+          <a:lstStyle/>
+          <a:p>
+            <a:r>
+              <a:rPr lang="zh-CN" altLang="en-US" sz="1400" dirty="0">
+                <a:solidFill>
+                  <a:schemeClr val="tx1"/>
+                </a:solidFill>
+                <a:latin typeface="微软雅黑" panose="020B0503020204020204" pitchFamily="34" charset="-122"/>
+                <a:ea typeface="微软雅黑" panose="020B0503020204020204" pitchFamily="34" charset="-122"/>
+              </a:rPr>
+              <a:t>张三</a:t>
+            </a:r>
+          </a:p>
+        </p:txBody>
+      </p:sp>
+      <p:sp>
+        <p:nvSpPr>
+          <p:cNvPr id="34" name="矩形 33">
+            <a:extLst>
+              <a:ext uri="{FF2B5EF4-FFF2-40B4-BE49-F238E27FC236}">
+                <a16:creationId xmlns:a16="http://schemas.microsoft.com/office/drawing/2014/main" id="{97AC42A3-0EB5-46C4-A2FA-39124F668C21}"/>
+              </a:ext>
+            </a:extLst>
+          </p:cNvPr>
+          <p:cNvSpPr/>
+          <p:nvPr/>
+        </p:nvSpPr>
+        <p:spPr bwMode="auto">
+          <a:xfrm>
+            <a:off x="4271825" y="5347732"/>
+            <a:ext cx="691277" cy="360040"/>
+          </a:xfrm>
+          <a:prstGeom prst="rect">
+            <a:avLst/>
+          </a:prstGeom>
+          <a:noFill/>
+          <a:ln w="12700" cap="flat" cmpd="sng" algn="ctr">
             <a:solidFill>
-              <a:srgbClr val="92D050"/>
+              <a:srgbClr val="FFC000"/>
             </a:solidFill>
-            <a:ln w="12700" cap="flat" cmpd="sng" algn="ctr">
-              <a:solidFill>
-                <a:srgbClr val="FFC000"/>
-              </a:solidFill>
-              <a:prstDash val="solid"/>
-              <a:round/>
-              <a:headEnd type="none" w="med" len="med"/>
-              <a:tailEnd type="none"/>
-            </a:ln>
-            <a:effectLst>
-              <a:outerShdw blurRad="12700" dist="12700" dir="5400000" algn="ctr" rotWithShape="0">
-                <a:srgbClr val="000000">
-                  <a:alpha val="50000"/>
-                </a:srgbClr>
-              </a:outerShdw>
-            </a:effectLst>
-          </p:spPr>
-          <p:txBody>
-            <a:bodyPr rot="0" spcFirstLastPara="0" vertOverflow="overflow" horzOverflow="overflow" vert="horz" wrap="square" lIns="91440" tIns="45720" rIns="91440" bIns="45720" numCol="1" spcCol="0" rtlCol="0" fromWordArt="0" anchor="ctr" anchorCtr="0" forceAA="0" compatLnSpc="1">
-              <a:prstTxWarp prst="textNoShape">
-                <a:avLst/>
-              </a:prstTxWarp>
-              <a:noAutofit/>
-            </a:bodyPr>
-            <a:lstStyle/>
-            <a:p>
-              <a:r>
-                <a:rPr lang="zh-CN" altLang="en-US" sz="1200" dirty="0">
-                  <a:solidFill>
-                    <a:schemeClr val="tx1"/>
-                  </a:solidFill>
-                </a:rPr>
-                <a:t>张三</a:t>
-              </a:r>
-            </a:p>
-          </p:txBody>
-        </p:sp>
-        <p:sp>
-          <p:nvSpPr>
-            <p:cNvPr id="34" name="矩形 33">
-              <a:extLst>
-                <a:ext uri="{FF2B5EF4-FFF2-40B4-BE49-F238E27FC236}">
-                  <a16:creationId xmlns:a16="http://schemas.microsoft.com/office/drawing/2014/main" xmlns="" id="{97AC42A3-0EB5-46C4-A2FA-39124F668C21}"/>
-                </a:ext>
-              </a:extLst>
-            </p:cNvPr>
-            <p:cNvSpPr/>
-            <p:nvPr/>
-          </p:nvSpPr>
-          <p:spPr bwMode="auto">
-            <a:xfrm>
-              <a:off x="3359696" y="1196752"/>
-              <a:ext cx="511200" cy="288000"/>
-            </a:xfrm>
-            <a:prstGeom prst="rect">
-              <a:avLst/>
-            </a:prstGeom>
-            <a:noFill/>
-            <a:ln w="12700" cap="flat" cmpd="sng" algn="ctr">
-              <a:solidFill>
-                <a:srgbClr val="FFC000"/>
-              </a:solidFill>
-              <a:prstDash val="solid"/>
-              <a:round/>
-              <a:headEnd type="none" w="med" len="med"/>
-              <a:tailEnd type="none"/>
-            </a:ln>
-            <a:effectLst>
-              <a:outerShdw blurRad="12700" dist="12700" dir="5400000" algn="ctr" rotWithShape="0">
-                <a:srgbClr val="000000">
-                  <a:alpha val="50000"/>
-                </a:srgbClr>
-              </a:outerShdw>
-            </a:effectLst>
-          </p:spPr>
-          <p:txBody>
-            <a:bodyPr rtlCol="0" anchor="ctr"/>
-            <a:lstStyle/>
-            <a:p>
-              <a:pPr algn="ctr"/>
-              <a:r>
-                <a:rPr lang="en-US" altLang="zh-CN" sz="1200" dirty="0">
-                  <a:solidFill>
-                    <a:schemeClr val="bg1"/>
-                  </a:solidFill>
-                </a:rPr>
-                <a:t>1</a:t>
-              </a:r>
-              <a:endParaRPr lang="zh-CN" altLang="en-US" sz="1200" dirty="0">
+            <a:prstDash val="solid"/>
+            <a:round/>
+            <a:headEnd type="none" w="med" len="med"/>
+            <a:tailEnd type="none"/>
+          </a:ln>
+          <a:effectLst/>
+        </p:spPr>
+        <p:txBody>
+          <a:bodyPr rtlCol="0" anchor="ctr"/>
+          <a:lstStyle/>
+          <a:p>
+            <a:pPr algn="ctr"/>
+            <a:r>
+              <a:rPr lang="en-US" altLang="zh-CN" sz="1400" dirty="0">
                 <a:solidFill>
                   <a:schemeClr val="bg1"/>
                 </a:solidFill>
-              </a:endParaRPr>
-            </a:p>
-          </p:txBody>
-        </p:sp>
-        <p:sp>
-          <p:nvSpPr>
-            <p:cNvPr id="35" name="矩形 34">
-              <a:extLst>
-                <a:ext uri="{FF2B5EF4-FFF2-40B4-BE49-F238E27FC236}">
-                  <a16:creationId xmlns:a16="http://schemas.microsoft.com/office/drawing/2014/main" xmlns="" id="{97AC42A3-0EB5-46C4-A2FA-39124F668C21}"/>
-                </a:ext>
-              </a:extLst>
-            </p:cNvPr>
-            <p:cNvSpPr/>
-            <p:nvPr/>
-          </p:nvSpPr>
-          <p:spPr bwMode="auto">
-            <a:xfrm>
-              <a:off x="4893296" y="1196752"/>
-              <a:ext cx="511200" cy="288000"/>
-            </a:xfrm>
-            <a:prstGeom prst="rect">
-              <a:avLst/>
-            </a:prstGeom>
-            <a:noFill/>
-            <a:ln w="12700" cap="flat" cmpd="sng" algn="ctr">
+                <a:latin typeface="微软雅黑" panose="020B0503020204020204" pitchFamily="34" charset="-122"/>
+                <a:ea typeface="微软雅黑" panose="020B0503020204020204" pitchFamily="34" charset="-122"/>
+              </a:rPr>
+              <a:t>1</a:t>
+            </a:r>
+            <a:endParaRPr lang="zh-CN" altLang="en-US" sz="1400" dirty="0">
               <a:solidFill>
-                <a:srgbClr val="FFC000"/>
+                <a:schemeClr val="bg1"/>
               </a:solidFill>
-              <a:prstDash val="solid"/>
-              <a:round/>
-              <a:headEnd type="none" w="med" len="med"/>
-              <a:tailEnd type="none"/>
-            </a:ln>
-            <a:effectLst>
-              <a:outerShdw blurRad="12700" dist="12700" dir="5400000" algn="ctr" rotWithShape="0">
-                <a:srgbClr val="000000">
-                  <a:alpha val="50000"/>
-                </a:srgbClr>
-              </a:outerShdw>
-            </a:effectLst>
-          </p:spPr>
-          <p:txBody>
-            <a:bodyPr rtlCol="0" anchor="ctr"/>
-            <a:lstStyle/>
-            <a:p>
-              <a:pPr algn="ctr"/>
-              <a:r>
-                <a:rPr lang="en-US" altLang="zh-CN" sz="1200" dirty="0" smtClean="0">
-                  <a:solidFill>
-                    <a:schemeClr val="bg1"/>
-                  </a:solidFill>
-                </a:rPr>
-                <a:t>200</a:t>
-              </a:r>
-              <a:endParaRPr lang="zh-CN" altLang="en-US" sz="1200" dirty="0">
+              <a:latin typeface="微软雅黑" panose="020B0503020204020204" pitchFamily="34" charset="-122"/>
+              <a:ea typeface="微软雅黑" panose="020B0503020204020204" pitchFamily="34" charset="-122"/>
+            </a:endParaRPr>
+          </a:p>
+        </p:txBody>
+      </p:sp>
+      <p:sp>
+        <p:nvSpPr>
+          <p:cNvPr id="35" name="矩形 34">
+            <a:extLst>
+              <a:ext uri="{FF2B5EF4-FFF2-40B4-BE49-F238E27FC236}">
+                <a16:creationId xmlns:a16="http://schemas.microsoft.com/office/drawing/2014/main" id="{97AC42A3-0EB5-46C4-A2FA-39124F668C21}"/>
+              </a:ext>
+            </a:extLst>
+          </p:cNvPr>
+          <p:cNvSpPr/>
+          <p:nvPr/>
+        </p:nvSpPr>
+        <p:spPr bwMode="auto">
+          <a:xfrm>
+            <a:off x="6345655" y="5347732"/>
+            <a:ext cx="691277" cy="360040"/>
+          </a:xfrm>
+          <a:prstGeom prst="rect">
+            <a:avLst/>
+          </a:prstGeom>
+          <a:noFill/>
+          <a:ln w="12700" cap="flat" cmpd="sng" algn="ctr">
+            <a:solidFill>
+              <a:srgbClr val="FFC000"/>
+            </a:solidFill>
+            <a:prstDash val="solid"/>
+            <a:round/>
+            <a:headEnd type="none" w="med" len="med"/>
+            <a:tailEnd type="none"/>
+          </a:ln>
+          <a:effectLst/>
+        </p:spPr>
+        <p:txBody>
+          <a:bodyPr rtlCol="0" anchor="ctr"/>
+          <a:lstStyle/>
+          <a:p>
+            <a:pPr algn="ctr"/>
+            <a:r>
+              <a:rPr lang="en-US" altLang="zh-CN" sz="1400" dirty="0">
                 <a:solidFill>
                   <a:schemeClr val="bg1"/>
                 </a:solidFill>
-              </a:endParaRPr>
-            </a:p>
-          </p:txBody>
-        </p:sp>
-        <p:sp>
-          <p:nvSpPr>
-            <p:cNvPr id="36" name="矩形 35">
-              <a:extLst>
-                <a:ext uri="{FF2B5EF4-FFF2-40B4-BE49-F238E27FC236}">
-                  <a16:creationId xmlns:a16="http://schemas.microsoft.com/office/drawing/2014/main" xmlns="" id="{97AC42A3-0EB5-46C4-A2FA-39124F668C21}"/>
-                </a:ext>
-              </a:extLst>
-            </p:cNvPr>
-            <p:cNvSpPr/>
-            <p:nvPr/>
-          </p:nvSpPr>
-          <p:spPr bwMode="auto">
-            <a:xfrm>
-              <a:off x="5404496" y="1196752"/>
-              <a:ext cx="511200" cy="288000"/>
-            </a:xfrm>
-            <a:prstGeom prst="rect">
-              <a:avLst/>
-            </a:prstGeom>
-            <a:noFill/>
-            <a:ln w="12700" cap="flat" cmpd="sng" algn="ctr">
+                <a:latin typeface="微软雅黑" panose="020B0503020204020204" pitchFamily="34" charset="-122"/>
+                <a:ea typeface="微软雅黑" panose="020B0503020204020204" pitchFamily="34" charset="-122"/>
+              </a:rPr>
+              <a:t>200</a:t>
+            </a:r>
+            <a:endParaRPr lang="zh-CN" altLang="en-US" sz="1400" dirty="0">
               <a:solidFill>
-                <a:srgbClr val="FFC000"/>
+                <a:schemeClr val="bg1"/>
               </a:solidFill>
-              <a:prstDash val="solid"/>
-              <a:round/>
-              <a:headEnd type="none" w="med" len="med"/>
-              <a:tailEnd type="none"/>
-            </a:ln>
-            <a:effectLst>
-              <a:outerShdw blurRad="12700" dist="12700" dir="5400000" algn="ctr" rotWithShape="0">
-                <a:srgbClr val="000000">
-                  <a:alpha val="50000"/>
-                </a:srgbClr>
-              </a:outerShdw>
-            </a:effectLst>
-          </p:spPr>
-          <p:txBody>
-            <a:bodyPr rtlCol="0" anchor="ctr"/>
-            <a:lstStyle/>
-            <a:p>
-              <a:pPr algn="ctr"/>
-              <a:r>
-                <a:rPr lang="en-US" altLang="zh-CN" sz="1200" dirty="0">
-                  <a:solidFill>
-                    <a:schemeClr val="bg1"/>
-                  </a:solidFill>
-                </a:rPr>
-                <a:t>1</a:t>
-              </a:r>
-              <a:endParaRPr lang="zh-CN" altLang="en-US" sz="1200" dirty="0">
+              <a:latin typeface="微软雅黑" panose="020B0503020204020204" pitchFamily="34" charset="-122"/>
+              <a:ea typeface="微软雅黑" panose="020B0503020204020204" pitchFamily="34" charset="-122"/>
+            </a:endParaRPr>
+          </a:p>
+        </p:txBody>
+      </p:sp>
+      <p:sp>
+        <p:nvSpPr>
+          <p:cNvPr id="36" name="矩形 35">
+            <a:extLst>
+              <a:ext uri="{FF2B5EF4-FFF2-40B4-BE49-F238E27FC236}">
+                <a16:creationId xmlns:a16="http://schemas.microsoft.com/office/drawing/2014/main" id="{97AC42A3-0EB5-46C4-A2FA-39124F668C21}"/>
+              </a:ext>
+            </a:extLst>
+          </p:cNvPr>
+          <p:cNvSpPr/>
+          <p:nvPr/>
+        </p:nvSpPr>
+        <p:spPr bwMode="auto">
+          <a:xfrm>
+            <a:off x="7036932" y="5347732"/>
+            <a:ext cx="691277" cy="360040"/>
+          </a:xfrm>
+          <a:prstGeom prst="rect">
+            <a:avLst/>
+          </a:prstGeom>
+          <a:noFill/>
+          <a:ln w="12700" cap="flat" cmpd="sng" algn="ctr">
+            <a:solidFill>
+              <a:srgbClr val="FFC000"/>
+            </a:solidFill>
+            <a:prstDash val="solid"/>
+            <a:round/>
+            <a:headEnd type="none" w="med" len="med"/>
+            <a:tailEnd type="none"/>
+          </a:ln>
+          <a:effectLst/>
+        </p:spPr>
+        <p:txBody>
+          <a:bodyPr rtlCol="0" anchor="ctr"/>
+          <a:lstStyle/>
+          <a:p>
+            <a:pPr algn="ctr"/>
+            <a:r>
+              <a:rPr lang="en-US" altLang="zh-CN" sz="1400" dirty="0">
                 <a:solidFill>
                   <a:schemeClr val="bg1"/>
                 </a:solidFill>
-              </a:endParaRPr>
-            </a:p>
-          </p:txBody>
-        </p:sp>
-      </p:grpSp>
+                <a:latin typeface="微软雅黑" panose="020B0503020204020204" pitchFamily="34" charset="-122"/>
+                <a:ea typeface="微软雅黑" panose="020B0503020204020204" pitchFamily="34" charset="-122"/>
+              </a:rPr>
+              <a:t>1</a:t>
+            </a:r>
+            <a:endParaRPr lang="zh-CN" altLang="en-US" sz="1400" dirty="0">
+              <a:solidFill>
+                <a:schemeClr val="bg1"/>
+              </a:solidFill>
+              <a:latin typeface="微软雅黑" panose="020B0503020204020204" pitchFamily="34" charset="-122"/>
+              <a:ea typeface="微软雅黑" panose="020B0503020204020204" pitchFamily="34" charset="-122"/>
+            </a:endParaRPr>
+          </a:p>
+        </p:txBody>
+      </p:sp>
       <p:sp>
         <p:nvSpPr>
           <p:cNvPr id="37" name="任意多边形 36"/>
@@ -9837,20 +10315,17 @@
             <a:headEnd type="none" w="med" len="med"/>
             <a:tailEnd type="arrow"/>
           </a:ln>
-          <a:effectLst>
-            <a:outerShdw blurRad="12700" dist="12700" dir="5400000" algn="ctr" rotWithShape="0">
-              <a:srgbClr val="000000">
-                <a:alpha val="50000"/>
-              </a:srgbClr>
-            </a:outerShdw>
-          </a:effectLst>
+          <a:effectLst/>
         </p:spPr>
         <p:txBody>
           <a:bodyPr rtlCol="0" anchor="ctr"/>
           <a:lstStyle/>
           <a:p>
             <a:pPr algn="ctr"/>
-            <a:endParaRPr lang="zh-CN" altLang="en-US"/>
+            <a:endParaRPr lang="zh-CN" altLang="en-US" sz="1400">
+              <a:latin typeface="微软雅黑" panose="020B0503020204020204" pitchFamily="34" charset="-122"/>
+              <a:ea typeface="微软雅黑" panose="020B0503020204020204" pitchFamily="34" charset="-122"/>
+            </a:endParaRPr>
           </a:p>
         </p:txBody>
       </p:sp>
@@ -10048,20 +10523,17 @@
             <a:headEnd type="none" w="med" len="med"/>
             <a:tailEnd type="arrow"/>
           </a:ln>
-          <a:effectLst>
-            <a:outerShdw blurRad="12700" dist="12700" dir="5400000" algn="ctr" rotWithShape="0">
-              <a:srgbClr val="000000">
-                <a:alpha val="50000"/>
-              </a:srgbClr>
-            </a:outerShdw>
-          </a:effectLst>
+          <a:effectLst/>
         </p:spPr>
         <p:txBody>
           <a:bodyPr rtlCol="0" anchor="ctr"/>
           <a:lstStyle/>
           <a:p>
             <a:pPr algn="ctr"/>
-            <a:endParaRPr lang="zh-CN" altLang="en-US"/>
+            <a:endParaRPr lang="zh-CN" altLang="en-US" sz="1400">
+              <a:latin typeface="微软雅黑" panose="020B0503020204020204" pitchFamily="34" charset="-122"/>
+              <a:ea typeface="微软雅黑" panose="020B0503020204020204" pitchFamily="34" charset="-122"/>
+            </a:endParaRPr>
           </a:p>
         </p:txBody>
       </p:sp>
@@ -10259,20 +10731,17 @@
             <a:headEnd type="none" w="med" len="med"/>
             <a:tailEnd type="arrow"/>
           </a:ln>
-          <a:effectLst>
-            <a:outerShdw blurRad="12700" dist="12700" dir="5400000" algn="ctr" rotWithShape="0">
-              <a:srgbClr val="000000">
-                <a:alpha val="50000"/>
-              </a:srgbClr>
-            </a:outerShdw>
-          </a:effectLst>
+          <a:effectLst/>
         </p:spPr>
         <p:txBody>
           <a:bodyPr rtlCol="0" anchor="ctr"/>
           <a:lstStyle/>
           <a:p>
             <a:pPr algn="ctr"/>
-            <a:endParaRPr lang="zh-CN" altLang="en-US"/>
+            <a:endParaRPr lang="zh-CN" altLang="en-US" sz="1400">
+              <a:latin typeface="微软雅黑" panose="020B0503020204020204" pitchFamily="34" charset="-122"/>
+              <a:ea typeface="微软雅黑" panose="020B0503020204020204" pitchFamily="34" charset="-122"/>
+            </a:endParaRPr>
           </a:p>
         </p:txBody>
       </p:sp>
@@ -10470,20 +10939,17 @@
             <a:headEnd type="none" w="med" len="med"/>
             <a:tailEnd type="arrow"/>
           </a:ln>
-          <a:effectLst>
-            <a:outerShdw blurRad="12700" dist="12700" dir="5400000" algn="ctr" rotWithShape="0">
-              <a:srgbClr val="000000">
-                <a:alpha val="50000"/>
-              </a:srgbClr>
-            </a:outerShdw>
-          </a:effectLst>
+          <a:effectLst/>
         </p:spPr>
         <p:txBody>
           <a:bodyPr rtlCol="0" anchor="ctr"/>
           <a:lstStyle/>
           <a:p>
             <a:pPr algn="ctr"/>
-            <a:endParaRPr lang="zh-CN" altLang="en-US"/>
+            <a:endParaRPr lang="zh-CN" altLang="en-US" sz="1400">
+              <a:latin typeface="微软雅黑" panose="020B0503020204020204" pitchFamily="34" charset="-122"/>
+              <a:ea typeface="微软雅黑" panose="020B0503020204020204" pitchFamily="34" charset="-122"/>
+            </a:endParaRPr>
           </a:p>
         </p:txBody>
       </p:sp>
@@ -10492,7 +10958,7 @@
           <p:cNvPr id="41" name="矩形 40">
             <a:extLst>
               <a:ext uri="{FF2B5EF4-FFF2-40B4-BE49-F238E27FC236}">
-                <a16:creationId xmlns:a16="http://schemas.microsoft.com/office/drawing/2014/main" xmlns="" id="{9E7E878F-B0F2-438A-8DF9-914FAAB4EAA6}"/>
+                <a16:creationId xmlns:a16="http://schemas.microsoft.com/office/drawing/2014/main" id="{9E7E878F-B0F2-438A-8DF9-914FAAB4EAA6}"/>
               </a:ext>
             </a:extLst>
           </p:cNvPr>
@@ -10501,8 +10967,8 @@
         </p:nvSpPr>
         <p:spPr bwMode="auto">
           <a:xfrm>
-            <a:off x="2567609" y="1274504"/>
-            <a:ext cx="1481360" cy="294461"/>
+            <a:off x="2567608" y="1274504"/>
+            <a:ext cx="1696981" cy="294461"/>
           </a:xfrm>
           <a:prstGeom prst="rect">
             <a:avLst/>
@@ -10515,13 +10981,7 @@
             <a:headEnd type="none" w="med" len="med"/>
             <a:tailEnd type="none"/>
           </a:ln>
-          <a:effectLst>
-            <a:outerShdw blurRad="12700" dist="12700" dir="5400000" algn="ctr" rotWithShape="0">
-              <a:srgbClr val="000000">
-                <a:alpha val="50000"/>
-              </a:srgbClr>
-            </a:outerShdw>
-          </a:effectLst>
+          <a:effectLst/>
         </p:spPr>
         <p:txBody>
           <a:bodyPr rot="0" spcFirstLastPara="0" vertOverflow="overflow" horzOverflow="overflow" vert="horz" wrap="square" lIns="91440" tIns="45720" rIns="91440" bIns="45720" numCol="1" spcCol="0" rtlCol="0" fromWordArt="0" anchor="ctr" anchorCtr="0" forceAA="0" compatLnSpc="1">
@@ -10534,18 +10994,15 @@
           <a:p>
             <a:pPr algn="l"/>
             <a:r>
-              <a:rPr lang="zh-CN" altLang="en-US" sz="1000" dirty="0" smtClean="0">
+              <a:rPr lang="zh-CN" altLang="en-US" sz="1400" dirty="0">
                 <a:solidFill>
                   <a:schemeClr val="bg1"/>
                 </a:solidFill>
+                <a:latin typeface="微软雅黑" panose="020B0503020204020204" pitchFamily="34" charset="-122"/>
+                <a:ea typeface="微软雅黑" panose="020B0503020204020204" pitchFamily="34" charset="-122"/>
               </a:rPr>
               <a:t>当前页面最新记录</a:t>
             </a:r>
-            <a:endParaRPr lang="zh-CN" altLang="en-US" sz="1000" dirty="0">
-              <a:solidFill>
-                <a:schemeClr val="bg1"/>
-              </a:solidFill>
-            </a:endParaRPr>
           </a:p>
         </p:txBody>
       </p:sp>
@@ -10557,7 +11014,7 @@
         </p:nvSpPr>
         <p:spPr bwMode="auto">
           <a:xfrm>
-            <a:off x="3399828" y="2299668"/>
+            <a:off x="3502303" y="2305342"/>
             <a:ext cx="381078" cy="3359773"/>
           </a:xfrm>
           <a:custGeom>
@@ -10757,19 +11214,16 @@
             <a:headEnd type="none" w="med" len="med"/>
             <a:tailEnd type="none"/>
           </a:ln>
-          <a:effectLst>
-            <a:outerShdw blurRad="12700" dist="12700" dir="5400000" algn="ctr" rotWithShape="0">
-              <a:srgbClr val="000000">
-                <a:alpha val="50000"/>
-              </a:srgbClr>
-            </a:outerShdw>
-          </a:effectLst>
+          <a:effectLst/>
         </p:spPr>
         <p:txBody>
           <a:bodyPr rtlCol="0" anchor="ctr"/>
           <a:lstStyle/>
           <a:p>
-            <a:endParaRPr lang="zh-CN" altLang="en-US"/>
+            <a:endParaRPr lang="zh-CN" altLang="en-US" sz="1400">
+              <a:latin typeface="微软雅黑" panose="020B0503020204020204" pitchFamily="34" charset="-122"/>
+              <a:ea typeface="微软雅黑" panose="020B0503020204020204" pitchFamily="34" charset="-122"/>
+            </a:endParaRPr>
           </a:p>
         </p:txBody>
       </p:sp>
@@ -10781,7 +11235,7 @@
         </p:nvSpPr>
         <p:spPr bwMode="auto">
           <a:xfrm flipH="1">
-            <a:off x="7849652" y="1274504"/>
+            <a:off x="7793330" y="1274504"/>
             <a:ext cx="354477" cy="4444519"/>
           </a:xfrm>
           <a:custGeom>
@@ -11017,19 +11471,16 @@
             <a:headEnd type="none" w="med" len="med"/>
             <a:tailEnd type="none"/>
           </a:ln>
-          <a:effectLst>
-            <a:outerShdw blurRad="12700" dist="12700" dir="5400000" algn="ctr" rotWithShape="0">
-              <a:srgbClr val="000000">
-                <a:alpha val="50000"/>
-              </a:srgbClr>
-            </a:outerShdw>
-          </a:effectLst>
+          <a:effectLst/>
         </p:spPr>
         <p:txBody>
           <a:bodyPr rtlCol="0" anchor="ctr"/>
           <a:lstStyle/>
           <a:p>
-            <a:endParaRPr lang="zh-CN" altLang="en-US"/>
+            <a:endParaRPr lang="zh-CN" altLang="en-US" sz="1400">
+              <a:latin typeface="微软雅黑" panose="020B0503020204020204" pitchFamily="34" charset="-122"/>
+              <a:ea typeface="微软雅黑" panose="020B0503020204020204" pitchFamily="34" charset="-122"/>
+            </a:endParaRPr>
           </a:p>
         </p:txBody>
       </p:sp>
@@ -11038,7 +11489,7 @@
           <p:cNvPr id="44" name="矩形 43">
             <a:extLst>
               <a:ext uri="{FF2B5EF4-FFF2-40B4-BE49-F238E27FC236}">
-                <a16:creationId xmlns:a16="http://schemas.microsoft.com/office/drawing/2014/main" xmlns="" id="{9E7E878F-B0F2-438A-8DF9-914FAAB4EAA6}"/>
+                <a16:creationId xmlns:a16="http://schemas.microsoft.com/office/drawing/2014/main" id="{9E7E878F-B0F2-438A-8DF9-914FAAB4EAA6}"/>
               </a:ext>
             </a:extLst>
           </p:cNvPr>
@@ -11047,8 +11498,8 @@
         </p:nvSpPr>
         <p:spPr bwMode="auto">
           <a:xfrm>
-            <a:off x="2565348" y="3979554"/>
-            <a:ext cx="751565" cy="294461"/>
+            <a:off x="2545916" y="3980347"/>
+            <a:ext cx="990979" cy="294461"/>
           </a:xfrm>
           <a:prstGeom prst="rect">
             <a:avLst/>
@@ -11061,13 +11512,7 @@
             <a:headEnd type="none" w="med" len="med"/>
             <a:tailEnd type="none"/>
           </a:ln>
-          <a:effectLst>
-            <a:outerShdw blurRad="12700" dist="12700" dir="5400000" algn="ctr" rotWithShape="0">
-              <a:srgbClr val="000000">
-                <a:alpha val="50000"/>
-              </a:srgbClr>
-            </a:outerShdw>
-          </a:effectLst>
+          <a:effectLst/>
         </p:spPr>
         <p:txBody>
           <a:bodyPr rot="0" spcFirstLastPara="0" vertOverflow="overflow" horzOverflow="overflow" vert="horz" wrap="square" lIns="91440" tIns="45720" rIns="91440" bIns="45720" numCol="1" spcCol="0" rtlCol="0" fromWordArt="0" anchor="ctr" anchorCtr="0" forceAA="0" compatLnSpc="1">
@@ -11080,26 +11525,25 @@
           <a:p>
             <a:pPr algn="l"/>
             <a:r>
-              <a:rPr lang="en-US" altLang="zh-CN" sz="1000" dirty="0" smtClean="0">
+              <a:rPr lang="en-US" altLang="zh-CN" sz="1400" dirty="0">
                 <a:solidFill>
                   <a:schemeClr val="bg1"/>
                 </a:solidFill>
+                <a:latin typeface="微软雅黑" panose="020B0503020204020204" pitchFamily="34" charset="-122"/>
+                <a:ea typeface="微软雅黑" panose="020B0503020204020204" pitchFamily="34" charset="-122"/>
               </a:rPr>
               <a:t>undo</a:t>
             </a:r>
             <a:r>
-              <a:rPr lang="zh-CN" altLang="en-US" sz="1000" dirty="0" smtClean="0">
+              <a:rPr lang="zh-CN" altLang="en-US" sz="1400" dirty="0">
                 <a:solidFill>
                   <a:schemeClr val="bg1"/>
                 </a:solidFill>
+                <a:latin typeface="微软雅黑" panose="020B0503020204020204" pitchFamily="34" charset="-122"/>
+                <a:ea typeface="微软雅黑" panose="020B0503020204020204" pitchFamily="34" charset="-122"/>
               </a:rPr>
               <a:t>日志</a:t>
             </a:r>
-            <a:endParaRPr lang="zh-CN" altLang="en-US" sz="1000" dirty="0">
-              <a:solidFill>
-                <a:schemeClr val="bg1"/>
-              </a:solidFill>
-            </a:endParaRPr>
           </a:p>
         </p:txBody>
       </p:sp>
@@ -11108,7 +11552,7 @@
           <p:cNvPr id="45" name="矩形 44">
             <a:extLst>
               <a:ext uri="{FF2B5EF4-FFF2-40B4-BE49-F238E27FC236}">
-                <a16:creationId xmlns:a16="http://schemas.microsoft.com/office/drawing/2014/main" xmlns="" id="{9E7E878F-B0F2-438A-8DF9-914FAAB4EAA6}"/>
+                <a16:creationId xmlns:a16="http://schemas.microsoft.com/office/drawing/2014/main" id="{9E7E878F-B0F2-438A-8DF9-914FAAB4EAA6}"/>
               </a:ext>
             </a:extLst>
           </p:cNvPr>
@@ -11117,8 +11561,8 @@
         </p:nvSpPr>
         <p:spPr bwMode="auto">
           <a:xfrm>
-            <a:off x="8235341" y="3623664"/>
-            <a:ext cx="820484" cy="294461"/>
+            <a:off x="8101482" y="3588330"/>
+            <a:ext cx="1101020" cy="294461"/>
           </a:xfrm>
           <a:prstGeom prst="rect">
             <a:avLst/>
@@ -11131,13 +11575,7 @@
             <a:headEnd type="none" w="med" len="med"/>
             <a:tailEnd type="none"/>
           </a:ln>
-          <a:effectLst>
-            <a:outerShdw blurRad="12700" dist="12700" dir="5400000" algn="ctr" rotWithShape="0">
-              <a:srgbClr val="000000">
-                <a:alpha val="50000"/>
-              </a:srgbClr>
-            </a:outerShdw>
-          </a:effectLst>
+          <a:effectLst/>
         </p:spPr>
         <p:txBody>
           <a:bodyPr rot="0" spcFirstLastPara="0" vertOverflow="overflow" horzOverflow="overflow" vert="horz" wrap="square" lIns="91440" tIns="45720" rIns="91440" bIns="45720" numCol="1" spcCol="0" rtlCol="0" fromWordArt="0" anchor="ctr" anchorCtr="0" forceAA="0" compatLnSpc="1">
@@ -11150,18 +11588,15 @@
           <a:p>
             <a:pPr algn="l"/>
             <a:r>
-              <a:rPr lang="zh-CN" altLang="en-US" sz="1000" dirty="0" smtClean="0">
+              <a:rPr lang="zh-CN" altLang="en-US" sz="1400" dirty="0">
                 <a:solidFill>
                   <a:schemeClr val="bg1"/>
                 </a:solidFill>
+                <a:latin typeface="微软雅黑" panose="020B0503020204020204" pitchFamily="34" charset="-122"/>
+                <a:ea typeface="微软雅黑" panose="020B0503020204020204" pitchFamily="34" charset="-122"/>
               </a:rPr>
               <a:t>串成版本链</a:t>
             </a:r>
-            <a:endParaRPr lang="zh-CN" altLang="en-US" sz="1000" dirty="0">
-              <a:solidFill>
-                <a:schemeClr val="bg1"/>
-              </a:solidFill>
-            </a:endParaRPr>
           </a:p>
         </p:txBody>
       </p:sp>
@@ -11170,7 +11605,7 @@
           <p:cNvPr id="46" name="流程图: 过程 45">
             <a:extLst>
               <a:ext uri="{FF2B5EF4-FFF2-40B4-BE49-F238E27FC236}">
-                <a16:creationId xmlns:a16="http://schemas.microsoft.com/office/drawing/2014/main" xmlns="" id="{DEE6F68B-D383-4456-A945-5D2426316FC6}"/>
+                <a16:creationId xmlns:a16="http://schemas.microsoft.com/office/drawing/2014/main" id="{DEE6F68B-D383-4456-A945-5D2426316FC6}"/>
               </a:ext>
             </a:extLst>
           </p:cNvPr>
@@ -11213,10 +11648,13 @@
           <a:lstStyle/>
           <a:p>
             <a:r>
-              <a:rPr lang="zh-CN" altLang="en-US" sz="1300" dirty="0" smtClean="0"/>
+              <a:rPr lang="zh-CN" altLang="en-US" sz="1400" dirty="0">
+                <a:latin typeface="微软雅黑" panose="020B0503020204020204" pitchFamily="34" charset="-122"/>
+                <a:ea typeface="微软雅黑" panose="020B0503020204020204" pitchFamily="34" charset="-122"/>
+              </a:rPr>
               <a:t>版本链</a:t>
             </a:r>
-            <a:endParaRPr lang="zh-CN" altLang="en-US" sz="1300" dirty="0">
+            <a:endParaRPr lang="zh-CN" altLang="en-US" sz="1400" dirty="0">
               <a:solidFill>
                 <a:schemeClr val="bg1"/>
               </a:solidFill>
